--- a/DFD.pptx
+++ b/DFD.pptx
@@ -4,11 +4,17 @@
   <p:sldMasterIdLst>
     <p:sldMasterId id="2147483660" r:id="rId1"/>
   </p:sldMasterIdLst>
+  <p:notesMasterIdLst>
+    <p:notesMasterId r:id="rId9"/>
+  </p:notesMasterIdLst>
   <p:sldIdLst>
     <p:sldId id="256" r:id="rId2"/>
     <p:sldId id="257" r:id="rId3"/>
-    <p:sldId id="258" r:id="rId4"/>
-    <p:sldId id="259" r:id="rId5"/>
+    <p:sldId id="264" r:id="rId4"/>
+    <p:sldId id="262" r:id="rId5"/>
+    <p:sldId id="263" r:id="rId6"/>
+    <p:sldId id="260" r:id="rId7"/>
+    <p:sldId id="261" r:id="rId8"/>
   </p:sldIdLst>
   <p:sldSz cx="9144000" cy="6858000" type="screen4x3"/>
   <p:notesSz cx="6858000" cy="9144000"/>
@@ -110,6 +116,440 @@
 </p:presentation>
 </file>
 
+<file path=ppt/notesMasters/notesMaster1.xml><?xml version="1.0" encoding="utf-8"?>
+<p:notesMaster xmlns:a="http://schemas.openxmlformats.org/drawingml/2006/main" xmlns:r="http://schemas.openxmlformats.org/officeDocument/2006/relationships" xmlns:p="http://schemas.openxmlformats.org/presentationml/2006/main">
+  <p:cSld>
+    <p:bg>
+      <p:bgRef idx="1001">
+        <a:schemeClr val="bg1"/>
+      </p:bgRef>
+    </p:bg>
+    <p:spTree>
+      <p:nvGrpSpPr>
+        <p:cNvPr id="1" name=""/>
+        <p:cNvGrpSpPr/>
+        <p:nvPr/>
+      </p:nvGrpSpPr>
+      <p:grpSpPr>
+        <a:xfrm>
+          <a:off x="0" y="0"/>
+          <a:ext cx="0" cy="0"/>
+          <a:chOff x="0" y="0"/>
+          <a:chExt cx="0" cy="0"/>
+        </a:xfrm>
+      </p:grpSpPr>
+      <p:sp>
+        <p:nvSpPr>
+          <p:cNvPr id="2" name="Header Placeholder 1"/>
+          <p:cNvSpPr>
+            <a:spLocks noGrp="1"/>
+          </p:cNvSpPr>
+          <p:nvPr>
+            <p:ph type="hdr" sz="quarter"/>
+          </p:nvPr>
+        </p:nvSpPr>
+        <p:spPr>
+          <a:xfrm>
+            <a:off x="0" y="0"/>
+            <a:ext cx="2971800" cy="457200"/>
+          </a:xfrm>
+          <a:prstGeom prst="rect">
+            <a:avLst/>
+          </a:prstGeom>
+        </p:spPr>
+        <p:txBody>
+          <a:bodyPr vert="horz" lIns="91440" tIns="45720" rIns="91440" bIns="45720" rtlCol="0"/>
+          <a:lstStyle>
+            <a:lvl1pPr algn="l">
+              <a:defRPr sz="1200"/>
+            </a:lvl1pPr>
+          </a:lstStyle>
+          <a:p>
+            <a:endParaRPr lang="en-US" dirty="0"/>
+          </a:p>
+        </p:txBody>
+      </p:sp>
+      <p:sp>
+        <p:nvSpPr>
+          <p:cNvPr id="3" name="Date Placeholder 2"/>
+          <p:cNvSpPr>
+            <a:spLocks noGrp="1"/>
+          </p:cNvSpPr>
+          <p:nvPr>
+            <p:ph type="dt" idx="1"/>
+          </p:nvPr>
+        </p:nvSpPr>
+        <p:spPr>
+          <a:xfrm>
+            <a:off x="3884613" y="0"/>
+            <a:ext cx="2971800" cy="457200"/>
+          </a:xfrm>
+          <a:prstGeom prst="rect">
+            <a:avLst/>
+          </a:prstGeom>
+        </p:spPr>
+        <p:txBody>
+          <a:bodyPr vert="horz" lIns="91440" tIns="45720" rIns="91440" bIns="45720" rtlCol="0"/>
+          <a:lstStyle>
+            <a:lvl1pPr algn="r">
+              <a:defRPr sz="1200"/>
+            </a:lvl1pPr>
+          </a:lstStyle>
+          <a:p>
+            <a:fld id="{A97631C9-35D7-4E63-8517-044C36CD430B}" type="datetimeFigureOut">
+              <a:rPr lang="en-US" smtClean="0"/>
+              <a:t>2/18/2019</a:t>
+            </a:fld>
+            <a:endParaRPr lang="en-US" dirty="0"/>
+          </a:p>
+        </p:txBody>
+      </p:sp>
+      <p:sp>
+        <p:nvSpPr>
+          <p:cNvPr id="4" name="Slide Image Placeholder 3"/>
+          <p:cNvSpPr>
+            <a:spLocks noGrp="1" noRot="1" noChangeAspect="1"/>
+          </p:cNvSpPr>
+          <p:nvPr>
+            <p:ph type="sldImg" idx="2"/>
+          </p:nvPr>
+        </p:nvSpPr>
+        <p:spPr>
+          <a:xfrm>
+            <a:off x="1143000" y="685800"/>
+            <a:ext cx="4572000" cy="3429000"/>
+          </a:xfrm>
+          <a:prstGeom prst="rect">
+            <a:avLst/>
+          </a:prstGeom>
+          <a:noFill/>
+          <a:ln w="12700">
+            <a:solidFill>
+              <a:prstClr val="black"/>
+            </a:solidFill>
+          </a:ln>
+        </p:spPr>
+        <p:txBody>
+          <a:bodyPr vert="horz" lIns="91440" tIns="45720" rIns="91440" bIns="45720" rtlCol="0" anchor="ctr"/>
+          <a:lstStyle/>
+          <a:p>
+            <a:endParaRPr lang="en-US" dirty="0"/>
+          </a:p>
+        </p:txBody>
+      </p:sp>
+      <p:sp>
+        <p:nvSpPr>
+          <p:cNvPr id="5" name="Notes Placeholder 4"/>
+          <p:cNvSpPr>
+            <a:spLocks noGrp="1"/>
+          </p:cNvSpPr>
+          <p:nvPr>
+            <p:ph type="body" sz="quarter" idx="3"/>
+          </p:nvPr>
+        </p:nvSpPr>
+        <p:spPr>
+          <a:xfrm>
+            <a:off x="685800" y="4343400"/>
+            <a:ext cx="5486400" cy="4114800"/>
+          </a:xfrm>
+          <a:prstGeom prst="rect">
+            <a:avLst/>
+          </a:prstGeom>
+        </p:spPr>
+        <p:txBody>
+          <a:bodyPr vert="horz" lIns="91440" tIns="45720" rIns="91440" bIns="45720" rtlCol="0"/>
+          <a:lstStyle/>
+          <a:p>
+            <a:pPr lvl="0"/>
+            <a:r>
+              <a:rPr lang="en-US" smtClean="0"/>
+              <a:t>Click to edit Master text styles</a:t>
+            </a:r>
+          </a:p>
+          <a:p>
+            <a:pPr lvl="1"/>
+            <a:r>
+              <a:rPr lang="en-US" smtClean="0"/>
+              <a:t>Second level</a:t>
+            </a:r>
+          </a:p>
+          <a:p>
+            <a:pPr lvl="2"/>
+            <a:r>
+              <a:rPr lang="en-US" smtClean="0"/>
+              <a:t>Third level</a:t>
+            </a:r>
+          </a:p>
+          <a:p>
+            <a:pPr lvl="3"/>
+            <a:r>
+              <a:rPr lang="en-US" smtClean="0"/>
+              <a:t>Fourth level</a:t>
+            </a:r>
+          </a:p>
+          <a:p>
+            <a:pPr lvl="4"/>
+            <a:r>
+              <a:rPr lang="en-US" smtClean="0"/>
+              <a:t>Fifth level</a:t>
+            </a:r>
+            <a:endParaRPr lang="en-US"/>
+          </a:p>
+        </p:txBody>
+      </p:sp>
+      <p:sp>
+        <p:nvSpPr>
+          <p:cNvPr id="6" name="Footer Placeholder 5"/>
+          <p:cNvSpPr>
+            <a:spLocks noGrp="1"/>
+          </p:cNvSpPr>
+          <p:nvPr>
+            <p:ph type="ftr" sz="quarter" idx="4"/>
+          </p:nvPr>
+        </p:nvSpPr>
+        <p:spPr>
+          <a:xfrm>
+            <a:off x="0" y="8685213"/>
+            <a:ext cx="2971800" cy="457200"/>
+          </a:xfrm>
+          <a:prstGeom prst="rect">
+            <a:avLst/>
+          </a:prstGeom>
+        </p:spPr>
+        <p:txBody>
+          <a:bodyPr vert="horz" lIns="91440" tIns="45720" rIns="91440" bIns="45720" rtlCol="0" anchor="b"/>
+          <a:lstStyle>
+            <a:lvl1pPr algn="l">
+              <a:defRPr sz="1200"/>
+            </a:lvl1pPr>
+          </a:lstStyle>
+          <a:p>
+            <a:endParaRPr lang="en-US" dirty="0"/>
+          </a:p>
+        </p:txBody>
+      </p:sp>
+      <p:sp>
+        <p:nvSpPr>
+          <p:cNvPr id="7" name="Slide Number Placeholder 6"/>
+          <p:cNvSpPr>
+            <a:spLocks noGrp="1"/>
+          </p:cNvSpPr>
+          <p:nvPr>
+            <p:ph type="sldNum" sz="quarter" idx="5"/>
+          </p:nvPr>
+        </p:nvSpPr>
+        <p:spPr>
+          <a:xfrm>
+            <a:off x="3884613" y="8685213"/>
+            <a:ext cx="2971800" cy="457200"/>
+          </a:xfrm>
+          <a:prstGeom prst="rect">
+            <a:avLst/>
+          </a:prstGeom>
+        </p:spPr>
+        <p:txBody>
+          <a:bodyPr vert="horz" lIns="91440" tIns="45720" rIns="91440" bIns="45720" rtlCol="0" anchor="b"/>
+          <a:lstStyle>
+            <a:lvl1pPr algn="r">
+              <a:defRPr sz="1200"/>
+            </a:lvl1pPr>
+          </a:lstStyle>
+          <a:p>
+            <a:fld id="{DA7133A6-B2B4-44AB-B7D0-79FC8739D863}" type="slidenum">
+              <a:rPr lang="en-US" smtClean="0"/>
+              <a:t>‹#›</a:t>
+            </a:fld>
+            <a:endParaRPr lang="en-US" dirty="0"/>
+          </a:p>
+        </p:txBody>
+      </p:sp>
+    </p:spTree>
+    <p:extLst>
+      <p:ext uri="{BB962C8B-B14F-4D97-AF65-F5344CB8AC3E}">
+        <p14:creationId xmlns:p14="http://schemas.microsoft.com/office/powerpoint/2010/main" val="2766057142"/>
+      </p:ext>
+    </p:extLst>
+  </p:cSld>
+  <p:clrMap bg1="lt1" tx1="dk1" bg2="lt2" tx2="dk2" accent1="accent1" accent2="accent2" accent3="accent3" accent4="accent4" accent5="accent5" accent6="accent6" hlink="hlink" folHlink="folHlink"/>
+  <p:notesStyle>
+    <a:lvl1pPr marL="0" algn="l" defTabSz="914400" rtl="0" eaLnBrk="1" latinLnBrk="0" hangingPunct="1">
+      <a:defRPr sz="1200" kern="1200">
+        <a:solidFill>
+          <a:schemeClr val="tx1"/>
+        </a:solidFill>
+        <a:latin typeface="+mn-lt"/>
+        <a:ea typeface="+mn-ea"/>
+        <a:cs typeface="+mn-cs"/>
+      </a:defRPr>
+    </a:lvl1pPr>
+    <a:lvl2pPr marL="457200" algn="l" defTabSz="914400" rtl="0" eaLnBrk="1" latinLnBrk="0" hangingPunct="1">
+      <a:defRPr sz="1200" kern="1200">
+        <a:solidFill>
+          <a:schemeClr val="tx1"/>
+        </a:solidFill>
+        <a:latin typeface="+mn-lt"/>
+        <a:ea typeface="+mn-ea"/>
+        <a:cs typeface="+mn-cs"/>
+      </a:defRPr>
+    </a:lvl2pPr>
+    <a:lvl3pPr marL="914400" algn="l" defTabSz="914400" rtl="0" eaLnBrk="1" latinLnBrk="0" hangingPunct="1">
+      <a:defRPr sz="1200" kern="1200">
+        <a:solidFill>
+          <a:schemeClr val="tx1"/>
+        </a:solidFill>
+        <a:latin typeface="+mn-lt"/>
+        <a:ea typeface="+mn-ea"/>
+        <a:cs typeface="+mn-cs"/>
+      </a:defRPr>
+    </a:lvl3pPr>
+    <a:lvl4pPr marL="1371600" algn="l" defTabSz="914400" rtl="0" eaLnBrk="1" latinLnBrk="0" hangingPunct="1">
+      <a:defRPr sz="1200" kern="1200">
+        <a:solidFill>
+          <a:schemeClr val="tx1"/>
+        </a:solidFill>
+        <a:latin typeface="+mn-lt"/>
+        <a:ea typeface="+mn-ea"/>
+        <a:cs typeface="+mn-cs"/>
+      </a:defRPr>
+    </a:lvl4pPr>
+    <a:lvl5pPr marL="1828800" algn="l" defTabSz="914400" rtl="0" eaLnBrk="1" latinLnBrk="0" hangingPunct="1">
+      <a:defRPr sz="1200" kern="1200">
+        <a:solidFill>
+          <a:schemeClr val="tx1"/>
+        </a:solidFill>
+        <a:latin typeface="+mn-lt"/>
+        <a:ea typeface="+mn-ea"/>
+        <a:cs typeface="+mn-cs"/>
+      </a:defRPr>
+    </a:lvl5pPr>
+    <a:lvl6pPr marL="2286000" algn="l" defTabSz="914400" rtl="0" eaLnBrk="1" latinLnBrk="0" hangingPunct="1">
+      <a:defRPr sz="1200" kern="1200">
+        <a:solidFill>
+          <a:schemeClr val="tx1"/>
+        </a:solidFill>
+        <a:latin typeface="+mn-lt"/>
+        <a:ea typeface="+mn-ea"/>
+        <a:cs typeface="+mn-cs"/>
+      </a:defRPr>
+    </a:lvl6pPr>
+    <a:lvl7pPr marL="2743200" algn="l" defTabSz="914400" rtl="0" eaLnBrk="1" latinLnBrk="0" hangingPunct="1">
+      <a:defRPr sz="1200" kern="1200">
+        <a:solidFill>
+          <a:schemeClr val="tx1"/>
+        </a:solidFill>
+        <a:latin typeface="+mn-lt"/>
+        <a:ea typeface="+mn-ea"/>
+        <a:cs typeface="+mn-cs"/>
+      </a:defRPr>
+    </a:lvl7pPr>
+    <a:lvl8pPr marL="3200400" algn="l" defTabSz="914400" rtl="0" eaLnBrk="1" latinLnBrk="0" hangingPunct="1">
+      <a:defRPr sz="1200" kern="1200">
+        <a:solidFill>
+          <a:schemeClr val="tx1"/>
+        </a:solidFill>
+        <a:latin typeface="+mn-lt"/>
+        <a:ea typeface="+mn-ea"/>
+        <a:cs typeface="+mn-cs"/>
+      </a:defRPr>
+    </a:lvl8pPr>
+    <a:lvl9pPr marL="3657600" algn="l" defTabSz="914400" rtl="0" eaLnBrk="1" latinLnBrk="0" hangingPunct="1">
+      <a:defRPr sz="1200" kern="1200">
+        <a:solidFill>
+          <a:schemeClr val="tx1"/>
+        </a:solidFill>
+        <a:latin typeface="+mn-lt"/>
+        <a:ea typeface="+mn-ea"/>
+        <a:cs typeface="+mn-cs"/>
+      </a:defRPr>
+    </a:lvl9pPr>
+  </p:notesStyle>
+</p:notesMaster>
+</file>
+
+<file path=ppt/notesSlides/notesSlide1.xml><?xml version="1.0" encoding="utf-8"?>
+<p:notes xmlns:a="http://schemas.openxmlformats.org/drawingml/2006/main" xmlns:r="http://schemas.openxmlformats.org/officeDocument/2006/relationships" xmlns:p="http://schemas.openxmlformats.org/presentationml/2006/main">
+  <p:cSld>
+    <p:spTree>
+      <p:nvGrpSpPr>
+        <p:cNvPr id="1" name=""/>
+        <p:cNvGrpSpPr/>
+        <p:nvPr/>
+      </p:nvGrpSpPr>
+      <p:grpSpPr>
+        <a:xfrm>
+          <a:off x="0" y="0"/>
+          <a:ext cx="0" cy="0"/>
+          <a:chOff x="0" y="0"/>
+          <a:chExt cx="0" cy="0"/>
+        </a:xfrm>
+      </p:grpSpPr>
+      <p:sp>
+        <p:nvSpPr>
+          <p:cNvPr id="2" name="Slide Image Placeholder 1"/>
+          <p:cNvSpPr>
+            <a:spLocks noGrp="1" noRot="1" noChangeAspect="1"/>
+          </p:cNvSpPr>
+          <p:nvPr>
+            <p:ph type="sldImg"/>
+          </p:nvPr>
+        </p:nvSpPr>
+        <p:spPr/>
+      </p:sp>
+      <p:sp>
+        <p:nvSpPr>
+          <p:cNvPr id="3" name="Notes Placeholder 2"/>
+          <p:cNvSpPr>
+            <a:spLocks noGrp="1"/>
+          </p:cNvSpPr>
+          <p:nvPr>
+            <p:ph type="body" idx="1"/>
+          </p:nvPr>
+        </p:nvSpPr>
+        <p:spPr/>
+        <p:txBody>
+          <a:bodyPr/>
+          <a:lstStyle/>
+          <a:p>
+            <a:endParaRPr lang="en-US" dirty="0"/>
+          </a:p>
+        </p:txBody>
+      </p:sp>
+      <p:sp>
+        <p:nvSpPr>
+          <p:cNvPr id="4" name="Slide Number Placeholder 3"/>
+          <p:cNvSpPr>
+            <a:spLocks noGrp="1"/>
+          </p:cNvSpPr>
+          <p:nvPr>
+            <p:ph type="sldNum" sz="quarter" idx="10"/>
+          </p:nvPr>
+        </p:nvSpPr>
+        <p:spPr/>
+        <p:txBody>
+          <a:bodyPr/>
+          <a:lstStyle/>
+          <a:p>
+            <a:fld id="{DA7133A6-B2B4-44AB-B7D0-79FC8739D863}" type="slidenum">
+              <a:rPr lang="en-US" smtClean="0"/>
+              <a:t>6</a:t>
+            </a:fld>
+            <a:endParaRPr lang="en-US" dirty="0"/>
+          </a:p>
+        </p:txBody>
+      </p:sp>
+    </p:spTree>
+    <p:extLst>
+      <p:ext uri="{BB962C8B-B14F-4D97-AF65-F5344CB8AC3E}">
+        <p14:creationId xmlns:p14="http://schemas.microsoft.com/office/powerpoint/2010/main" val="1469539378"/>
+      </p:ext>
+    </p:extLst>
+  </p:cSld>
+  <p:clrMapOvr>
+    <a:masterClrMapping/>
+  </p:clrMapOvr>
+</p:notes>
+</file>
+
 <file path=ppt/slideLayouts/slideLayout1.xml><?xml version="1.0" encoding="utf-8"?>
 <p:sldLayout xmlns:a="http://schemas.openxmlformats.org/drawingml/2006/main" xmlns:r="http://schemas.openxmlformats.org/officeDocument/2006/relationships" xmlns:p="http://schemas.openxmlformats.org/presentationml/2006/main" showMasterSp="0" type="title" preserve="1">
   <p:cSld name="Title Slide">
@@ -169,7 +609,7 @@
           <a:lstStyle/>
           <a:p>
             <a:pPr algn="ctr"/>
-            <a:endParaRPr lang="en-US"/>
+            <a:endParaRPr lang="en-US" dirty="0"/>
           </a:p>
         </p:txBody>
       </p:sp>
@@ -240,7 +680,7 @@
               </a:spcBef>
               <a:buNone/>
             </a:pPr>
-            <a:endParaRPr lang="en-US" sz="1800" b="1" kern="1200" cap="all" spc="0" baseline="0" smtClean="0">
+            <a:endParaRPr lang="en-US" sz="1800" b="1" kern="1200" cap="all" spc="0" baseline="0" dirty="0" smtClean="0">
               <a:solidFill>
                 <a:schemeClr val="bg1"/>
               </a:solidFill>
@@ -434,9 +874,9 @@
           <a:p>
             <a:fld id="{684B6C12-854E-475D-BD13-798E1853F98B}" type="datetimeFigureOut">
               <a:rPr lang="en-US" smtClean="0"/>
-              <a:t>2/11/2019</a:t>
+              <a:t>2/18/2019</a:t>
             </a:fld>
-            <a:endParaRPr lang="en-US"/>
+            <a:endParaRPr lang="en-US" dirty="0"/>
           </a:p>
         </p:txBody>
       </p:sp>
@@ -459,7 +899,7 @@
               <a:rPr lang="en-US" smtClean="0"/>
               <a:t>‹#›</a:t>
             </a:fld>
-            <a:endParaRPr lang="en-US"/>
+            <a:endParaRPr lang="en-US" dirty="0"/>
           </a:p>
         </p:txBody>
       </p:sp>
@@ -478,7 +918,7 @@
           <a:bodyPr/>
           <a:lstStyle/>
           <a:p>
-            <a:endParaRPr lang="en-US"/>
+            <a:endParaRPr lang="en-US" dirty="0"/>
           </a:p>
         </p:txBody>
       </p:sp>
@@ -599,9 +1039,9 @@
           <a:p>
             <a:fld id="{684B6C12-854E-475D-BD13-798E1853F98B}" type="datetimeFigureOut">
               <a:rPr lang="en-US" smtClean="0"/>
-              <a:t>2/11/2019</a:t>
+              <a:t>2/18/2019</a:t>
             </a:fld>
-            <a:endParaRPr lang="en-US"/>
+            <a:endParaRPr lang="en-US" dirty="0"/>
           </a:p>
         </p:txBody>
       </p:sp>
@@ -620,7 +1060,7 @@
           <a:bodyPr/>
           <a:lstStyle/>
           <a:p>
-            <a:endParaRPr lang="en-US"/>
+            <a:endParaRPr lang="en-US" dirty="0"/>
           </a:p>
         </p:txBody>
       </p:sp>
@@ -643,7 +1083,7 @@
               <a:rPr lang="en-US" smtClean="0"/>
               <a:t>‹#›</a:t>
             </a:fld>
-            <a:endParaRPr lang="en-US"/>
+            <a:endParaRPr lang="en-US" dirty="0"/>
           </a:p>
         </p:txBody>
       </p:sp>
@@ -751,7 +1191,7 @@
           <a:lstStyle/>
           <a:p>
             <a:pPr algn="ctr"/>
-            <a:endParaRPr lang="en-US"/>
+            <a:endParaRPr lang="en-US" dirty="0"/>
           </a:p>
         </p:txBody>
       </p:sp>
@@ -829,9 +1269,9 @@
           <a:p>
             <a:fld id="{684B6C12-854E-475D-BD13-798E1853F98B}" type="datetimeFigureOut">
               <a:rPr lang="en-US" smtClean="0"/>
-              <a:t>2/11/2019</a:t>
+              <a:t>2/18/2019</a:t>
             </a:fld>
-            <a:endParaRPr lang="en-US"/>
+            <a:endParaRPr lang="en-US" dirty="0"/>
           </a:p>
         </p:txBody>
       </p:sp>
@@ -850,7 +1290,7 @@
           <a:bodyPr/>
           <a:lstStyle/>
           <a:p>
-            <a:endParaRPr lang="en-US"/>
+            <a:endParaRPr lang="en-US" dirty="0"/>
           </a:p>
         </p:txBody>
       </p:sp>
@@ -873,7 +1313,7 @@
               <a:rPr lang="en-US" smtClean="0"/>
               <a:t>‹#›</a:t>
             </a:fld>
-            <a:endParaRPr lang="en-US"/>
+            <a:endParaRPr lang="en-US" dirty="0"/>
           </a:p>
         </p:txBody>
       </p:sp>
@@ -1027,9 +1467,9 @@
           <a:p>
             <a:fld id="{684B6C12-854E-475D-BD13-798E1853F98B}" type="datetimeFigureOut">
               <a:rPr lang="en-US" smtClean="0"/>
-              <a:t>2/11/2019</a:t>
+              <a:t>2/18/2019</a:t>
             </a:fld>
-            <a:endParaRPr lang="en-US"/>
+            <a:endParaRPr lang="en-US" dirty="0"/>
           </a:p>
         </p:txBody>
       </p:sp>
@@ -1052,7 +1492,7 @@
               <a:rPr lang="en-US" smtClean="0"/>
               <a:t>‹#›</a:t>
             </a:fld>
-            <a:endParaRPr lang="en-US"/>
+            <a:endParaRPr lang="en-US" dirty="0"/>
           </a:p>
         </p:txBody>
       </p:sp>
@@ -1071,7 +1511,7 @@
           <a:bodyPr/>
           <a:lstStyle/>
           <a:p>
-            <a:endParaRPr lang="en-US"/>
+            <a:endParaRPr lang="en-US" dirty="0"/>
           </a:p>
         </p:txBody>
       </p:sp>
@@ -1147,7 +1587,7 @@
           <a:lstStyle/>
           <a:p>
             <a:pPr algn="ctr"/>
-            <a:endParaRPr lang="en-US"/>
+            <a:endParaRPr lang="en-US" dirty="0"/>
           </a:p>
         </p:txBody>
       </p:sp>
@@ -1224,7 +1664,7 @@
               </a:spcBef>
               <a:buNone/>
             </a:pPr>
-            <a:endParaRPr lang="en-US" sz="1800" b="1" kern="1200" cap="all" spc="0" baseline="0" smtClean="0">
+            <a:endParaRPr lang="en-US" sz="1800" b="1" kern="1200" cap="all" spc="0" baseline="0" dirty="0" smtClean="0">
               <a:solidFill>
                 <a:schemeClr val="bg1"/>
               </a:solidFill>
@@ -1435,9 +1875,9 @@
           <a:p>
             <a:fld id="{684B6C12-854E-475D-BD13-798E1853F98B}" type="datetimeFigureOut">
               <a:rPr lang="en-US" smtClean="0"/>
-              <a:t>2/11/2019</a:t>
+              <a:t>2/18/2019</a:t>
             </a:fld>
-            <a:endParaRPr lang="en-US"/>
+            <a:endParaRPr lang="en-US" dirty="0"/>
           </a:p>
         </p:txBody>
       </p:sp>
@@ -1460,7 +1900,7 @@
               <a:rPr lang="en-US" smtClean="0"/>
               <a:t>‹#›</a:t>
             </a:fld>
-            <a:endParaRPr lang="en-US"/>
+            <a:endParaRPr lang="en-US" dirty="0"/>
           </a:p>
         </p:txBody>
       </p:sp>
@@ -1479,7 +1919,7 @@
           <a:bodyPr/>
           <a:lstStyle/>
           <a:p>
-            <a:endParaRPr lang="en-US"/>
+            <a:endParaRPr lang="en-US" dirty="0"/>
           </a:p>
         </p:txBody>
       </p:sp>
@@ -1639,9 +2079,9 @@
           <a:p>
             <a:fld id="{684B6C12-854E-475D-BD13-798E1853F98B}" type="datetimeFigureOut">
               <a:rPr lang="en-US" smtClean="0"/>
-              <a:t>2/11/2019</a:t>
+              <a:t>2/18/2019</a:t>
             </a:fld>
-            <a:endParaRPr lang="en-US"/>
+            <a:endParaRPr lang="en-US" dirty="0"/>
           </a:p>
         </p:txBody>
       </p:sp>
@@ -1664,7 +2104,7 @@
               <a:rPr lang="en-US" smtClean="0"/>
               <a:t>‹#›</a:t>
             </a:fld>
-            <a:endParaRPr lang="en-US"/>
+            <a:endParaRPr lang="en-US" dirty="0"/>
           </a:p>
         </p:txBody>
       </p:sp>
@@ -1683,7 +2123,7 @@
           <a:bodyPr/>
           <a:lstStyle/>
           <a:p>
-            <a:endParaRPr lang="en-US"/>
+            <a:endParaRPr lang="en-US" dirty="0"/>
           </a:p>
         </p:txBody>
       </p:sp>
@@ -2045,9 +2485,9 @@
           <a:p>
             <a:fld id="{684B6C12-854E-475D-BD13-798E1853F98B}" type="datetimeFigureOut">
               <a:rPr lang="en-US" smtClean="0"/>
-              <a:t>2/11/2019</a:t>
+              <a:t>2/18/2019</a:t>
             </a:fld>
-            <a:endParaRPr lang="en-US"/>
+            <a:endParaRPr lang="en-US" dirty="0"/>
           </a:p>
         </p:txBody>
       </p:sp>
@@ -2070,7 +2510,7 @@
               <a:rPr lang="en-US" smtClean="0"/>
               <a:t>‹#›</a:t>
             </a:fld>
-            <a:endParaRPr lang="en-US"/>
+            <a:endParaRPr lang="en-US" dirty="0"/>
           </a:p>
         </p:txBody>
       </p:sp>
@@ -2089,7 +2529,7 @@
           <a:bodyPr/>
           <a:lstStyle/>
           <a:p>
-            <a:endParaRPr lang="en-US"/>
+            <a:endParaRPr lang="en-US" dirty="0"/>
           </a:p>
         </p:txBody>
       </p:sp>
@@ -2181,9 +2621,9 @@
           <a:p>
             <a:fld id="{684B6C12-854E-475D-BD13-798E1853F98B}" type="datetimeFigureOut">
               <a:rPr lang="en-US" smtClean="0"/>
-              <a:t>2/11/2019</a:t>
+              <a:t>2/18/2019</a:t>
             </a:fld>
-            <a:endParaRPr lang="en-US"/>
+            <a:endParaRPr lang="en-US" dirty="0"/>
           </a:p>
         </p:txBody>
       </p:sp>
@@ -2206,7 +2646,7 @@
               <a:rPr lang="en-US" smtClean="0"/>
               <a:t>‹#›</a:t>
             </a:fld>
-            <a:endParaRPr lang="en-US"/>
+            <a:endParaRPr lang="en-US" dirty="0"/>
           </a:p>
         </p:txBody>
       </p:sp>
@@ -2225,7 +2665,7 @@
           <a:bodyPr/>
           <a:lstStyle/>
           <a:p>
-            <a:endParaRPr lang="en-US"/>
+            <a:endParaRPr lang="en-US" dirty="0"/>
           </a:p>
         </p:txBody>
       </p:sp>
@@ -2271,9 +2711,9 @@
           <a:p>
             <a:fld id="{684B6C12-854E-475D-BD13-798E1853F98B}" type="datetimeFigureOut">
               <a:rPr lang="en-US" smtClean="0"/>
-              <a:t>2/11/2019</a:t>
+              <a:t>2/18/2019</a:t>
             </a:fld>
-            <a:endParaRPr lang="en-US"/>
+            <a:endParaRPr lang="en-US" dirty="0"/>
           </a:p>
         </p:txBody>
       </p:sp>
@@ -2296,7 +2736,7 @@
               <a:rPr lang="en-US" smtClean="0"/>
               <a:t>‹#›</a:t>
             </a:fld>
-            <a:endParaRPr lang="en-US"/>
+            <a:endParaRPr lang="en-US" dirty="0"/>
           </a:p>
         </p:txBody>
       </p:sp>
@@ -2315,7 +2755,7 @@
           <a:bodyPr/>
           <a:lstStyle/>
           <a:p>
-            <a:endParaRPr lang="en-US"/>
+            <a:endParaRPr lang="en-US" dirty="0"/>
           </a:p>
         </p:txBody>
       </p:sp>
@@ -2525,9 +2965,9 @@
           <a:p>
             <a:fld id="{684B6C12-854E-475D-BD13-798E1853F98B}" type="datetimeFigureOut">
               <a:rPr lang="en-US" smtClean="0"/>
-              <a:t>2/11/2019</a:t>
+              <a:t>2/18/2019</a:t>
             </a:fld>
-            <a:endParaRPr lang="en-US"/>
+            <a:endParaRPr lang="en-US" dirty="0"/>
           </a:p>
         </p:txBody>
       </p:sp>
@@ -2550,7 +2990,7 @@
               <a:rPr lang="en-US" smtClean="0"/>
               <a:t>‹#›</a:t>
             </a:fld>
-            <a:endParaRPr lang="en-US"/>
+            <a:endParaRPr lang="en-US" dirty="0"/>
           </a:p>
         </p:txBody>
       </p:sp>
@@ -2569,7 +3009,7 @@
           <a:bodyPr/>
           <a:lstStyle/>
           <a:p>
-            <a:endParaRPr lang="en-US"/>
+            <a:endParaRPr lang="en-US" dirty="0"/>
           </a:p>
         </p:txBody>
       </p:sp>
@@ -2677,7 +3117,7 @@
           </a:lstStyle>
           <a:p>
             <a:r>
-              <a:rPr lang="en-US" smtClean="0"/>
+              <a:rPr lang="en-US" dirty="0" smtClean="0"/>
               <a:t>Click icon to add picture</a:t>
             </a:r>
             <a:endParaRPr lang="en-US" dirty="0"/>
@@ -2823,9 +3263,9 @@
           <a:p>
             <a:fld id="{684B6C12-854E-475D-BD13-798E1853F98B}" type="datetimeFigureOut">
               <a:rPr lang="en-US" smtClean="0"/>
-              <a:t>2/11/2019</a:t>
+              <a:t>2/18/2019</a:t>
             </a:fld>
-            <a:endParaRPr lang="en-US"/>
+            <a:endParaRPr lang="en-US" dirty="0"/>
           </a:p>
         </p:txBody>
       </p:sp>
@@ -2853,7 +3293,7 @@
               <a:rPr lang="en-US" smtClean="0"/>
               <a:t>‹#›</a:t>
             </a:fld>
-            <a:endParaRPr lang="en-US"/>
+            <a:endParaRPr lang="en-US" dirty="0"/>
           </a:p>
         </p:txBody>
       </p:sp>
@@ -2877,7 +3317,7 @@
           <a:bodyPr/>
           <a:lstStyle/>
           <a:p>
-            <a:endParaRPr lang="en-US"/>
+            <a:endParaRPr lang="en-US" dirty="0"/>
           </a:p>
         </p:txBody>
       </p:sp>
@@ -2953,7 +3393,7 @@
           <a:lstStyle/>
           <a:p>
             <a:pPr algn="ctr"/>
-            <a:endParaRPr lang="en-US"/>
+            <a:endParaRPr lang="en-US" dirty="0"/>
           </a:p>
         </p:txBody>
       </p:sp>
@@ -3054,9 +3494,9 @@
           <a:p>
             <a:fld id="{684B6C12-854E-475D-BD13-798E1853F98B}" type="datetimeFigureOut">
               <a:rPr lang="en-US" smtClean="0"/>
-              <a:t>2/11/2019</a:t>
+              <a:t>2/18/2019</a:t>
             </a:fld>
-            <a:endParaRPr lang="en-US"/>
+            <a:endParaRPr lang="en-US" dirty="0"/>
           </a:p>
         </p:txBody>
       </p:sp>
@@ -3093,7 +3533,7 @@
             </a:lvl1pPr>
           </a:lstStyle>
           <a:p>
-            <a:endParaRPr lang="en-US"/>
+            <a:endParaRPr lang="en-US" dirty="0"/>
           </a:p>
         </p:txBody>
       </p:sp>
@@ -3137,7 +3577,7 @@
               <a:rPr lang="en-US" smtClean="0"/>
               <a:t>‹#›</a:t>
             </a:fld>
-            <a:endParaRPr lang="en-US"/>
+            <a:endParaRPr lang="en-US" dirty="0"/>
           </a:p>
         </p:txBody>
       </p:sp>
@@ -3701,7 +4141,7 @@
           <a:lstStyle/>
           <a:p>
             <a:pPr algn="ctr"/>
-            <a:endParaRPr lang="en-US"/>
+            <a:endParaRPr lang="en-US" dirty="0"/>
           </a:p>
         </p:txBody>
       </p:sp>
@@ -3809,13 +4249,18 @@
             <p:ph sz="quarter" idx="13"/>
           </p:nvPr>
         </p:nvSpPr>
-        <p:spPr/>
+        <p:spPr>
+          <a:xfrm>
+            <a:off x="533400" y="1563624"/>
+            <a:ext cx="8229600" cy="5294376"/>
+          </a:xfrm>
+        </p:spPr>
         <p:txBody>
           <a:bodyPr/>
           <a:lstStyle/>
           <a:p>
             <a:r>
-              <a:rPr lang="en-US" sz="2400" dirty="0">
+              <a:rPr lang="en-US" sz="1400" dirty="0">
                 <a:solidFill>
                   <a:schemeClr val="accent5">
                     <a:lumMod val="20000"/>
@@ -3827,7 +4272,7 @@
               <a:t>Following is context free, DFD level Zero diagram of </a:t>
             </a:r>
             <a:r>
-              <a:rPr lang="en-US" sz="2400" dirty="0" smtClean="0">
+              <a:rPr lang="en-US" sz="1400" dirty="0" smtClean="0">
                 <a:solidFill>
                   <a:schemeClr val="accent5">
                     <a:lumMod val="20000"/>
@@ -3838,7 +4283,7 @@
               </a:rPr>
               <a:t>AUTOMATED TIMETABLE GENERATOR</a:t>
             </a:r>
-            <a:endParaRPr lang="en-US" sz="2400" dirty="0">
+            <a:endParaRPr lang="en-US" sz="1400" dirty="0">
               <a:solidFill>
                 <a:schemeClr val="accent5">
                   <a:lumMod val="20000"/>
@@ -3863,10 +4308,15 @@
             <p:ph type="title"/>
           </p:nvPr>
         </p:nvSpPr>
-        <p:spPr/>
+        <p:spPr>
+          <a:xfrm>
+            <a:off x="2514600" y="975360"/>
+            <a:ext cx="4114800" cy="548640"/>
+          </a:xfrm>
+        </p:spPr>
         <p:txBody>
           <a:bodyPr>
-            <a:normAutofit/>
+            <a:normAutofit fontScale="90000"/>
           </a:bodyPr>
           <a:lstStyle/>
           <a:p>
@@ -3884,16 +4334,16 @@
       </p:sp>
       <p:sp>
         <p:nvSpPr>
-          <p:cNvPr id="5" name="Rectangle 4"/>
+          <p:cNvPr id="3" name="Oval 2"/>
           <p:cNvSpPr/>
           <p:nvPr/>
         </p:nvSpPr>
         <p:spPr>
           <a:xfrm>
-            <a:off x="1295400" y="3048000"/>
-            <a:ext cx="1295400" cy="914400"/>
-          </a:xfrm>
-          <a:prstGeom prst="rect">
+            <a:off x="3733800" y="3810000"/>
+            <a:ext cx="1295400" cy="1219200"/>
+          </a:xfrm>
+          <a:prstGeom prst="ellipse">
             <a:avLst/>
           </a:prstGeom>
         </p:spPr>
@@ -3919,56 +4369,27 @@
           <a:p>
             <a:pPr algn="ctr"/>
             <a:r>
-              <a:rPr lang="en-US" dirty="0" smtClean="0"/>
-              <a:t>Faculty</a:t>
-            </a:r>
-            <a:endParaRPr lang="en-US" dirty="0"/>
-          </a:p>
-        </p:txBody>
-      </p:sp>
-      <p:cxnSp>
-        <p:nvCxnSpPr>
-          <p:cNvPr id="7" name="Straight Arrow Connector 6"/>
-          <p:cNvCxnSpPr/>
-          <p:nvPr/>
-        </p:nvCxnSpPr>
-        <p:spPr>
-          <a:xfrm>
-            <a:off x="2590800" y="3505200"/>
-            <a:ext cx="838200" cy="0"/>
-          </a:xfrm>
-          <a:prstGeom prst="straightConnector1">
-            <a:avLst/>
-          </a:prstGeom>
-          <a:ln>
-            <a:tailEnd type="arrow"/>
-          </a:ln>
-        </p:spPr>
-        <p:style>
-          <a:lnRef idx="1">
-            <a:schemeClr val="accent1"/>
-          </a:lnRef>
-          <a:fillRef idx="0">
-            <a:schemeClr val="accent1"/>
-          </a:fillRef>
-          <a:effectRef idx="0">
-            <a:schemeClr val="accent1"/>
-          </a:effectRef>
-          <a:fontRef idx="minor">
-            <a:schemeClr val="tx1"/>
-          </a:fontRef>
-        </p:style>
-      </p:cxnSp>
-      <p:sp>
-        <p:nvSpPr>
-          <p:cNvPr id="8" name="Rounded Rectangle 7"/>
+              <a:rPr lang="en-US" sz="1050" dirty="0" smtClean="0">
+                <a:latin typeface="Bell MT" panose="02020503060305020303" pitchFamily="18" charset="0"/>
+              </a:rPr>
+              <a:t>Timetable Management System</a:t>
+            </a:r>
+            <a:endParaRPr lang="en-US" sz="1050" dirty="0">
+              <a:latin typeface="Bell MT" panose="02020503060305020303" pitchFamily="18" charset="0"/>
+            </a:endParaRPr>
+          </a:p>
+        </p:txBody>
+      </p:sp>
+      <p:sp>
+        <p:nvSpPr>
+          <p:cNvPr id="6" name="Rounded Rectangle 5"/>
           <p:cNvSpPr/>
           <p:nvPr/>
         </p:nvSpPr>
         <p:spPr>
           <a:xfrm>
-            <a:off x="3429000" y="3061855"/>
-            <a:ext cx="2057400" cy="900545"/>
+            <a:off x="3733800" y="2438400"/>
+            <a:ext cx="1295400" cy="609600"/>
           </a:xfrm>
           <a:prstGeom prst="roundRect">
             <a:avLst/>
@@ -3996,58 +4417,29 @@
           <a:p>
             <a:pPr algn="ctr"/>
             <a:r>
-              <a:rPr lang="en-US" dirty="0" smtClean="0"/>
-              <a:t>Automated Timetable Generator</a:t>
-            </a:r>
-            <a:endParaRPr lang="en-US" dirty="0"/>
-          </a:p>
-        </p:txBody>
-      </p:sp>
-      <p:cxnSp>
-        <p:nvCxnSpPr>
-          <p:cNvPr id="10" name="Straight Arrow Connector 9"/>
-          <p:cNvCxnSpPr/>
-          <p:nvPr/>
-        </p:nvCxnSpPr>
-        <p:spPr>
-          <a:xfrm>
-            <a:off x="5486400" y="3505200"/>
-            <a:ext cx="914400" cy="0"/>
-          </a:xfrm>
-          <a:prstGeom prst="straightConnector1">
-            <a:avLst/>
-          </a:prstGeom>
-          <a:ln>
-            <a:tailEnd type="arrow"/>
-          </a:ln>
-        </p:spPr>
-        <p:style>
-          <a:lnRef idx="1">
-            <a:schemeClr val="accent1"/>
-          </a:lnRef>
-          <a:fillRef idx="0">
-            <a:schemeClr val="accent1"/>
-          </a:fillRef>
-          <a:effectRef idx="0">
-            <a:schemeClr val="accent1"/>
-          </a:effectRef>
-          <a:fontRef idx="minor">
-            <a:schemeClr val="tx1"/>
-          </a:fontRef>
-        </p:style>
-      </p:cxnSp>
-      <p:sp>
-        <p:nvSpPr>
-          <p:cNvPr id="11" name="Rectangle 10"/>
+              <a:rPr lang="en-US" sz="1200" dirty="0" smtClean="0">
+                <a:latin typeface="Bell MT" panose="02020503060305020303" pitchFamily="18" charset="0"/>
+              </a:rPr>
+              <a:t>Timetable Management</a:t>
+            </a:r>
+            <a:endParaRPr lang="en-US" sz="1200" dirty="0">
+              <a:latin typeface="Bell MT" panose="02020503060305020303" pitchFamily="18" charset="0"/>
+            </a:endParaRPr>
+          </a:p>
+        </p:txBody>
+      </p:sp>
+      <p:sp>
+        <p:nvSpPr>
+          <p:cNvPr id="15" name="Rounded Rectangle 14"/>
           <p:cNvSpPr/>
           <p:nvPr/>
         </p:nvSpPr>
         <p:spPr>
           <a:xfrm>
-            <a:off x="6400800" y="3061855"/>
-            <a:ext cx="1295400" cy="914400"/>
-          </a:xfrm>
-          <a:prstGeom prst="rect">
+            <a:off x="3733800" y="5791200"/>
+            <a:ext cx="1295400" cy="609600"/>
+          </a:xfrm>
+          <a:prstGeom prst="roundRect">
             <a:avLst/>
           </a:prstGeom>
         </p:spPr>
@@ -4073,58 +4465,29 @@
           <a:p>
             <a:pPr algn="ctr"/>
             <a:r>
-              <a:rPr lang="en-US" dirty="0" smtClean="0"/>
-              <a:t>Admin</a:t>
-            </a:r>
-            <a:endParaRPr lang="en-US" dirty="0"/>
-          </a:p>
-        </p:txBody>
-      </p:sp>
-      <p:cxnSp>
-        <p:nvCxnSpPr>
-          <p:cNvPr id="13" name="Straight Arrow Connector 12"/>
-          <p:cNvCxnSpPr/>
-          <p:nvPr/>
-        </p:nvCxnSpPr>
-        <p:spPr>
-          <a:xfrm>
-            <a:off x="4457700" y="3976255"/>
-            <a:ext cx="0" cy="748145"/>
-          </a:xfrm>
-          <a:prstGeom prst="straightConnector1">
-            <a:avLst/>
-          </a:prstGeom>
-          <a:ln>
-            <a:tailEnd type="arrow"/>
-          </a:ln>
-        </p:spPr>
-        <p:style>
-          <a:lnRef idx="1">
-            <a:schemeClr val="accent1"/>
-          </a:lnRef>
-          <a:fillRef idx="0">
-            <a:schemeClr val="accent1"/>
-          </a:fillRef>
-          <a:effectRef idx="0">
-            <a:schemeClr val="accent1"/>
-          </a:effectRef>
-          <a:fontRef idx="minor">
-            <a:schemeClr val="tx1"/>
-          </a:fontRef>
-        </p:style>
-      </p:cxnSp>
-      <p:sp>
-        <p:nvSpPr>
-          <p:cNvPr id="14" name="Rectangle 13"/>
+              <a:rPr lang="en-US" sz="1200" dirty="0" smtClean="0">
+                <a:latin typeface="Bell MT" panose="02020503060305020303" pitchFamily="18" charset="0"/>
+              </a:rPr>
+              <a:t>Login Management</a:t>
+            </a:r>
+            <a:endParaRPr lang="en-US" sz="1200" dirty="0">
+              <a:latin typeface="Bell MT" panose="02020503060305020303" pitchFamily="18" charset="0"/>
+            </a:endParaRPr>
+          </a:p>
+        </p:txBody>
+      </p:sp>
+      <p:sp>
+        <p:nvSpPr>
+          <p:cNvPr id="16" name="Rounded Rectangle 15"/>
           <p:cNvSpPr/>
           <p:nvPr/>
         </p:nvSpPr>
         <p:spPr>
           <a:xfrm>
-            <a:off x="3886200" y="4724400"/>
-            <a:ext cx="1219200" cy="914400"/>
-          </a:xfrm>
-          <a:prstGeom prst="rect">
+            <a:off x="6844430" y="3200400"/>
+            <a:ext cx="1295400" cy="609600"/>
+          </a:xfrm>
+          <a:prstGeom prst="roundRect">
             <a:avLst/>
           </a:prstGeom>
         </p:spPr>
@@ -4150,13 +4513,381 @@
           <a:p>
             <a:pPr algn="ctr"/>
             <a:r>
-              <a:rPr lang="en-US" dirty="0" smtClean="0"/>
-              <a:t>Student</a:t>
-            </a:r>
-            <a:endParaRPr lang="en-US" dirty="0"/>
-          </a:p>
-        </p:txBody>
-      </p:sp>
+              <a:rPr lang="en-US" sz="1200" dirty="0" smtClean="0">
+                <a:latin typeface="Bell MT" panose="02020503060305020303" pitchFamily="18" charset="0"/>
+              </a:rPr>
+              <a:t>Room Management</a:t>
+            </a:r>
+            <a:endParaRPr lang="en-US" sz="1200" dirty="0">
+              <a:latin typeface="Bell MT" panose="02020503060305020303" pitchFamily="18" charset="0"/>
+            </a:endParaRPr>
+          </a:p>
+        </p:txBody>
+      </p:sp>
+      <p:sp>
+        <p:nvSpPr>
+          <p:cNvPr id="17" name="Rounded Rectangle 16"/>
+          <p:cNvSpPr/>
+          <p:nvPr/>
+        </p:nvSpPr>
+        <p:spPr>
+          <a:xfrm>
+            <a:off x="6844430" y="5029200"/>
+            <a:ext cx="1295400" cy="609600"/>
+          </a:xfrm>
+          <a:prstGeom prst="roundRect">
+            <a:avLst/>
+          </a:prstGeom>
+        </p:spPr>
+        <p:style>
+          <a:lnRef idx="2">
+            <a:schemeClr val="accent1">
+              <a:shade val="50000"/>
+            </a:schemeClr>
+          </a:lnRef>
+          <a:fillRef idx="1">
+            <a:schemeClr val="accent1"/>
+          </a:fillRef>
+          <a:effectRef idx="0">
+            <a:schemeClr val="accent1"/>
+          </a:effectRef>
+          <a:fontRef idx="minor">
+            <a:schemeClr val="lt1"/>
+          </a:fontRef>
+        </p:style>
+        <p:txBody>
+          <a:bodyPr rtlCol="0" anchor="ctr"/>
+          <a:lstStyle/>
+          <a:p>
+            <a:pPr algn="ctr"/>
+            <a:r>
+              <a:rPr lang="en-US" sz="1200" dirty="0" smtClean="0">
+                <a:latin typeface="Bell MT" panose="02020503060305020303" pitchFamily="18" charset="0"/>
+              </a:rPr>
+              <a:t>System User Management</a:t>
+            </a:r>
+            <a:endParaRPr lang="en-US" sz="1200" dirty="0">
+              <a:latin typeface="Bell MT" panose="02020503060305020303" pitchFamily="18" charset="0"/>
+            </a:endParaRPr>
+          </a:p>
+        </p:txBody>
+      </p:sp>
+      <p:sp>
+        <p:nvSpPr>
+          <p:cNvPr id="18" name="Rounded Rectangle 17"/>
+          <p:cNvSpPr/>
+          <p:nvPr/>
+        </p:nvSpPr>
+        <p:spPr>
+          <a:xfrm>
+            <a:off x="1066800" y="5029200"/>
+            <a:ext cx="1295400" cy="609600"/>
+          </a:xfrm>
+          <a:prstGeom prst="roundRect">
+            <a:avLst/>
+          </a:prstGeom>
+        </p:spPr>
+        <p:style>
+          <a:lnRef idx="2">
+            <a:schemeClr val="accent1">
+              <a:shade val="50000"/>
+            </a:schemeClr>
+          </a:lnRef>
+          <a:fillRef idx="1">
+            <a:schemeClr val="accent1"/>
+          </a:fillRef>
+          <a:effectRef idx="0">
+            <a:schemeClr val="accent1"/>
+          </a:effectRef>
+          <a:fontRef idx="minor">
+            <a:schemeClr val="lt1"/>
+          </a:fontRef>
+        </p:style>
+        <p:txBody>
+          <a:bodyPr rtlCol="0" anchor="ctr"/>
+          <a:lstStyle/>
+          <a:p>
+            <a:pPr algn="ctr"/>
+            <a:r>
+              <a:rPr lang="en-US" sz="1200" dirty="0" smtClean="0">
+                <a:latin typeface="Bell MT" panose="02020503060305020303" pitchFamily="18" charset="0"/>
+              </a:rPr>
+              <a:t>Subject Management</a:t>
+            </a:r>
+            <a:endParaRPr lang="en-US" sz="1200" dirty="0">
+              <a:latin typeface="Bell MT" panose="02020503060305020303" pitchFamily="18" charset="0"/>
+            </a:endParaRPr>
+          </a:p>
+        </p:txBody>
+      </p:sp>
+      <p:sp>
+        <p:nvSpPr>
+          <p:cNvPr id="20" name="Rounded Rectangle 19"/>
+          <p:cNvSpPr/>
+          <p:nvPr/>
+        </p:nvSpPr>
+        <p:spPr>
+          <a:xfrm>
+            <a:off x="1066800" y="3200400"/>
+            <a:ext cx="1295400" cy="609600"/>
+          </a:xfrm>
+          <a:prstGeom prst="roundRect">
+            <a:avLst/>
+          </a:prstGeom>
+        </p:spPr>
+        <p:style>
+          <a:lnRef idx="2">
+            <a:schemeClr val="accent1">
+              <a:shade val="50000"/>
+            </a:schemeClr>
+          </a:lnRef>
+          <a:fillRef idx="1">
+            <a:schemeClr val="accent1"/>
+          </a:fillRef>
+          <a:effectRef idx="0">
+            <a:schemeClr val="accent1"/>
+          </a:effectRef>
+          <a:fontRef idx="minor">
+            <a:schemeClr val="lt1"/>
+          </a:fontRef>
+        </p:style>
+        <p:txBody>
+          <a:bodyPr rtlCol="0" anchor="ctr"/>
+          <a:lstStyle/>
+          <a:p>
+            <a:pPr algn="ctr"/>
+            <a:r>
+              <a:rPr lang="en-US" sz="1200" dirty="0" smtClean="0">
+                <a:latin typeface="Bell MT" panose="02020503060305020303" pitchFamily="18" charset="0"/>
+              </a:rPr>
+              <a:t>Faculty Management</a:t>
+            </a:r>
+            <a:endParaRPr lang="en-US" sz="1200" dirty="0">
+              <a:latin typeface="Bell MT" panose="02020503060305020303" pitchFamily="18" charset="0"/>
+            </a:endParaRPr>
+          </a:p>
+        </p:txBody>
+      </p:sp>
+      <p:cxnSp>
+        <p:nvCxnSpPr>
+          <p:cNvPr id="12" name="Straight Arrow Connector 11"/>
+          <p:cNvCxnSpPr>
+            <a:stCxn id="3" idx="7"/>
+          </p:cNvCxnSpPr>
+          <p:nvPr/>
+        </p:nvCxnSpPr>
+        <p:spPr>
+          <a:xfrm flipV="1">
+            <a:off x="4839493" y="3505200"/>
+            <a:ext cx="1988236" cy="483348"/>
+          </a:xfrm>
+          <a:prstGeom prst="straightConnector1">
+            <a:avLst/>
+          </a:prstGeom>
+          <a:ln>
+            <a:headEnd type="arrow"/>
+            <a:tailEnd type="arrow"/>
+          </a:ln>
+        </p:spPr>
+        <p:style>
+          <a:lnRef idx="1">
+            <a:schemeClr val="accent1"/>
+          </a:lnRef>
+          <a:fillRef idx="0">
+            <a:schemeClr val="accent1"/>
+          </a:fillRef>
+          <a:effectRef idx="0">
+            <a:schemeClr val="accent1"/>
+          </a:effectRef>
+          <a:fontRef idx="minor">
+            <a:schemeClr val="tx1"/>
+          </a:fontRef>
+        </p:style>
+      </p:cxnSp>
+      <p:cxnSp>
+        <p:nvCxnSpPr>
+          <p:cNvPr id="28" name="Straight Arrow Connector 27"/>
+          <p:cNvCxnSpPr>
+            <a:stCxn id="3" idx="5"/>
+            <a:endCxn id="17" idx="1"/>
+          </p:cNvCxnSpPr>
+          <p:nvPr/>
+        </p:nvCxnSpPr>
+        <p:spPr>
+          <a:xfrm>
+            <a:off x="4839493" y="4850652"/>
+            <a:ext cx="2004937" cy="483348"/>
+          </a:xfrm>
+          <a:prstGeom prst="straightConnector1">
+            <a:avLst/>
+          </a:prstGeom>
+          <a:ln>
+            <a:headEnd type="arrow"/>
+            <a:tailEnd type="arrow"/>
+          </a:ln>
+        </p:spPr>
+        <p:style>
+          <a:lnRef idx="1">
+            <a:schemeClr val="accent1"/>
+          </a:lnRef>
+          <a:fillRef idx="0">
+            <a:schemeClr val="accent1"/>
+          </a:fillRef>
+          <a:effectRef idx="0">
+            <a:schemeClr val="accent1"/>
+          </a:effectRef>
+          <a:fontRef idx="minor">
+            <a:schemeClr val="tx1"/>
+          </a:fontRef>
+        </p:style>
+      </p:cxnSp>
+      <p:cxnSp>
+        <p:nvCxnSpPr>
+          <p:cNvPr id="31" name="Straight Arrow Connector 30"/>
+          <p:cNvCxnSpPr>
+            <a:stCxn id="6" idx="2"/>
+            <a:endCxn id="3" idx="0"/>
+          </p:cNvCxnSpPr>
+          <p:nvPr/>
+        </p:nvCxnSpPr>
+        <p:spPr>
+          <a:xfrm>
+            <a:off x="4381500" y="3048000"/>
+            <a:ext cx="0" cy="762000"/>
+          </a:xfrm>
+          <a:prstGeom prst="straightConnector1">
+            <a:avLst/>
+          </a:prstGeom>
+          <a:ln>
+            <a:headEnd type="arrow"/>
+            <a:tailEnd type="arrow"/>
+          </a:ln>
+        </p:spPr>
+        <p:style>
+          <a:lnRef idx="1">
+            <a:schemeClr val="accent1"/>
+          </a:lnRef>
+          <a:fillRef idx="0">
+            <a:schemeClr val="accent1"/>
+          </a:fillRef>
+          <a:effectRef idx="0">
+            <a:schemeClr val="accent1"/>
+          </a:effectRef>
+          <a:fontRef idx="minor">
+            <a:schemeClr val="tx1"/>
+          </a:fontRef>
+        </p:style>
+      </p:cxnSp>
+      <p:cxnSp>
+        <p:nvCxnSpPr>
+          <p:cNvPr id="34" name="Straight Arrow Connector 33"/>
+          <p:cNvCxnSpPr>
+            <a:stCxn id="3" idx="4"/>
+            <a:endCxn id="15" idx="0"/>
+          </p:cNvCxnSpPr>
+          <p:nvPr/>
+        </p:nvCxnSpPr>
+        <p:spPr>
+          <a:xfrm>
+            <a:off x="4381500" y="5029200"/>
+            <a:ext cx="0" cy="762000"/>
+          </a:xfrm>
+          <a:prstGeom prst="straightConnector1">
+            <a:avLst/>
+          </a:prstGeom>
+          <a:ln>
+            <a:headEnd type="arrow"/>
+            <a:tailEnd type="arrow"/>
+          </a:ln>
+        </p:spPr>
+        <p:style>
+          <a:lnRef idx="1">
+            <a:schemeClr val="accent1"/>
+          </a:lnRef>
+          <a:fillRef idx="0">
+            <a:schemeClr val="accent1"/>
+          </a:fillRef>
+          <a:effectRef idx="0">
+            <a:schemeClr val="accent1"/>
+          </a:effectRef>
+          <a:fontRef idx="minor">
+            <a:schemeClr val="tx1"/>
+          </a:fontRef>
+        </p:style>
+      </p:cxnSp>
+      <p:cxnSp>
+        <p:nvCxnSpPr>
+          <p:cNvPr id="37" name="Straight Arrow Connector 36"/>
+          <p:cNvCxnSpPr>
+            <a:stCxn id="3" idx="1"/>
+          </p:cNvCxnSpPr>
+          <p:nvPr/>
+        </p:nvCxnSpPr>
+        <p:spPr>
+          <a:xfrm flipH="1" flipV="1">
+            <a:off x="2362200" y="3522997"/>
+            <a:ext cx="1561307" cy="465551"/>
+          </a:xfrm>
+          <a:prstGeom prst="straightConnector1">
+            <a:avLst/>
+          </a:prstGeom>
+          <a:ln>
+            <a:headEnd type="arrow"/>
+            <a:tailEnd type="arrow"/>
+          </a:ln>
+        </p:spPr>
+        <p:style>
+          <a:lnRef idx="1">
+            <a:schemeClr val="accent1"/>
+          </a:lnRef>
+          <a:fillRef idx="0">
+            <a:schemeClr val="accent1"/>
+          </a:fillRef>
+          <a:effectRef idx="0">
+            <a:schemeClr val="accent1"/>
+          </a:effectRef>
+          <a:fontRef idx="minor">
+            <a:schemeClr val="tx1"/>
+          </a:fontRef>
+        </p:style>
+      </p:cxnSp>
+      <p:cxnSp>
+        <p:nvCxnSpPr>
+          <p:cNvPr id="40" name="Straight Arrow Connector 39"/>
+          <p:cNvCxnSpPr>
+            <a:stCxn id="3" idx="3"/>
+            <a:endCxn id="18" idx="3"/>
+          </p:cNvCxnSpPr>
+          <p:nvPr/>
+        </p:nvCxnSpPr>
+        <p:spPr>
+          <a:xfrm flipH="1">
+            <a:off x="2362200" y="4850652"/>
+            <a:ext cx="1561307" cy="483348"/>
+          </a:xfrm>
+          <a:prstGeom prst="straightConnector1">
+            <a:avLst/>
+          </a:prstGeom>
+          <a:ln>
+            <a:headEnd type="arrow"/>
+            <a:tailEnd type="arrow"/>
+          </a:ln>
+        </p:spPr>
+        <p:style>
+          <a:lnRef idx="1">
+            <a:schemeClr val="accent1"/>
+          </a:lnRef>
+          <a:fillRef idx="0">
+            <a:schemeClr val="accent1"/>
+          </a:fillRef>
+          <a:effectRef idx="0">
+            <a:schemeClr val="accent1"/>
+          </a:effectRef>
+          <a:fontRef idx="minor">
+            <a:schemeClr val="tx1"/>
+          </a:fontRef>
+        </p:style>
+      </p:cxnSp>
     </p:spTree>
     <p:extLst>
       <p:ext uri="{BB962C8B-B14F-4D97-AF65-F5344CB8AC3E}">
@@ -4189,7 +4920,7 @@
       </p:grpSpPr>
       <p:sp>
         <p:nvSpPr>
-          <p:cNvPr id="3" name="Content Placeholder 2"/>
+          <p:cNvPr id="2" name="Content Placeholder 1"/>
           <p:cNvSpPr>
             <a:spLocks noGrp="1"/>
           </p:cNvSpPr>
@@ -4198,132 +4929,127 @@
           </p:nvPr>
         </p:nvSpPr>
         <p:spPr>
-          <a:xfrm>
-            <a:off x="0" y="1447800"/>
-            <a:ext cx="9144000" cy="5410200"/>
-          </a:xfrm>
-        </p:spPr>
-        <p:txBody>
-          <a:bodyPr/>
-          <a:lstStyle/>
-          <a:p>
-            <a:r>
-              <a:rPr lang="en-US" sz="2000" dirty="0">
+          <a:solidFill>
+            <a:schemeClr val="bg1">
+              <a:lumMod val="95000"/>
+              <a:lumOff val="5000"/>
+            </a:schemeClr>
+          </a:solidFill>
+          <a:ln>
+            <a:solidFill>
+              <a:srgbClr val="002060"/>
+            </a:solidFill>
+          </a:ln>
+        </p:spPr>
+        <p:txBody>
+          <a:bodyPr>
+            <a:normAutofit/>
+          </a:bodyPr>
+          <a:lstStyle/>
+          <a:p>
+            <a:pPr marL="342900" indent="-342900" algn="l">
+              <a:buFont typeface="Wingdings" panose="05000000000000000000" pitchFamily="2" charset="2"/>
+              <a:buChar char="Ø"/>
+            </a:pPr>
+            <a:r>
+              <a:rPr lang="en-US" sz="2400" dirty="0" smtClean="0">
                 <a:solidFill>
-                  <a:schemeClr val="accent4">
+                  <a:schemeClr val="accent6">
                     <a:lumMod val="20000"/>
                     <a:lumOff val="80000"/>
                   </a:schemeClr>
                 </a:solidFill>
                 <a:latin typeface="Bell MT" panose="02020503060305020303" pitchFamily="18" charset="0"/>
               </a:rPr>
-              <a:t>This is first level data flow diagram of a </a:t>
-            </a:r>
-            <a:r>
-              <a:rPr lang="en-US" dirty="0" smtClean="0">
+              <a:t>Managing all the Timetable.</a:t>
+            </a:r>
+          </a:p>
+          <a:p>
+            <a:pPr marL="342900" indent="-342900" algn="l">
+              <a:buFont typeface="Wingdings" panose="05000000000000000000" pitchFamily="2" charset="2"/>
+              <a:buChar char="Ø"/>
+            </a:pPr>
+            <a:r>
+              <a:rPr lang="en-US" sz="2400" dirty="0" smtClean="0">
                 <a:solidFill>
-                  <a:schemeClr val="accent4">
+                  <a:schemeClr val="accent6">
                     <a:lumMod val="20000"/>
                     <a:lumOff val="80000"/>
                   </a:schemeClr>
                 </a:solidFill>
                 <a:latin typeface="Bell MT" panose="02020503060305020303" pitchFamily="18" charset="0"/>
               </a:rPr>
-              <a:t>faculty</a:t>
-            </a:r>
-            <a:r>
-              <a:rPr lang="en-US" sz="2000" dirty="0" smtClean="0">
+              <a:t>Managing all the Class.</a:t>
+            </a:r>
+          </a:p>
+          <a:p>
+            <a:pPr marL="342900" indent="-342900" algn="l">
+              <a:buFont typeface="Wingdings" panose="05000000000000000000" pitchFamily="2" charset="2"/>
+              <a:buChar char="Ø"/>
+            </a:pPr>
+            <a:r>
+              <a:rPr lang="en-US" sz="2400" dirty="0" smtClean="0">
                 <a:solidFill>
-                  <a:schemeClr val="accent4">
+                  <a:schemeClr val="accent6">
                     <a:lumMod val="20000"/>
                     <a:lumOff val="80000"/>
                   </a:schemeClr>
                 </a:solidFill>
                 <a:latin typeface="Bell MT" panose="02020503060305020303" pitchFamily="18" charset="0"/>
               </a:rPr>
-              <a:t> </a:t>
-            </a:r>
-            <a:r>
-              <a:rPr lang="en-US" sz="2000" dirty="0">
+              <a:t>Managing all the Room.</a:t>
+            </a:r>
+          </a:p>
+          <a:p>
+            <a:pPr marL="342900" indent="-342900" algn="l">
+              <a:buFont typeface="Wingdings" panose="05000000000000000000" pitchFamily="2" charset="2"/>
+              <a:buChar char="Ø"/>
+            </a:pPr>
+            <a:r>
+              <a:rPr lang="en-US" sz="2400" dirty="0" smtClean="0">
                 <a:solidFill>
-                  <a:schemeClr val="accent4">
+                  <a:schemeClr val="accent6">
                     <a:lumMod val="20000"/>
                     <a:lumOff val="80000"/>
                   </a:schemeClr>
                 </a:solidFill>
                 <a:latin typeface="Bell MT" panose="02020503060305020303" pitchFamily="18" charset="0"/>
               </a:rPr>
-              <a:t>panel. </a:t>
-            </a:r>
-            <a:r>
-              <a:rPr lang="en-US" sz="2000" dirty="0" smtClean="0">
+              <a:t>Managing all the Subject.</a:t>
+            </a:r>
+          </a:p>
+          <a:p>
+            <a:pPr marL="342900" indent="-342900" algn="l">
+              <a:buFont typeface="Wingdings" panose="05000000000000000000" pitchFamily="2" charset="2"/>
+              <a:buChar char="Ø"/>
+            </a:pPr>
+            <a:r>
+              <a:rPr lang="en-US" sz="2400" dirty="0" smtClean="0">
                 <a:solidFill>
-                  <a:schemeClr val="accent4">
+                  <a:schemeClr val="accent6">
                     <a:lumMod val="20000"/>
                     <a:lumOff val="80000"/>
                   </a:schemeClr>
                 </a:solidFill>
                 <a:latin typeface="Bell MT" panose="02020503060305020303" pitchFamily="18" charset="0"/>
               </a:rPr>
-              <a:t>Faculty interacts </a:t>
-            </a:r>
-            <a:r>
-              <a:rPr lang="en-US" sz="2000" dirty="0">
-                <a:solidFill>
-                  <a:schemeClr val="accent4">
-                    <a:lumMod val="20000"/>
-                    <a:lumOff val="80000"/>
-                  </a:schemeClr>
-                </a:solidFill>
-                <a:latin typeface="Bell MT" panose="02020503060305020303" pitchFamily="18" charset="0"/>
-              </a:rPr>
-              <a:t>with two databases namely, </a:t>
-            </a:r>
-            <a:r>
-              <a:rPr lang="en-US" dirty="0" smtClean="0">
-                <a:solidFill>
-                  <a:schemeClr val="accent4">
-                    <a:lumMod val="20000"/>
-                    <a:lumOff val="80000"/>
-                  </a:schemeClr>
-                </a:solidFill>
-                <a:latin typeface="Bell MT" panose="02020503060305020303" pitchFamily="18" charset="0"/>
-              </a:rPr>
-              <a:t>Faculty</a:t>
-            </a:r>
-            <a:r>
-              <a:rPr lang="en-US" sz="2000" dirty="0" smtClean="0">
-                <a:solidFill>
-                  <a:schemeClr val="accent4">
-                    <a:lumMod val="20000"/>
-                    <a:lumOff val="80000"/>
-                  </a:schemeClr>
-                </a:solidFill>
-                <a:latin typeface="Bell MT" panose="02020503060305020303" pitchFamily="18" charset="0"/>
-              </a:rPr>
-              <a:t> </a:t>
-            </a:r>
-            <a:r>
-              <a:rPr lang="en-US" sz="2000" dirty="0">
-                <a:solidFill>
-                  <a:schemeClr val="accent4">
-                    <a:lumMod val="20000"/>
-                    <a:lumOff val="80000"/>
-                  </a:schemeClr>
-                </a:solidFill>
-                <a:latin typeface="Bell MT" panose="02020503060305020303" pitchFamily="18" charset="0"/>
-              </a:rPr>
-              <a:t>database and Lecture database. </a:t>
-            </a:r>
-          </a:p>
-          <a:p>
-            <a:endParaRPr lang="en-US" sz="1000" dirty="0"/>
-          </a:p>
-        </p:txBody>
-      </p:sp>
-      <p:sp>
-        <p:nvSpPr>
-          <p:cNvPr id="2" name="Title 1"/>
+              <a:t>Managing all the Faculty.</a:t>
+            </a:r>
+            <a:endParaRPr lang="en-US" sz="2400" dirty="0">
+              <a:solidFill>
+                <a:schemeClr val="accent6">
+                  <a:lumMod val="20000"/>
+                  <a:lumOff val="80000"/>
+                </a:schemeClr>
+              </a:solidFill>
+              <a:latin typeface="Bell MT" panose="02020503060305020303" pitchFamily="18" charset="0"/>
+            </a:endParaRPr>
+          </a:p>
+        </p:txBody>
+      </p:sp>
+      <p:sp>
+        <p:nvSpPr>
+          <p:cNvPr id="3" name="Title 2"/>
           <p:cNvSpPr>
             <a:spLocks noGrp="1"/>
           </p:cNvSpPr>
@@ -4331,1655 +5057,27 @@
             <p:ph type="title"/>
           </p:nvPr>
         </p:nvSpPr>
-        <p:spPr>
-          <a:xfrm>
-            <a:off x="2552700" y="381000"/>
-            <a:ext cx="4114800" cy="609600"/>
-          </a:xfrm>
-        </p:spPr>
-        <p:txBody>
-          <a:bodyPr>
-            <a:normAutofit fontScale="90000"/>
-          </a:bodyPr>
-          <a:lstStyle/>
-          <a:p>
-            <a:r>
-              <a:rPr lang="en-US" sz="3600" dirty="0" smtClean="0">
+        <p:spPr/>
+        <p:txBody>
+          <a:bodyPr/>
+          <a:lstStyle/>
+          <a:p>
+            <a:r>
+              <a:rPr lang="en-US" dirty="0" smtClean="0">
                 <a:latin typeface="Algerian" panose="04020705040A02060702" pitchFamily="82" charset="0"/>
               </a:rPr>
-              <a:t>DFD Level 1</a:t>
-            </a:r>
-            <a:endParaRPr lang="en-US" sz="3600" dirty="0">
+              <a:t>Zero level data flow diagram</a:t>
+            </a:r>
+            <a:endParaRPr lang="en-US" dirty="0">
               <a:latin typeface="Algerian" panose="04020705040A02060702" pitchFamily="82" charset="0"/>
             </a:endParaRPr>
           </a:p>
         </p:txBody>
       </p:sp>
-      <p:sp>
-        <p:nvSpPr>
-          <p:cNvPr id="4" name="Rectangle 3"/>
-          <p:cNvSpPr/>
-          <p:nvPr/>
-        </p:nvSpPr>
-        <p:spPr>
-          <a:xfrm>
-            <a:off x="304800" y="4038600"/>
-            <a:ext cx="1524000" cy="914400"/>
-          </a:xfrm>
-          <a:prstGeom prst="rect">
-            <a:avLst/>
-          </a:prstGeom>
-        </p:spPr>
-        <p:style>
-          <a:lnRef idx="2">
-            <a:schemeClr val="accent1">
-              <a:shade val="50000"/>
-            </a:schemeClr>
-          </a:lnRef>
-          <a:fillRef idx="1">
-            <a:schemeClr val="accent1"/>
-          </a:fillRef>
-          <a:effectRef idx="0">
-            <a:schemeClr val="accent1"/>
-          </a:effectRef>
-          <a:fontRef idx="minor">
-            <a:schemeClr val="lt1"/>
-          </a:fontRef>
-        </p:style>
-        <p:txBody>
-          <a:bodyPr rtlCol="0" anchor="ctr"/>
-          <a:lstStyle/>
-          <a:p>
-            <a:pPr algn="ctr"/>
-            <a:r>
-              <a:rPr lang="en-US" dirty="0" smtClean="0"/>
-              <a:t>Faculty</a:t>
-            </a:r>
-            <a:endParaRPr lang="en-US" dirty="0"/>
-          </a:p>
-        </p:txBody>
-      </p:sp>
-      <p:sp>
-        <p:nvSpPr>
-          <p:cNvPr id="5" name="Rounded Rectangle 4"/>
-          <p:cNvSpPr/>
-          <p:nvPr/>
-        </p:nvSpPr>
-        <p:spPr>
-          <a:xfrm>
-            <a:off x="4152900" y="2819400"/>
-            <a:ext cx="914400" cy="914400"/>
-          </a:xfrm>
-          <a:prstGeom prst="roundRect">
-            <a:avLst/>
-          </a:prstGeom>
-        </p:spPr>
-        <p:style>
-          <a:lnRef idx="2">
-            <a:schemeClr val="accent1">
-              <a:shade val="50000"/>
-            </a:schemeClr>
-          </a:lnRef>
-          <a:fillRef idx="1">
-            <a:schemeClr val="accent1"/>
-          </a:fillRef>
-          <a:effectRef idx="0">
-            <a:schemeClr val="accent1"/>
-          </a:effectRef>
-          <a:fontRef idx="minor">
-            <a:schemeClr val="lt1"/>
-          </a:fontRef>
-        </p:style>
-        <p:txBody>
-          <a:bodyPr rtlCol="0" anchor="ctr"/>
-          <a:lstStyle/>
-          <a:p>
-            <a:pPr algn="ctr"/>
-            <a:r>
-              <a:rPr lang="en-US" dirty="0" smtClean="0"/>
-              <a:t>Login</a:t>
-            </a:r>
-            <a:endParaRPr lang="en-US" dirty="0"/>
-          </a:p>
-        </p:txBody>
-      </p:sp>
-      <p:sp>
-        <p:nvSpPr>
-          <p:cNvPr id="6" name="Rounded Rectangle 5"/>
-          <p:cNvSpPr/>
-          <p:nvPr/>
-        </p:nvSpPr>
-        <p:spPr>
-          <a:xfrm>
-            <a:off x="3886200" y="4191000"/>
-            <a:ext cx="1447800" cy="914400"/>
-          </a:xfrm>
-          <a:prstGeom prst="roundRect">
-            <a:avLst/>
-          </a:prstGeom>
-        </p:spPr>
-        <p:style>
-          <a:lnRef idx="2">
-            <a:schemeClr val="accent1">
-              <a:shade val="50000"/>
-            </a:schemeClr>
-          </a:lnRef>
-          <a:fillRef idx="1">
-            <a:schemeClr val="accent1"/>
-          </a:fillRef>
-          <a:effectRef idx="0">
-            <a:schemeClr val="accent1"/>
-          </a:effectRef>
-          <a:fontRef idx="minor">
-            <a:schemeClr val="lt1"/>
-          </a:fontRef>
-        </p:style>
-        <p:txBody>
-          <a:bodyPr rtlCol="0" anchor="ctr"/>
-          <a:lstStyle/>
-          <a:p>
-            <a:pPr algn="ctr"/>
-            <a:r>
-              <a:rPr lang="en-US" dirty="0" smtClean="0"/>
-              <a:t>View Timetable</a:t>
-            </a:r>
-            <a:endParaRPr lang="en-US" dirty="0"/>
-          </a:p>
-        </p:txBody>
-      </p:sp>
-      <p:sp>
-        <p:nvSpPr>
-          <p:cNvPr id="7" name="Rounded Rectangle 6"/>
-          <p:cNvSpPr/>
-          <p:nvPr/>
-        </p:nvSpPr>
-        <p:spPr>
-          <a:xfrm>
-            <a:off x="4174823" y="5638800"/>
-            <a:ext cx="914400" cy="914400"/>
-          </a:xfrm>
-          <a:prstGeom prst="roundRect">
-            <a:avLst/>
-          </a:prstGeom>
-        </p:spPr>
-        <p:style>
-          <a:lnRef idx="2">
-            <a:schemeClr val="accent1">
-              <a:shade val="50000"/>
-            </a:schemeClr>
-          </a:lnRef>
-          <a:fillRef idx="1">
-            <a:schemeClr val="accent1"/>
-          </a:fillRef>
-          <a:effectRef idx="0">
-            <a:schemeClr val="accent1"/>
-          </a:effectRef>
-          <a:fontRef idx="minor">
-            <a:schemeClr val="lt1"/>
-          </a:fontRef>
-        </p:style>
-        <p:txBody>
-          <a:bodyPr rtlCol="0" anchor="ctr"/>
-          <a:lstStyle/>
-          <a:p>
-            <a:pPr algn="ctr"/>
-            <a:r>
-              <a:rPr lang="en-US" dirty="0" smtClean="0"/>
-              <a:t>Cancel Class</a:t>
-            </a:r>
-            <a:endParaRPr lang="en-US" dirty="0"/>
-          </a:p>
-        </p:txBody>
-      </p:sp>
-      <p:sp>
-        <p:nvSpPr>
-          <p:cNvPr id="8" name="Rectangle 7"/>
-          <p:cNvSpPr/>
-          <p:nvPr/>
-        </p:nvSpPr>
-        <p:spPr>
-          <a:xfrm>
-            <a:off x="7310005" y="3186545"/>
-            <a:ext cx="1600200" cy="609600"/>
-          </a:xfrm>
-          <a:prstGeom prst="rect">
-            <a:avLst/>
-          </a:prstGeom>
-        </p:spPr>
-        <p:style>
-          <a:lnRef idx="2">
-            <a:schemeClr val="accent1">
-              <a:shade val="50000"/>
-            </a:schemeClr>
-          </a:lnRef>
-          <a:fillRef idx="1">
-            <a:schemeClr val="accent1"/>
-          </a:fillRef>
-          <a:effectRef idx="0">
-            <a:schemeClr val="accent1"/>
-          </a:effectRef>
-          <a:fontRef idx="minor">
-            <a:schemeClr val="lt1"/>
-          </a:fontRef>
-        </p:style>
-        <p:txBody>
-          <a:bodyPr rtlCol="0" anchor="ctr"/>
-          <a:lstStyle/>
-          <a:p>
-            <a:pPr algn="ctr"/>
-            <a:r>
-              <a:rPr lang="en-US" dirty="0" smtClean="0"/>
-              <a:t>Faculty Database</a:t>
-            </a:r>
-            <a:endParaRPr lang="en-US" dirty="0"/>
-          </a:p>
-        </p:txBody>
-      </p:sp>
-      <p:sp>
-        <p:nvSpPr>
-          <p:cNvPr id="9" name="Rectangle 8"/>
-          <p:cNvSpPr/>
-          <p:nvPr/>
-        </p:nvSpPr>
-        <p:spPr>
-          <a:xfrm>
-            <a:off x="6781800" y="5181600"/>
-            <a:ext cx="1600200" cy="609600"/>
-          </a:xfrm>
-          <a:prstGeom prst="rect">
-            <a:avLst/>
-          </a:prstGeom>
-        </p:spPr>
-        <p:style>
-          <a:lnRef idx="2">
-            <a:schemeClr val="accent1">
-              <a:shade val="50000"/>
-            </a:schemeClr>
-          </a:lnRef>
-          <a:fillRef idx="1">
-            <a:schemeClr val="accent1"/>
-          </a:fillRef>
-          <a:effectRef idx="0">
-            <a:schemeClr val="accent1"/>
-          </a:effectRef>
-          <a:fontRef idx="minor">
-            <a:schemeClr val="lt1"/>
-          </a:fontRef>
-        </p:style>
-        <p:txBody>
-          <a:bodyPr rtlCol="0" anchor="ctr"/>
-          <a:lstStyle/>
-          <a:p>
-            <a:pPr algn="ctr"/>
-            <a:r>
-              <a:rPr lang="en-US" dirty="0" smtClean="0"/>
-              <a:t>Lecture Database</a:t>
-            </a:r>
-            <a:endParaRPr lang="en-US" dirty="0"/>
-          </a:p>
-        </p:txBody>
-      </p:sp>
-      <p:cxnSp>
-        <p:nvCxnSpPr>
-          <p:cNvPr id="11" name="Elbow Connector 10"/>
-          <p:cNvCxnSpPr>
-            <a:endCxn id="18" idx="2"/>
-          </p:cNvCxnSpPr>
-          <p:nvPr/>
-        </p:nvCxnSpPr>
-        <p:spPr>
-          <a:xfrm rot="5400000" flipH="1" flipV="1">
-            <a:off x="1217036" y="3464069"/>
-            <a:ext cx="946438" cy="304800"/>
-          </a:xfrm>
-          <a:prstGeom prst="bentConnector2">
-            <a:avLst/>
-          </a:prstGeom>
-        </p:spPr>
-        <p:style>
-          <a:lnRef idx="1">
-            <a:schemeClr val="accent1"/>
-          </a:lnRef>
-          <a:fillRef idx="0">
-            <a:schemeClr val="accent1"/>
-          </a:fillRef>
-          <a:effectRef idx="0">
-            <a:schemeClr val="accent1"/>
-          </a:effectRef>
-          <a:fontRef idx="minor">
-            <a:schemeClr val="tx1"/>
-          </a:fontRef>
-        </p:style>
-      </p:cxnSp>
-      <p:sp>
-        <p:nvSpPr>
-          <p:cNvPr id="18" name="Oval 17"/>
-          <p:cNvSpPr/>
-          <p:nvPr/>
-        </p:nvSpPr>
-        <p:spPr>
-          <a:xfrm>
-            <a:off x="1842655" y="2890404"/>
-            <a:ext cx="1129145" cy="505691"/>
-          </a:xfrm>
-          <a:prstGeom prst="ellipse">
-            <a:avLst/>
-          </a:prstGeom>
-        </p:spPr>
-        <p:style>
-          <a:lnRef idx="2">
-            <a:schemeClr val="accent1">
-              <a:shade val="50000"/>
-            </a:schemeClr>
-          </a:lnRef>
-          <a:fillRef idx="1">
-            <a:schemeClr val="accent1"/>
-          </a:fillRef>
-          <a:effectRef idx="0">
-            <a:schemeClr val="accent1"/>
-          </a:effectRef>
-          <a:fontRef idx="minor">
-            <a:schemeClr val="lt1"/>
-          </a:fontRef>
-        </p:style>
-        <p:txBody>
-          <a:bodyPr rtlCol="0" anchor="ctr"/>
-          <a:lstStyle/>
-          <a:p>
-            <a:pPr algn="ctr"/>
-            <a:r>
-              <a:rPr lang="en-US" dirty="0" smtClean="0"/>
-              <a:t>Enter Detail</a:t>
-            </a:r>
-            <a:endParaRPr lang="en-US" dirty="0"/>
-          </a:p>
-        </p:txBody>
-      </p:sp>
-      <p:cxnSp>
-        <p:nvCxnSpPr>
-          <p:cNvPr id="20" name="Straight Arrow Connector 19"/>
-          <p:cNvCxnSpPr>
-            <a:stCxn id="18" idx="6"/>
-          </p:cNvCxnSpPr>
-          <p:nvPr/>
-        </p:nvCxnSpPr>
-        <p:spPr>
-          <a:xfrm>
-            <a:off x="2971800" y="3143250"/>
-            <a:ext cx="1181100" cy="0"/>
-          </a:xfrm>
-          <a:prstGeom prst="straightConnector1">
-            <a:avLst/>
-          </a:prstGeom>
-          <a:ln>
-            <a:tailEnd type="arrow"/>
-          </a:ln>
-        </p:spPr>
-        <p:style>
-          <a:lnRef idx="1">
-            <a:schemeClr val="accent1"/>
-          </a:lnRef>
-          <a:fillRef idx="0">
-            <a:schemeClr val="accent1"/>
-          </a:fillRef>
-          <a:effectRef idx="0">
-            <a:schemeClr val="accent1"/>
-          </a:effectRef>
-          <a:fontRef idx="minor">
-            <a:schemeClr val="tx1"/>
-          </a:fontRef>
-        </p:style>
-      </p:cxnSp>
-      <p:cxnSp>
-        <p:nvCxnSpPr>
-          <p:cNvPr id="27" name="Straight Arrow Connector 26"/>
-          <p:cNvCxnSpPr/>
-          <p:nvPr/>
-        </p:nvCxnSpPr>
-        <p:spPr>
-          <a:xfrm flipH="1">
-            <a:off x="3597577" y="3692992"/>
-            <a:ext cx="577246" cy="25002"/>
-          </a:xfrm>
-          <a:prstGeom prst="straightConnector1">
-            <a:avLst/>
-          </a:prstGeom>
-          <a:ln>
-            <a:tailEnd type="arrow"/>
-          </a:ln>
-        </p:spPr>
-        <p:style>
-          <a:lnRef idx="1">
-            <a:schemeClr val="accent1"/>
-          </a:lnRef>
-          <a:fillRef idx="0">
-            <a:schemeClr val="accent1"/>
-          </a:fillRef>
-          <a:effectRef idx="0">
-            <a:schemeClr val="accent1"/>
-          </a:effectRef>
-          <a:fontRef idx="minor">
-            <a:schemeClr val="tx1"/>
-          </a:fontRef>
-        </p:style>
-      </p:cxnSp>
-      <p:sp>
-        <p:nvSpPr>
-          <p:cNvPr id="31" name="Oval 30"/>
-          <p:cNvSpPr/>
-          <p:nvPr/>
-        </p:nvSpPr>
-        <p:spPr>
-          <a:xfrm>
-            <a:off x="2209800" y="3581400"/>
-            <a:ext cx="1600200" cy="762000"/>
-          </a:xfrm>
-          <a:prstGeom prst="ellipse">
-            <a:avLst/>
-          </a:prstGeom>
-        </p:spPr>
-        <p:style>
-          <a:lnRef idx="2">
-            <a:schemeClr val="accent1">
-              <a:shade val="50000"/>
-            </a:schemeClr>
-          </a:lnRef>
-          <a:fillRef idx="1">
-            <a:schemeClr val="accent1"/>
-          </a:fillRef>
-          <a:effectRef idx="0">
-            <a:schemeClr val="accent1"/>
-          </a:effectRef>
-          <a:fontRef idx="minor">
-            <a:schemeClr val="lt1"/>
-          </a:fontRef>
-        </p:style>
-        <p:txBody>
-          <a:bodyPr rtlCol="0" anchor="ctr"/>
-          <a:lstStyle/>
-          <a:p>
-            <a:pPr algn="ctr"/>
-            <a:r>
-              <a:rPr lang="en-US" dirty="0" smtClean="0"/>
-              <a:t>Student Page</a:t>
-            </a:r>
-            <a:endParaRPr lang="en-US" dirty="0"/>
-          </a:p>
-        </p:txBody>
-      </p:sp>
-      <p:cxnSp>
-        <p:nvCxnSpPr>
-          <p:cNvPr id="35" name="Elbow Connector 34"/>
-          <p:cNvCxnSpPr>
-            <a:stCxn id="31" idx="4"/>
-            <a:endCxn id="4" idx="3"/>
-          </p:cNvCxnSpPr>
-          <p:nvPr/>
-        </p:nvCxnSpPr>
-        <p:spPr>
-          <a:xfrm rot="5400000">
-            <a:off x="2343150" y="3829050"/>
-            <a:ext cx="152400" cy="1181100"/>
-          </a:xfrm>
-          <a:prstGeom prst="bentConnector2">
-            <a:avLst/>
-          </a:prstGeom>
-          <a:ln>
-            <a:tailEnd type="arrow"/>
-          </a:ln>
-        </p:spPr>
-        <p:style>
-          <a:lnRef idx="1">
-            <a:schemeClr val="accent1"/>
-          </a:lnRef>
-          <a:fillRef idx="0">
-            <a:schemeClr val="accent1"/>
-          </a:fillRef>
-          <a:effectRef idx="0">
-            <a:schemeClr val="accent1"/>
-          </a:effectRef>
-          <a:fontRef idx="minor">
-            <a:schemeClr val="tx1"/>
-          </a:fontRef>
-        </p:style>
-      </p:cxnSp>
-      <p:cxnSp>
-        <p:nvCxnSpPr>
-          <p:cNvPr id="38" name="Elbow Connector 37"/>
-          <p:cNvCxnSpPr/>
-          <p:nvPr/>
-        </p:nvCxnSpPr>
-        <p:spPr>
-          <a:xfrm rot="5400000" flipH="1" flipV="1">
-            <a:off x="4838700" y="2266950"/>
-            <a:ext cx="457200" cy="647700"/>
-          </a:xfrm>
-          <a:prstGeom prst="bentConnector2">
-            <a:avLst/>
-          </a:prstGeom>
-        </p:spPr>
-        <p:style>
-          <a:lnRef idx="1">
-            <a:schemeClr val="accent1"/>
-          </a:lnRef>
-          <a:fillRef idx="0">
-            <a:schemeClr val="accent1"/>
-          </a:fillRef>
-          <a:effectRef idx="0">
-            <a:schemeClr val="accent1"/>
-          </a:effectRef>
-          <a:fontRef idx="minor">
-            <a:schemeClr val="tx1"/>
-          </a:fontRef>
-        </p:style>
-      </p:cxnSp>
-      <p:sp>
-        <p:nvSpPr>
-          <p:cNvPr id="43" name="Oval 42"/>
-          <p:cNvSpPr/>
-          <p:nvPr/>
-        </p:nvSpPr>
-        <p:spPr>
-          <a:xfrm>
-            <a:off x="5334000" y="2133600"/>
-            <a:ext cx="1676400" cy="685800"/>
-          </a:xfrm>
-          <a:prstGeom prst="ellipse">
-            <a:avLst/>
-          </a:prstGeom>
-        </p:spPr>
-        <p:style>
-          <a:lnRef idx="2">
-            <a:schemeClr val="accent1">
-              <a:shade val="50000"/>
-            </a:schemeClr>
-          </a:lnRef>
-          <a:fillRef idx="1">
-            <a:schemeClr val="accent1"/>
-          </a:fillRef>
-          <a:effectRef idx="0">
-            <a:schemeClr val="accent1"/>
-          </a:effectRef>
-          <a:fontRef idx="minor">
-            <a:schemeClr val="lt1"/>
-          </a:fontRef>
-        </p:style>
-        <p:txBody>
-          <a:bodyPr rtlCol="0" anchor="ctr"/>
-          <a:lstStyle/>
-          <a:p>
-            <a:pPr algn="ctr"/>
-            <a:r>
-              <a:rPr lang="en-US" dirty="0" smtClean="0"/>
-              <a:t>Send details</a:t>
-            </a:r>
-            <a:endParaRPr lang="en-US" dirty="0"/>
-          </a:p>
-        </p:txBody>
-      </p:sp>
-      <p:cxnSp>
-        <p:nvCxnSpPr>
-          <p:cNvPr id="45" name="Elbow Connector 44"/>
-          <p:cNvCxnSpPr>
-            <a:endCxn id="8" idx="0"/>
-          </p:cNvCxnSpPr>
-          <p:nvPr/>
-        </p:nvCxnSpPr>
-        <p:spPr>
-          <a:xfrm>
-            <a:off x="7010400" y="2362200"/>
-            <a:ext cx="1099705" cy="824345"/>
-          </a:xfrm>
-          <a:prstGeom prst="bentConnector2">
-            <a:avLst/>
-          </a:prstGeom>
-          <a:ln>
-            <a:tailEnd type="arrow"/>
-          </a:ln>
-        </p:spPr>
-        <p:style>
-          <a:lnRef idx="1">
-            <a:schemeClr val="accent1"/>
-          </a:lnRef>
-          <a:fillRef idx="0">
-            <a:schemeClr val="accent1"/>
-          </a:fillRef>
-          <a:effectRef idx="0">
-            <a:schemeClr val="accent1"/>
-          </a:effectRef>
-          <a:fontRef idx="minor">
-            <a:schemeClr val="tx1"/>
-          </a:fontRef>
-        </p:style>
-      </p:cxnSp>
-      <p:sp>
-        <p:nvSpPr>
-          <p:cNvPr id="50" name="Oval 49"/>
-          <p:cNvSpPr/>
-          <p:nvPr/>
-        </p:nvSpPr>
-        <p:spPr>
-          <a:xfrm>
-            <a:off x="5334000" y="3143249"/>
-            <a:ext cx="1828800" cy="652895"/>
-          </a:xfrm>
-          <a:prstGeom prst="ellipse">
-            <a:avLst/>
-          </a:prstGeom>
-        </p:spPr>
-        <p:style>
-          <a:lnRef idx="2">
-            <a:schemeClr val="accent1">
-              <a:shade val="50000"/>
-            </a:schemeClr>
-          </a:lnRef>
-          <a:fillRef idx="1">
-            <a:schemeClr val="accent1"/>
-          </a:fillRef>
-          <a:effectRef idx="0">
-            <a:schemeClr val="accent1"/>
-          </a:effectRef>
-          <a:fontRef idx="minor">
-            <a:schemeClr val="lt1"/>
-          </a:fontRef>
-        </p:style>
-        <p:txBody>
-          <a:bodyPr rtlCol="0" anchor="ctr"/>
-          <a:lstStyle/>
-          <a:p>
-            <a:pPr algn="ctr"/>
-            <a:r>
-              <a:rPr lang="en-US" dirty="0" smtClean="0"/>
-              <a:t>Verification</a:t>
-            </a:r>
-            <a:endParaRPr lang="en-US" dirty="0"/>
-          </a:p>
-        </p:txBody>
-      </p:sp>
-      <p:cxnSp>
-        <p:nvCxnSpPr>
-          <p:cNvPr id="54" name="Elbow Connector 53"/>
-          <p:cNvCxnSpPr>
-            <a:stCxn id="8" idx="2"/>
-          </p:cNvCxnSpPr>
-          <p:nvPr/>
-        </p:nvCxnSpPr>
-        <p:spPr>
-          <a:xfrm rot="5400000" flipH="1">
-            <a:off x="7186180" y="2872221"/>
-            <a:ext cx="62345" cy="1785505"/>
-          </a:xfrm>
-          <a:prstGeom prst="bentConnector4">
-            <a:avLst>
-              <a:gd name="adj1" fmla="val -366669"/>
-              <a:gd name="adj2" fmla="val 72405"/>
-            </a:avLst>
-          </a:prstGeom>
-          <a:ln>
-            <a:tailEnd type="arrow"/>
-          </a:ln>
-        </p:spPr>
-        <p:style>
-          <a:lnRef idx="1">
-            <a:schemeClr val="accent1"/>
-          </a:lnRef>
-          <a:fillRef idx="0">
-            <a:schemeClr val="accent1"/>
-          </a:fillRef>
-          <a:effectRef idx="0">
-            <a:schemeClr val="accent1"/>
-          </a:effectRef>
-          <a:fontRef idx="minor">
-            <a:schemeClr val="tx1"/>
-          </a:fontRef>
-        </p:style>
-      </p:cxnSp>
-      <p:cxnSp>
-        <p:nvCxnSpPr>
-          <p:cNvPr id="57" name="Straight Arrow Connector 56"/>
-          <p:cNvCxnSpPr>
-            <a:stCxn id="50" idx="1"/>
-            <a:endCxn id="5" idx="3"/>
-          </p:cNvCxnSpPr>
-          <p:nvPr/>
-        </p:nvCxnSpPr>
-        <p:spPr>
-          <a:xfrm flipH="1">
-            <a:off x="5067300" y="3238863"/>
-            <a:ext cx="534522" cy="37737"/>
-          </a:xfrm>
-          <a:prstGeom prst="straightConnector1">
-            <a:avLst/>
-          </a:prstGeom>
-          <a:ln>
-            <a:tailEnd type="arrow"/>
-          </a:ln>
-        </p:spPr>
-        <p:style>
-          <a:lnRef idx="1">
-            <a:schemeClr val="accent1"/>
-          </a:lnRef>
-          <a:fillRef idx="0">
-            <a:schemeClr val="accent1"/>
-          </a:fillRef>
-          <a:effectRef idx="0">
-            <a:schemeClr val="accent1"/>
-          </a:effectRef>
-          <a:fontRef idx="minor">
-            <a:schemeClr val="tx1"/>
-          </a:fontRef>
-        </p:style>
-      </p:cxnSp>
-      <p:cxnSp>
-        <p:nvCxnSpPr>
-          <p:cNvPr id="60" name="Straight Arrow Connector 59"/>
-          <p:cNvCxnSpPr/>
-          <p:nvPr/>
-        </p:nvCxnSpPr>
-        <p:spPr>
-          <a:xfrm>
-            <a:off x="1842655" y="4800600"/>
-            <a:ext cx="576695" cy="0"/>
-          </a:xfrm>
-          <a:prstGeom prst="straightConnector1">
-            <a:avLst/>
-          </a:prstGeom>
-          <a:ln>
-            <a:tailEnd type="arrow"/>
-          </a:ln>
-        </p:spPr>
-        <p:style>
-          <a:lnRef idx="1">
-            <a:schemeClr val="accent1"/>
-          </a:lnRef>
-          <a:fillRef idx="0">
-            <a:schemeClr val="accent1"/>
-          </a:fillRef>
-          <a:effectRef idx="0">
-            <a:schemeClr val="accent1"/>
-          </a:effectRef>
-          <a:fontRef idx="minor">
-            <a:schemeClr val="tx1"/>
-          </a:fontRef>
-        </p:style>
-      </p:cxnSp>
-      <p:sp>
-        <p:nvSpPr>
-          <p:cNvPr id="62" name="Oval 61"/>
-          <p:cNvSpPr/>
-          <p:nvPr/>
-        </p:nvSpPr>
-        <p:spPr>
-          <a:xfrm>
-            <a:off x="2407226" y="4572000"/>
-            <a:ext cx="1155124" cy="762000"/>
-          </a:xfrm>
-          <a:prstGeom prst="ellipse">
-            <a:avLst/>
-          </a:prstGeom>
-        </p:spPr>
-        <p:style>
-          <a:lnRef idx="2">
-            <a:schemeClr val="accent1">
-              <a:shade val="50000"/>
-            </a:schemeClr>
-          </a:lnRef>
-          <a:fillRef idx="1">
-            <a:schemeClr val="accent1"/>
-          </a:fillRef>
-          <a:effectRef idx="0">
-            <a:schemeClr val="accent1"/>
-          </a:effectRef>
-          <a:fontRef idx="minor">
-            <a:schemeClr val="lt1"/>
-          </a:fontRef>
-        </p:style>
-        <p:txBody>
-          <a:bodyPr rtlCol="0" anchor="ctr"/>
-          <a:lstStyle/>
-          <a:p>
-            <a:pPr algn="ctr"/>
-            <a:r>
-              <a:rPr lang="en-US" sz="1400" dirty="0" smtClean="0"/>
-              <a:t>Request</a:t>
-            </a:r>
-            <a:endParaRPr lang="en-US" sz="1400" dirty="0"/>
-          </a:p>
-        </p:txBody>
-      </p:sp>
-      <p:cxnSp>
-        <p:nvCxnSpPr>
-          <p:cNvPr id="64" name="Straight Arrow Connector 63"/>
-          <p:cNvCxnSpPr>
-            <a:stCxn id="62" idx="7"/>
-            <a:endCxn id="6" idx="1"/>
-          </p:cNvCxnSpPr>
-          <p:nvPr/>
-        </p:nvCxnSpPr>
-        <p:spPr>
-          <a:xfrm flipV="1">
-            <a:off x="3393186" y="4648200"/>
-            <a:ext cx="493014" cy="35392"/>
-          </a:xfrm>
-          <a:prstGeom prst="straightConnector1">
-            <a:avLst/>
-          </a:prstGeom>
-          <a:ln>
-            <a:tailEnd type="arrow"/>
-          </a:ln>
-        </p:spPr>
-        <p:style>
-          <a:lnRef idx="1">
-            <a:schemeClr val="accent1"/>
-          </a:lnRef>
-          <a:fillRef idx="0">
-            <a:schemeClr val="accent1"/>
-          </a:fillRef>
-          <a:effectRef idx="0">
-            <a:schemeClr val="accent1"/>
-          </a:effectRef>
-          <a:fontRef idx="minor">
-            <a:schemeClr val="tx1"/>
-          </a:fontRef>
-        </p:style>
-      </p:cxnSp>
-      <p:cxnSp>
-        <p:nvCxnSpPr>
-          <p:cNvPr id="68" name="Elbow Connector 67"/>
-          <p:cNvCxnSpPr/>
-          <p:nvPr/>
-        </p:nvCxnSpPr>
-        <p:spPr>
-          <a:xfrm>
-            <a:off x="1016577" y="4800600"/>
-            <a:ext cx="533400" cy="381000"/>
-          </a:xfrm>
-          <a:prstGeom prst="bentConnector3">
-            <a:avLst/>
-          </a:prstGeom>
-          <a:ln>
-            <a:tailEnd type="arrow"/>
-          </a:ln>
-        </p:spPr>
-        <p:style>
-          <a:lnRef idx="1">
-            <a:schemeClr val="accent1"/>
-          </a:lnRef>
-          <a:fillRef idx="0">
-            <a:schemeClr val="accent1"/>
-          </a:fillRef>
-          <a:effectRef idx="0">
-            <a:schemeClr val="accent1"/>
-          </a:effectRef>
-          <a:fontRef idx="minor">
-            <a:schemeClr val="tx1"/>
-          </a:fontRef>
-        </p:style>
-      </p:cxnSp>
-      <p:sp>
-        <p:nvSpPr>
-          <p:cNvPr id="71" name="Oval 70"/>
-          <p:cNvSpPr/>
-          <p:nvPr/>
-        </p:nvSpPr>
-        <p:spPr>
-          <a:xfrm>
-            <a:off x="1363806" y="5105400"/>
-            <a:ext cx="1226994" cy="685800"/>
-          </a:xfrm>
-          <a:prstGeom prst="ellipse">
-            <a:avLst/>
-          </a:prstGeom>
-        </p:spPr>
-        <p:style>
-          <a:lnRef idx="2">
-            <a:schemeClr val="accent1">
-              <a:shade val="50000"/>
-            </a:schemeClr>
-          </a:lnRef>
-          <a:fillRef idx="1">
-            <a:schemeClr val="accent1"/>
-          </a:fillRef>
-          <a:effectRef idx="0">
-            <a:schemeClr val="accent1"/>
-          </a:effectRef>
-          <a:fontRef idx="minor">
-            <a:schemeClr val="lt1"/>
-          </a:fontRef>
-        </p:style>
-        <p:txBody>
-          <a:bodyPr rtlCol="0" anchor="ctr"/>
-          <a:lstStyle/>
-          <a:p>
-            <a:pPr algn="ctr"/>
-            <a:r>
-              <a:rPr lang="en-US" sz="1200" dirty="0" smtClean="0"/>
-              <a:t>Display Table</a:t>
-            </a:r>
-            <a:endParaRPr lang="en-US" sz="1200" dirty="0"/>
-          </a:p>
-        </p:txBody>
-      </p:sp>
-      <p:cxnSp>
-        <p:nvCxnSpPr>
-          <p:cNvPr id="73" name="Elbow Connector 72"/>
-          <p:cNvCxnSpPr>
-            <a:endCxn id="6" idx="2"/>
-          </p:cNvCxnSpPr>
-          <p:nvPr/>
-        </p:nvCxnSpPr>
-        <p:spPr>
-          <a:xfrm flipV="1">
-            <a:off x="2466975" y="5105400"/>
-            <a:ext cx="2143125" cy="381001"/>
-          </a:xfrm>
-          <a:prstGeom prst="bentConnector2">
-            <a:avLst/>
-          </a:prstGeom>
-          <a:ln>
-            <a:tailEnd type="arrow"/>
-          </a:ln>
-        </p:spPr>
-        <p:style>
-          <a:lnRef idx="1">
-            <a:schemeClr val="accent1"/>
-          </a:lnRef>
-          <a:fillRef idx="0">
-            <a:schemeClr val="accent1"/>
-          </a:fillRef>
-          <a:effectRef idx="0">
-            <a:schemeClr val="accent1"/>
-          </a:effectRef>
-          <a:fontRef idx="minor">
-            <a:schemeClr val="tx1"/>
-          </a:fontRef>
-        </p:style>
-      </p:cxnSp>
-      <p:cxnSp>
-        <p:nvCxnSpPr>
-          <p:cNvPr id="79" name="Straight Arrow Connector 78"/>
-          <p:cNvCxnSpPr/>
-          <p:nvPr/>
-        </p:nvCxnSpPr>
-        <p:spPr>
-          <a:xfrm>
-            <a:off x="5334000" y="4343400"/>
-            <a:ext cx="457200" cy="0"/>
-          </a:xfrm>
-          <a:prstGeom prst="straightConnector1">
-            <a:avLst/>
-          </a:prstGeom>
-          <a:ln>
-            <a:tailEnd type="arrow"/>
-          </a:ln>
-        </p:spPr>
-        <p:style>
-          <a:lnRef idx="1">
-            <a:schemeClr val="accent1"/>
-          </a:lnRef>
-          <a:fillRef idx="0">
-            <a:schemeClr val="accent1"/>
-          </a:fillRef>
-          <a:effectRef idx="0">
-            <a:schemeClr val="accent1"/>
-          </a:effectRef>
-          <a:fontRef idx="minor">
-            <a:schemeClr val="tx1"/>
-          </a:fontRef>
-        </p:style>
-      </p:cxnSp>
-      <p:sp>
-        <p:nvSpPr>
-          <p:cNvPr id="81" name="Oval 80"/>
-          <p:cNvSpPr/>
-          <p:nvPr/>
-        </p:nvSpPr>
-        <p:spPr>
-          <a:xfrm>
-            <a:off x="5791200" y="4083627"/>
-            <a:ext cx="1219200" cy="582269"/>
-          </a:xfrm>
-          <a:prstGeom prst="ellipse">
-            <a:avLst/>
-          </a:prstGeom>
-        </p:spPr>
-        <p:style>
-          <a:lnRef idx="2">
-            <a:schemeClr val="accent1">
-              <a:shade val="50000"/>
-            </a:schemeClr>
-          </a:lnRef>
-          <a:fillRef idx="1">
-            <a:schemeClr val="accent1"/>
-          </a:fillRef>
-          <a:effectRef idx="0">
-            <a:schemeClr val="accent1"/>
-          </a:effectRef>
-          <a:fontRef idx="minor">
-            <a:schemeClr val="lt1"/>
-          </a:fontRef>
-        </p:style>
-        <p:txBody>
-          <a:bodyPr rtlCol="0" anchor="ctr"/>
-          <a:lstStyle/>
-          <a:p>
-            <a:pPr algn="ctr"/>
-            <a:r>
-              <a:rPr lang="en-US" sz="1200" dirty="0" smtClean="0"/>
-              <a:t>Fetch Entry</a:t>
-            </a:r>
-            <a:endParaRPr lang="en-US" sz="1200" dirty="0"/>
-          </a:p>
-        </p:txBody>
-      </p:sp>
-      <p:cxnSp>
-        <p:nvCxnSpPr>
-          <p:cNvPr id="83" name="Elbow Connector 82"/>
-          <p:cNvCxnSpPr>
-            <a:stCxn id="81" idx="6"/>
-            <a:endCxn id="9" idx="0"/>
-          </p:cNvCxnSpPr>
-          <p:nvPr/>
-        </p:nvCxnSpPr>
-        <p:spPr>
-          <a:xfrm>
-            <a:off x="7010400" y="4374762"/>
-            <a:ext cx="571500" cy="806838"/>
-          </a:xfrm>
-          <a:prstGeom prst="bentConnector2">
-            <a:avLst/>
-          </a:prstGeom>
-          <a:ln>
-            <a:tailEnd type="arrow"/>
-          </a:ln>
-        </p:spPr>
-        <p:style>
-          <a:lnRef idx="1">
-            <a:schemeClr val="accent1"/>
-          </a:lnRef>
-          <a:fillRef idx="0">
-            <a:schemeClr val="accent1"/>
-          </a:fillRef>
-          <a:effectRef idx="0">
-            <a:schemeClr val="accent1"/>
-          </a:effectRef>
-          <a:fontRef idx="minor">
-            <a:schemeClr val="tx1"/>
-          </a:fontRef>
-        </p:style>
-      </p:cxnSp>
-      <p:cxnSp>
-        <p:nvCxnSpPr>
-          <p:cNvPr id="86" name="Elbow Connector 85"/>
-          <p:cNvCxnSpPr/>
-          <p:nvPr/>
-        </p:nvCxnSpPr>
-        <p:spPr>
-          <a:xfrm rot="10800000">
-            <a:off x="6781800" y="4876800"/>
-            <a:ext cx="381000" cy="304800"/>
-          </a:xfrm>
-          <a:prstGeom prst="bentConnector3">
-            <a:avLst/>
-          </a:prstGeom>
-          <a:ln>
-            <a:tailEnd type="arrow"/>
-          </a:ln>
-        </p:spPr>
-        <p:style>
-          <a:lnRef idx="1">
-            <a:schemeClr val="accent1"/>
-          </a:lnRef>
-          <a:fillRef idx="0">
-            <a:schemeClr val="accent1"/>
-          </a:fillRef>
-          <a:effectRef idx="0">
-            <a:schemeClr val="accent1"/>
-          </a:effectRef>
-          <a:fontRef idx="minor">
-            <a:schemeClr val="tx1"/>
-          </a:fontRef>
-        </p:style>
-      </p:cxnSp>
-      <p:sp>
-        <p:nvSpPr>
-          <p:cNvPr id="88" name="Oval 87"/>
-          <p:cNvSpPr/>
-          <p:nvPr/>
-        </p:nvSpPr>
-        <p:spPr>
-          <a:xfrm>
-            <a:off x="5679193" y="4705350"/>
-            <a:ext cx="1138414" cy="495300"/>
-          </a:xfrm>
-          <a:prstGeom prst="ellipse">
-            <a:avLst/>
-          </a:prstGeom>
-        </p:spPr>
-        <p:style>
-          <a:lnRef idx="2">
-            <a:schemeClr val="accent1">
-              <a:shade val="50000"/>
-            </a:schemeClr>
-          </a:lnRef>
-          <a:fillRef idx="1">
-            <a:schemeClr val="accent1"/>
-          </a:fillRef>
-          <a:effectRef idx="0">
-            <a:schemeClr val="accent1"/>
-          </a:effectRef>
-          <a:fontRef idx="minor">
-            <a:schemeClr val="lt1"/>
-          </a:fontRef>
-        </p:style>
-        <p:txBody>
-          <a:bodyPr rtlCol="0" anchor="ctr"/>
-          <a:lstStyle/>
-          <a:p>
-            <a:pPr algn="ctr"/>
-            <a:r>
-              <a:rPr lang="en-US" sz="1200" dirty="0" smtClean="0"/>
-              <a:t>Details</a:t>
-            </a:r>
-            <a:endParaRPr lang="en-US" sz="1200" dirty="0"/>
-          </a:p>
-        </p:txBody>
-      </p:sp>
-      <p:cxnSp>
-        <p:nvCxnSpPr>
-          <p:cNvPr id="90" name="Straight Arrow Connector 89"/>
-          <p:cNvCxnSpPr>
-            <a:stCxn id="88" idx="2"/>
-          </p:cNvCxnSpPr>
-          <p:nvPr/>
-        </p:nvCxnSpPr>
-        <p:spPr>
-          <a:xfrm flipH="1">
-            <a:off x="5334561" y="4953000"/>
-            <a:ext cx="344632" cy="0"/>
-          </a:xfrm>
-          <a:prstGeom prst="straightConnector1">
-            <a:avLst/>
-          </a:prstGeom>
-          <a:ln>
-            <a:tailEnd type="arrow"/>
-          </a:ln>
-        </p:spPr>
-        <p:style>
-          <a:lnRef idx="1">
-            <a:schemeClr val="accent1"/>
-          </a:lnRef>
-          <a:fillRef idx="0">
-            <a:schemeClr val="accent1"/>
-          </a:fillRef>
-          <a:effectRef idx="0">
-            <a:schemeClr val="accent1"/>
-          </a:effectRef>
-          <a:fontRef idx="minor">
-            <a:schemeClr val="tx1"/>
-          </a:fontRef>
-        </p:style>
-      </p:cxnSp>
-      <p:cxnSp>
-        <p:nvCxnSpPr>
-          <p:cNvPr id="95" name="Elbow Connector 94"/>
-          <p:cNvCxnSpPr/>
-          <p:nvPr/>
-        </p:nvCxnSpPr>
-        <p:spPr>
-          <a:xfrm rot="16200000" flipV="1">
-            <a:off x="-268433" y="5564332"/>
-            <a:ext cx="1375066" cy="228600"/>
-          </a:xfrm>
-          <a:prstGeom prst="bentConnector3">
-            <a:avLst>
-              <a:gd name="adj1" fmla="val 50000"/>
-            </a:avLst>
-          </a:prstGeom>
-          <a:ln>
-            <a:tailEnd type="arrow"/>
-          </a:ln>
-        </p:spPr>
-        <p:style>
-          <a:lnRef idx="1">
-            <a:schemeClr val="accent1"/>
-          </a:lnRef>
-          <a:fillRef idx="0">
-            <a:schemeClr val="accent1"/>
-          </a:fillRef>
-          <a:effectRef idx="0">
-            <a:schemeClr val="accent1"/>
-          </a:effectRef>
-          <a:fontRef idx="minor">
-            <a:schemeClr val="tx1"/>
-          </a:fontRef>
-        </p:style>
-      </p:cxnSp>
-      <p:cxnSp>
-        <p:nvCxnSpPr>
-          <p:cNvPr id="100" name="Elbow Connector 99"/>
-          <p:cNvCxnSpPr/>
-          <p:nvPr/>
-        </p:nvCxnSpPr>
-        <p:spPr>
-          <a:xfrm rot="16200000" flipH="1">
-            <a:off x="584488" y="5244811"/>
-            <a:ext cx="914400" cy="406977"/>
-          </a:xfrm>
-          <a:prstGeom prst="bentConnector3">
-            <a:avLst/>
-          </a:prstGeom>
-          <a:ln>
-            <a:tailEnd type="arrow"/>
-          </a:ln>
-        </p:spPr>
-        <p:style>
-          <a:lnRef idx="1">
-            <a:schemeClr val="accent1"/>
-          </a:lnRef>
-          <a:fillRef idx="0">
-            <a:schemeClr val="accent1"/>
-          </a:fillRef>
-          <a:effectRef idx="0">
-            <a:schemeClr val="accent1"/>
-          </a:effectRef>
-          <a:fontRef idx="minor">
-            <a:schemeClr val="tx1"/>
-          </a:fontRef>
-        </p:style>
-      </p:cxnSp>
-      <p:sp>
-        <p:nvSpPr>
-          <p:cNvPr id="102" name="Oval 101"/>
-          <p:cNvSpPr/>
-          <p:nvPr/>
-        </p:nvSpPr>
-        <p:spPr>
-          <a:xfrm>
-            <a:off x="67971" y="6366163"/>
-            <a:ext cx="1343025" cy="374073"/>
-          </a:xfrm>
-          <a:prstGeom prst="ellipse">
-            <a:avLst/>
-          </a:prstGeom>
-        </p:spPr>
-        <p:style>
-          <a:lnRef idx="2">
-            <a:schemeClr val="accent1">
-              <a:shade val="50000"/>
-            </a:schemeClr>
-          </a:lnRef>
-          <a:fillRef idx="1">
-            <a:schemeClr val="accent1"/>
-          </a:fillRef>
-          <a:effectRef idx="0">
-            <a:schemeClr val="accent1"/>
-          </a:effectRef>
-          <a:fontRef idx="minor">
-            <a:schemeClr val="lt1"/>
-          </a:fontRef>
-        </p:style>
-        <p:txBody>
-          <a:bodyPr rtlCol="0" anchor="ctr"/>
-          <a:lstStyle/>
-          <a:p>
-            <a:pPr algn="ctr"/>
-            <a:r>
-              <a:rPr lang="en-US" dirty="0" smtClean="0"/>
-              <a:t>Confirm</a:t>
-            </a:r>
-            <a:endParaRPr lang="en-US" dirty="0"/>
-          </a:p>
-        </p:txBody>
-      </p:sp>
-      <p:sp>
-        <p:nvSpPr>
-          <p:cNvPr id="103" name="Oval 102"/>
-          <p:cNvSpPr/>
-          <p:nvPr/>
-        </p:nvSpPr>
-        <p:spPr>
-          <a:xfrm>
-            <a:off x="611764" y="5908963"/>
-            <a:ext cx="1343025" cy="374073"/>
-          </a:xfrm>
-          <a:prstGeom prst="ellipse">
-            <a:avLst/>
-          </a:prstGeom>
-        </p:spPr>
-        <p:style>
-          <a:lnRef idx="2">
-            <a:schemeClr val="accent1">
-              <a:shade val="50000"/>
-            </a:schemeClr>
-          </a:lnRef>
-          <a:fillRef idx="1">
-            <a:schemeClr val="accent1"/>
-          </a:fillRef>
-          <a:effectRef idx="0">
-            <a:schemeClr val="accent1"/>
-          </a:effectRef>
-          <a:fontRef idx="minor">
-            <a:schemeClr val="lt1"/>
-          </a:fontRef>
-        </p:style>
-        <p:txBody>
-          <a:bodyPr rtlCol="0" anchor="ctr"/>
-          <a:lstStyle/>
-          <a:p>
-            <a:pPr algn="ctr"/>
-            <a:r>
-              <a:rPr lang="en-US" sz="1200" dirty="0" smtClean="0"/>
-              <a:t>Request</a:t>
-            </a:r>
-            <a:endParaRPr lang="en-US" sz="1200" dirty="0"/>
-          </a:p>
-        </p:txBody>
-      </p:sp>
-      <p:cxnSp>
-        <p:nvCxnSpPr>
-          <p:cNvPr id="110" name="Elbow Connector 109"/>
-          <p:cNvCxnSpPr>
-            <a:stCxn id="102" idx="6"/>
-          </p:cNvCxnSpPr>
-          <p:nvPr/>
-        </p:nvCxnSpPr>
-        <p:spPr>
-          <a:xfrm flipV="1">
-            <a:off x="1410996" y="6366165"/>
-            <a:ext cx="2741904" cy="187035"/>
-          </a:xfrm>
-          <a:prstGeom prst="bentConnector3">
-            <a:avLst>
-              <a:gd name="adj1" fmla="val 50000"/>
-            </a:avLst>
-          </a:prstGeom>
-        </p:spPr>
-        <p:style>
-          <a:lnRef idx="1">
-            <a:schemeClr val="accent1"/>
-          </a:lnRef>
-          <a:fillRef idx="0">
-            <a:schemeClr val="accent1"/>
-          </a:fillRef>
-          <a:effectRef idx="0">
-            <a:schemeClr val="accent1"/>
-          </a:effectRef>
-          <a:fontRef idx="minor">
-            <a:schemeClr val="tx1"/>
-          </a:fontRef>
-        </p:style>
-      </p:cxnSp>
-      <p:cxnSp>
-        <p:nvCxnSpPr>
-          <p:cNvPr id="118" name="Straight Arrow Connector 117"/>
-          <p:cNvCxnSpPr>
-            <a:stCxn id="103" idx="6"/>
-            <a:endCxn id="7" idx="1"/>
-          </p:cNvCxnSpPr>
-          <p:nvPr/>
-        </p:nvCxnSpPr>
-        <p:spPr>
-          <a:xfrm>
-            <a:off x="1954789" y="6096000"/>
-            <a:ext cx="2220034" cy="0"/>
-          </a:xfrm>
-          <a:prstGeom prst="straightConnector1">
-            <a:avLst/>
-          </a:prstGeom>
-          <a:ln>
-            <a:tailEnd type="arrow"/>
-          </a:ln>
-        </p:spPr>
-        <p:style>
-          <a:lnRef idx="1">
-            <a:schemeClr val="accent1"/>
-          </a:lnRef>
-          <a:fillRef idx="0">
-            <a:schemeClr val="accent1"/>
-          </a:fillRef>
-          <a:effectRef idx="0">
-            <a:schemeClr val="accent1"/>
-          </a:effectRef>
-          <a:fontRef idx="minor">
-            <a:schemeClr val="tx1"/>
-          </a:fontRef>
-        </p:style>
-      </p:cxnSp>
-      <p:cxnSp>
-        <p:nvCxnSpPr>
-          <p:cNvPr id="128" name="Straight Connector 127"/>
-          <p:cNvCxnSpPr/>
-          <p:nvPr/>
-        </p:nvCxnSpPr>
-        <p:spPr>
-          <a:xfrm>
-            <a:off x="5067300" y="6109854"/>
-            <a:ext cx="723900" cy="0"/>
-          </a:xfrm>
-          <a:prstGeom prst="line">
-            <a:avLst/>
-          </a:prstGeom>
-        </p:spPr>
-        <p:style>
-          <a:lnRef idx="1">
-            <a:schemeClr val="accent1"/>
-          </a:lnRef>
-          <a:fillRef idx="0">
-            <a:schemeClr val="accent1"/>
-          </a:fillRef>
-          <a:effectRef idx="0">
-            <a:schemeClr val="accent1"/>
-          </a:effectRef>
-          <a:fontRef idx="minor">
-            <a:schemeClr val="tx1"/>
-          </a:fontRef>
-        </p:style>
-      </p:cxnSp>
-      <p:sp>
-        <p:nvSpPr>
-          <p:cNvPr id="130" name="Oval 129"/>
-          <p:cNvSpPr/>
-          <p:nvPr/>
-        </p:nvSpPr>
-        <p:spPr>
-          <a:xfrm>
-            <a:off x="5792371" y="5908963"/>
-            <a:ext cx="1179928" cy="374074"/>
-          </a:xfrm>
-          <a:prstGeom prst="ellipse">
-            <a:avLst/>
-          </a:prstGeom>
-        </p:spPr>
-        <p:style>
-          <a:lnRef idx="2">
-            <a:schemeClr val="accent1">
-              <a:shade val="50000"/>
-            </a:schemeClr>
-          </a:lnRef>
-          <a:fillRef idx="1">
-            <a:schemeClr val="accent1"/>
-          </a:fillRef>
-          <a:effectRef idx="0">
-            <a:schemeClr val="accent1"/>
-          </a:effectRef>
-          <a:fontRef idx="minor">
-            <a:schemeClr val="lt1"/>
-          </a:fontRef>
-        </p:style>
-        <p:txBody>
-          <a:bodyPr rtlCol="0" anchor="ctr"/>
-          <a:lstStyle/>
-          <a:p>
-            <a:pPr algn="ctr"/>
-            <a:r>
-              <a:rPr lang="en-US" sz="1000" dirty="0" smtClean="0"/>
-              <a:t>Send Entry</a:t>
-            </a:r>
-            <a:endParaRPr lang="en-US" sz="1000" dirty="0"/>
-          </a:p>
-        </p:txBody>
-      </p:sp>
-      <p:cxnSp>
-        <p:nvCxnSpPr>
-          <p:cNvPr id="132" name="Elbow Connector 131"/>
-          <p:cNvCxnSpPr>
-            <a:stCxn id="130" idx="6"/>
-            <a:endCxn id="9" idx="1"/>
-          </p:cNvCxnSpPr>
-          <p:nvPr/>
-        </p:nvCxnSpPr>
-        <p:spPr>
-          <a:xfrm flipH="1" flipV="1">
-            <a:off x="6781800" y="5486400"/>
-            <a:ext cx="190499" cy="609600"/>
-          </a:xfrm>
-          <a:prstGeom prst="bentConnector5">
-            <a:avLst>
-              <a:gd name="adj1" fmla="val -120001"/>
-              <a:gd name="adj2" fmla="val 40341"/>
-              <a:gd name="adj3" fmla="val 220001"/>
-            </a:avLst>
-          </a:prstGeom>
-          <a:ln>
-            <a:tailEnd type="arrow"/>
-          </a:ln>
-        </p:spPr>
-        <p:style>
-          <a:lnRef idx="1">
-            <a:schemeClr val="accent1"/>
-          </a:lnRef>
-          <a:fillRef idx="0">
-            <a:schemeClr val="accent1"/>
-          </a:fillRef>
-          <a:effectRef idx="0">
-            <a:schemeClr val="accent1"/>
-          </a:effectRef>
-          <a:fontRef idx="minor">
-            <a:schemeClr val="tx1"/>
-          </a:fontRef>
-        </p:style>
-      </p:cxnSp>
-      <p:sp>
-        <p:nvSpPr>
-          <p:cNvPr id="136" name="Oval 135"/>
-          <p:cNvSpPr/>
-          <p:nvPr/>
-        </p:nvSpPr>
-        <p:spPr>
-          <a:xfrm>
-            <a:off x="5601822" y="6428510"/>
-            <a:ext cx="1443214" cy="374074"/>
-          </a:xfrm>
-          <a:prstGeom prst="ellipse">
-            <a:avLst/>
-          </a:prstGeom>
-        </p:spPr>
-        <p:style>
-          <a:lnRef idx="2">
-            <a:schemeClr val="accent1">
-              <a:shade val="50000"/>
-            </a:schemeClr>
-          </a:lnRef>
-          <a:fillRef idx="1">
-            <a:schemeClr val="accent1"/>
-          </a:fillRef>
-          <a:effectRef idx="0">
-            <a:schemeClr val="accent1"/>
-          </a:effectRef>
-          <a:fontRef idx="minor">
-            <a:schemeClr val="lt1"/>
-          </a:fontRef>
-        </p:style>
-        <p:txBody>
-          <a:bodyPr rtlCol="0" anchor="ctr"/>
-          <a:lstStyle/>
-          <a:p>
-            <a:pPr algn="ctr"/>
-            <a:r>
-              <a:rPr lang="en-US" sz="1000" dirty="0" smtClean="0"/>
-              <a:t>Return Confirmation</a:t>
-            </a:r>
-            <a:endParaRPr lang="en-US" sz="1000" dirty="0"/>
-          </a:p>
-        </p:txBody>
-      </p:sp>
-      <p:cxnSp>
-        <p:nvCxnSpPr>
-          <p:cNvPr id="138" name="Elbow Connector 137"/>
-          <p:cNvCxnSpPr>
-            <a:endCxn id="136" idx="6"/>
-          </p:cNvCxnSpPr>
-          <p:nvPr/>
-        </p:nvCxnSpPr>
-        <p:spPr>
-          <a:xfrm rot="10800000" flipV="1">
-            <a:off x="7045037" y="5791199"/>
-            <a:ext cx="1065073" cy="824348"/>
-          </a:xfrm>
-          <a:prstGeom prst="bentConnector3">
-            <a:avLst/>
-          </a:prstGeom>
-          <a:ln>
-            <a:tailEnd type="arrow"/>
-          </a:ln>
-        </p:spPr>
-        <p:style>
-          <a:lnRef idx="1">
-            <a:schemeClr val="accent1"/>
-          </a:lnRef>
-          <a:fillRef idx="0">
-            <a:schemeClr val="accent1"/>
-          </a:fillRef>
-          <a:effectRef idx="0">
-            <a:schemeClr val="accent1"/>
-          </a:effectRef>
-          <a:fontRef idx="minor">
-            <a:schemeClr val="tx1"/>
-          </a:fontRef>
-        </p:style>
-      </p:cxnSp>
-      <p:cxnSp>
-        <p:nvCxnSpPr>
-          <p:cNvPr id="146" name="Elbow Connector 145"/>
-          <p:cNvCxnSpPr>
-            <a:stCxn id="136" idx="2"/>
-          </p:cNvCxnSpPr>
-          <p:nvPr/>
-        </p:nvCxnSpPr>
-        <p:spPr>
-          <a:xfrm rot="10800000">
-            <a:off x="5089224" y="6366165"/>
-            <a:ext cx="512599" cy="249382"/>
-          </a:xfrm>
-          <a:prstGeom prst="bentConnector3">
-            <a:avLst>
-              <a:gd name="adj1" fmla="val 50000"/>
-            </a:avLst>
-          </a:prstGeom>
-          <a:ln>
-            <a:tailEnd type="arrow"/>
-          </a:ln>
-        </p:spPr>
-        <p:style>
-          <a:lnRef idx="1">
-            <a:schemeClr val="accent1"/>
-          </a:lnRef>
-          <a:fillRef idx="0">
-            <a:schemeClr val="accent1"/>
-          </a:fillRef>
-          <a:effectRef idx="0">
-            <a:schemeClr val="accent1"/>
-          </a:effectRef>
-          <a:fontRef idx="minor">
-            <a:schemeClr val="tx1"/>
-          </a:fontRef>
-        </p:style>
-      </p:cxnSp>
     </p:spTree>
     <p:extLst>
       <p:ext uri="{BB962C8B-B14F-4D97-AF65-F5344CB8AC3E}">
-        <p14:creationId xmlns:p14="http://schemas.microsoft.com/office/powerpoint/2010/main" val="2859051031"/>
+        <p14:creationId xmlns:p14="http://schemas.microsoft.com/office/powerpoint/2010/main" val="390209835"/>
       </p:ext>
     </p:extLst>
   </p:cSld>
@@ -6016,25 +5114,20 @@
             <p:ph type="title"/>
           </p:nvPr>
         </p:nvSpPr>
-        <p:spPr>
-          <a:xfrm>
-            <a:off x="2514600" y="152400"/>
-            <a:ext cx="4114800" cy="609600"/>
-          </a:xfrm>
-        </p:spPr>
+        <p:spPr/>
         <p:txBody>
           <a:bodyPr>
-            <a:normAutofit fontScale="90000"/>
+            <a:normAutofit/>
           </a:bodyPr>
           <a:lstStyle/>
           <a:p>
             <a:r>
-              <a:rPr lang="en-US" sz="3600" dirty="0" smtClean="0">
+              <a:rPr lang="en-US" sz="3200" dirty="0" smtClean="0">
                 <a:latin typeface="Algerian" panose="04020705040A02060702" pitchFamily="82" charset="0"/>
               </a:rPr>
               <a:t>DFD LEVEL 1</a:t>
             </a:r>
-            <a:endParaRPr lang="en-US" sz="3600" dirty="0">
+            <a:endParaRPr lang="en-US" sz="3200" dirty="0">
               <a:latin typeface="Algerian" panose="04020705040A02060702" pitchFamily="82" charset="0"/>
             </a:endParaRPr>
           </a:p>
@@ -6042,16 +5135,16 @@
       </p:sp>
       <p:sp>
         <p:nvSpPr>
-          <p:cNvPr id="4" name="Rectangle 3"/>
+          <p:cNvPr id="5" name="Oval 4"/>
           <p:cNvSpPr/>
           <p:nvPr/>
         </p:nvSpPr>
         <p:spPr>
           <a:xfrm>
-            <a:off x="93533" y="3235036"/>
-            <a:ext cx="1905000" cy="1219200"/>
-          </a:xfrm>
-          <a:prstGeom prst="rect">
+            <a:off x="3886200" y="3124200"/>
+            <a:ext cx="1447800" cy="1447800"/>
+          </a:xfrm>
+          <a:prstGeom prst="ellipse">
             <a:avLst/>
           </a:prstGeom>
         </p:spPr>
@@ -6077,12 +5170,12 @@
           <a:p>
             <a:pPr algn="ctr"/>
             <a:r>
-              <a:rPr lang="en-US" dirty="0" smtClean="0">
+              <a:rPr lang="en-US" sz="1200" dirty="0" smtClean="0">
                 <a:latin typeface="Bell MT" panose="02020503060305020303" pitchFamily="18" charset="0"/>
               </a:rPr>
-              <a:t>Student</a:t>
-            </a:r>
-            <a:endParaRPr lang="en-US" dirty="0">
+              <a:t>Timetable Management System</a:t>
+            </a:r>
+            <a:endParaRPr lang="en-US" sz="1200" dirty="0">
               <a:latin typeface="Bell MT" panose="02020503060305020303" pitchFamily="18" charset="0"/>
             </a:endParaRPr>
           </a:p>
@@ -6090,14 +5183,14 @@
       </p:sp>
       <p:sp>
         <p:nvSpPr>
-          <p:cNvPr id="5" name="Rounded Rectangle 4"/>
+          <p:cNvPr id="6" name="Rounded Rectangle 5"/>
           <p:cNvSpPr/>
           <p:nvPr/>
         </p:nvSpPr>
         <p:spPr>
           <a:xfrm>
-            <a:off x="3429000" y="1565564"/>
-            <a:ext cx="1295400" cy="644236"/>
+            <a:off x="609600" y="2209800"/>
+            <a:ext cx="1752600" cy="457200"/>
           </a:xfrm>
           <a:prstGeom prst="roundRect">
             <a:avLst/>
@@ -6125,12 +5218,12 @@
           <a:p>
             <a:pPr algn="ctr"/>
             <a:r>
-              <a:rPr lang="en-US" sz="1400" dirty="0" smtClean="0">
+              <a:rPr lang="en-US" sz="1050" dirty="0" smtClean="0">
                 <a:latin typeface="Bell MT" panose="02020503060305020303" pitchFamily="18" charset="0"/>
               </a:rPr>
-              <a:t>Registration</a:t>
-            </a:r>
-            <a:endParaRPr lang="en-US" sz="1400" dirty="0">
+              <a:t>Timetable Management</a:t>
+            </a:r>
+            <a:endParaRPr lang="en-US" sz="1050" dirty="0">
               <a:latin typeface="Bell MT" panose="02020503060305020303" pitchFamily="18" charset="0"/>
             </a:endParaRPr>
           </a:p>
@@ -6138,14 +5231,14 @@
       </p:sp>
       <p:sp>
         <p:nvSpPr>
-          <p:cNvPr id="6" name="Rounded Rectangle 5"/>
+          <p:cNvPr id="7" name="Rounded Rectangle 6"/>
           <p:cNvSpPr/>
           <p:nvPr/>
         </p:nvSpPr>
         <p:spPr>
           <a:xfrm>
-            <a:off x="3429000" y="2590800"/>
-            <a:ext cx="1295400" cy="644236"/>
+            <a:off x="609600" y="2876550"/>
+            <a:ext cx="1752600" cy="495300"/>
           </a:xfrm>
           <a:prstGeom prst="roundRect">
             <a:avLst/>
@@ -6173,12 +5266,12 @@
           <a:p>
             <a:pPr algn="ctr"/>
             <a:r>
-              <a:rPr lang="en-US" sz="1400" dirty="0" smtClean="0">
+              <a:rPr lang="en-US" sz="1100" dirty="0" smtClean="0">
                 <a:latin typeface="Bell MT" panose="02020503060305020303" pitchFamily="18" charset="0"/>
               </a:rPr>
-              <a:t>Login</a:t>
-            </a:r>
-            <a:endParaRPr lang="en-US" sz="1400" dirty="0">
+              <a:t>Faculty Management</a:t>
+            </a:r>
+            <a:endParaRPr lang="en-US" sz="1100" dirty="0">
               <a:latin typeface="Bell MT" panose="02020503060305020303" pitchFamily="18" charset="0"/>
             </a:endParaRPr>
           </a:p>
@@ -6186,14 +5279,14 @@
       </p:sp>
       <p:sp>
         <p:nvSpPr>
-          <p:cNvPr id="7" name="Rounded Rectangle 6"/>
+          <p:cNvPr id="8" name="Rounded Rectangle 7"/>
           <p:cNvSpPr/>
           <p:nvPr/>
         </p:nvSpPr>
         <p:spPr>
           <a:xfrm>
-            <a:off x="3460173" y="4454236"/>
-            <a:ext cx="1295400" cy="685800"/>
+            <a:off x="644568" y="3600450"/>
+            <a:ext cx="1752600" cy="495300"/>
           </a:xfrm>
           <a:prstGeom prst="roundRect">
             <a:avLst/>
@@ -6221,12 +5314,12 @@
           <a:p>
             <a:pPr algn="ctr"/>
             <a:r>
-              <a:rPr lang="en-US" sz="1400" dirty="0" smtClean="0">
+              <a:rPr lang="en-US" sz="1100" dirty="0" smtClean="0">
                 <a:latin typeface="Bell MT" panose="02020503060305020303" pitchFamily="18" charset="0"/>
               </a:rPr>
-              <a:t>View Timetable</a:t>
-            </a:r>
-            <a:endParaRPr lang="en-US" sz="1400" dirty="0">
+              <a:t>Room Management</a:t>
+            </a:r>
+            <a:endParaRPr lang="en-US" sz="1100" dirty="0">
               <a:latin typeface="Bell MT" panose="02020503060305020303" pitchFamily="18" charset="0"/>
             </a:endParaRPr>
           </a:p>
@@ -6234,14 +5327,14 @@
       </p:sp>
       <p:sp>
         <p:nvSpPr>
-          <p:cNvPr id="8" name="Rounded Rectangle 7"/>
+          <p:cNvPr id="9" name="Rounded Rectangle 8"/>
           <p:cNvSpPr/>
           <p:nvPr/>
         </p:nvSpPr>
         <p:spPr>
           <a:xfrm>
-            <a:off x="3429000" y="5486400"/>
-            <a:ext cx="1295400" cy="685800"/>
+            <a:off x="644568" y="4248150"/>
+            <a:ext cx="1752600" cy="495300"/>
           </a:xfrm>
           <a:prstGeom prst="roundRect">
             <a:avLst/>
@@ -6269,12 +5362,12 @@
           <a:p>
             <a:pPr algn="ctr"/>
             <a:r>
-              <a:rPr lang="en-US" sz="1400" dirty="0" smtClean="0">
+              <a:rPr lang="en-US" sz="1100" dirty="0" smtClean="0">
                 <a:latin typeface="Bell MT" panose="02020503060305020303" pitchFamily="18" charset="0"/>
               </a:rPr>
-              <a:t>View Notification</a:t>
-            </a:r>
-            <a:endParaRPr lang="en-US" sz="1400" dirty="0">
+              <a:t>Subject Management</a:t>
+            </a:r>
+            <a:endParaRPr lang="en-US" sz="1100" dirty="0">
               <a:latin typeface="Bell MT" panose="02020503060305020303" pitchFamily="18" charset="0"/>
             </a:endParaRPr>
           </a:p>
@@ -6282,16 +5375,16 @@
       </p:sp>
       <p:sp>
         <p:nvSpPr>
-          <p:cNvPr id="9" name="Rectangle 8"/>
+          <p:cNvPr id="10" name="Rounded Rectangle 9"/>
           <p:cNvSpPr/>
           <p:nvPr/>
         </p:nvSpPr>
         <p:spPr>
           <a:xfrm>
-            <a:off x="6934200" y="1998518"/>
-            <a:ext cx="1447800" cy="914400"/>
-          </a:xfrm>
-          <a:prstGeom prst="rect">
+            <a:off x="644568" y="4895850"/>
+            <a:ext cx="1752600" cy="495300"/>
+          </a:xfrm>
+          <a:prstGeom prst="roundRect">
             <a:avLst/>
           </a:prstGeom>
         </p:spPr>
@@ -6317,12 +5410,12 @@
           <a:p>
             <a:pPr algn="ctr"/>
             <a:r>
-              <a:rPr lang="en-US" sz="1400" dirty="0" smtClean="0">
+              <a:rPr lang="en-US" sz="1100" dirty="0" smtClean="0">
                 <a:latin typeface="Bell MT" panose="02020503060305020303" pitchFamily="18" charset="0"/>
               </a:rPr>
-              <a:t>Student Database</a:t>
-            </a:r>
-            <a:endParaRPr lang="en-US" sz="1400" dirty="0">
+              <a:t>Login Management</a:t>
+            </a:r>
+            <a:endParaRPr lang="en-US" sz="1100" dirty="0">
               <a:latin typeface="Bell MT" panose="02020503060305020303" pitchFamily="18" charset="0"/>
             </a:endParaRPr>
           </a:p>
@@ -6330,16 +5423,16 @@
       </p:sp>
       <p:sp>
         <p:nvSpPr>
-          <p:cNvPr id="10" name="Rectangle 9"/>
+          <p:cNvPr id="11" name="Rounded Rectangle 10"/>
           <p:cNvSpPr/>
           <p:nvPr/>
         </p:nvSpPr>
         <p:spPr>
           <a:xfrm>
-            <a:off x="6934200" y="3990109"/>
-            <a:ext cx="1371600" cy="914400"/>
-          </a:xfrm>
-          <a:prstGeom prst="rect">
+            <a:off x="644568" y="5543550"/>
+            <a:ext cx="1752600" cy="495300"/>
+          </a:xfrm>
+          <a:prstGeom prst="roundRect">
             <a:avLst/>
           </a:prstGeom>
         </p:spPr>
@@ -6365,62 +5458,41 @@
           <a:p>
             <a:pPr algn="ctr"/>
             <a:r>
-              <a:rPr lang="en-US" sz="1400" dirty="0" smtClean="0">
+              <a:rPr lang="en-US" sz="1100" dirty="0" smtClean="0">
                 <a:latin typeface="Bell MT" panose="02020503060305020303" pitchFamily="18" charset="0"/>
               </a:rPr>
-              <a:t>Lecture Database</a:t>
-            </a:r>
-            <a:endParaRPr lang="en-US" sz="1400" dirty="0">
+              <a:t>System </a:t>
+            </a:r>
+            <a:r>
+              <a:rPr lang="en-US" sz="1100" dirty="0">
+                <a:latin typeface="Bell MT" panose="02020503060305020303" pitchFamily="18" charset="0"/>
+              </a:rPr>
+              <a:t>U</a:t>
+            </a:r>
+            <a:r>
+              <a:rPr lang="en-US" sz="1100" dirty="0" smtClean="0">
+                <a:latin typeface="Bell MT" panose="02020503060305020303" pitchFamily="18" charset="0"/>
+              </a:rPr>
+              <a:t>ser Management</a:t>
+            </a:r>
+            <a:endParaRPr lang="en-US" sz="1100" dirty="0">
               <a:latin typeface="Bell MT" panose="02020503060305020303" pitchFamily="18" charset="0"/>
             </a:endParaRPr>
           </a:p>
         </p:txBody>
       </p:sp>
-      <p:cxnSp>
-        <p:nvCxnSpPr>
-          <p:cNvPr id="12" name="Elbow Connector 11"/>
-          <p:cNvCxnSpPr/>
-          <p:nvPr/>
-        </p:nvCxnSpPr>
-        <p:spPr>
-          <a:xfrm rot="5400000" flipH="1" flipV="1">
-            <a:off x="-199159" y="2502477"/>
-            <a:ext cx="1236518" cy="228600"/>
-          </a:xfrm>
-          <a:prstGeom prst="bentConnector3">
-            <a:avLst/>
-          </a:prstGeom>
-          <a:ln>
-            <a:tailEnd type="arrow"/>
-          </a:ln>
-        </p:spPr>
-        <p:style>
-          <a:lnRef idx="1">
-            <a:schemeClr val="accent1"/>
-          </a:lnRef>
-          <a:fillRef idx="0">
-            <a:schemeClr val="accent1"/>
-          </a:fillRef>
-          <a:effectRef idx="0">
-            <a:schemeClr val="accent1"/>
-          </a:effectRef>
-          <a:fontRef idx="minor">
-            <a:schemeClr val="tx1"/>
-          </a:fontRef>
-        </p:style>
-      </p:cxnSp>
-      <p:sp>
-        <p:nvSpPr>
-          <p:cNvPr id="15" name="Oval 14"/>
+      <p:sp>
+        <p:nvSpPr>
+          <p:cNvPr id="12" name="Rounded Rectangle 11"/>
           <p:cNvSpPr/>
           <p:nvPr/>
         </p:nvSpPr>
         <p:spPr>
           <a:xfrm>
-            <a:off x="152400" y="1565564"/>
-            <a:ext cx="1066800" cy="457200"/>
-          </a:xfrm>
-          <a:prstGeom prst="ellipse">
+            <a:off x="6781800" y="2209800"/>
+            <a:ext cx="1752600" cy="457200"/>
+          </a:xfrm>
+          <a:prstGeom prst="roundRect">
             <a:avLst/>
           </a:prstGeom>
         </p:spPr>
@@ -6446,29 +5518,365 @@
           <a:p>
             <a:pPr algn="ctr"/>
             <a:r>
-              <a:rPr lang="en-US" sz="1200" dirty="0" smtClean="0">
+              <a:rPr lang="en-US" sz="1100" dirty="0" smtClean="0">
                 <a:latin typeface="Bell MT" panose="02020503060305020303" pitchFamily="18" charset="0"/>
               </a:rPr>
-              <a:t>Enter Detail</a:t>
-            </a:r>
-            <a:endParaRPr lang="en-US" sz="1200" dirty="0">
+              <a:t>Generate Timetable </a:t>
+            </a:r>
+            <a:r>
+              <a:rPr lang="en-US" sz="1100" dirty="0">
+                <a:latin typeface="Bell MT" panose="02020503060305020303" pitchFamily="18" charset="0"/>
+              </a:rPr>
+              <a:t>R</a:t>
+            </a:r>
+            <a:r>
+              <a:rPr lang="en-US" sz="1100" dirty="0" smtClean="0">
+                <a:latin typeface="Bell MT" panose="02020503060305020303" pitchFamily="18" charset="0"/>
+              </a:rPr>
+              <a:t>eport</a:t>
+            </a:r>
+            <a:endParaRPr lang="en-US" sz="1100" dirty="0">
               <a:latin typeface="Bell MT" panose="02020503060305020303" pitchFamily="18" charset="0"/>
             </a:endParaRPr>
           </a:p>
         </p:txBody>
       </p:sp>
+      <p:sp>
+        <p:nvSpPr>
+          <p:cNvPr id="13" name="Rounded Rectangle 12"/>
+          <p:cNvSpPr/>
+          <p:nvPr/>
+        </p:nvSpPr>
+        <p:spPr>
+          <a:xfrm>
+            <a:off x="6781800" y="2894817"/>
+            <a:ext cx="1752600" cy="457200"/>
+          </a:xfrm>
+          <a:prstGeom prst="roundRect">
+            <a:avLst/>
+          </a:prstGeom>
+        </p:spPr>
+        <p:style>
+          <a:lnRef idx="2">
+            <a:schemeClr val="accent1">
+              <a:shade val="50000"/>
+            </a:schemeClr>
+          </a:lnRef>
+          <a:fillRef idx="1">
+            <a:schemeClr val="accent1"/>
+          </a:fillRef>
+          <a:effectRef idx="0">
+            <a:schemeClr val="accent1"/>
+          </a:effectRef>
+          <a:fontRef idx="minor">
+            <a:schemeClr val="lt1"/>
+          </a:fontRef>
+        </p:style>
+        <p:txBody>
+          <a:bodyPr rtlCol="0" anchor="ctr"/>
+          <a:lstStyle/>
+          <a:p>
+            <a:pPr algn="ctr"/>
+            <a:r>
+              <a:rPr lang="en-US" sz="1100" dirty="0" smtClean="0">
+                <a:latin typeface="Bell MT" panose="02020503060305020303" pitchFamily="18" charset="0"/>
+              </a:rPr>
+              <a:t>Generate Faculty </a:t>
+            </a:r>
+            <a:r>
+              <a:rPr lang="en-US" sz="1100" dirty="0">
+                <a:latin typeface="Bell MT" panose="02020503060305020303" pitchFamily="18" charset="0"/>
+              </a:rPr>
+              <a:t>R</a:t>
+            </a:r>
+            <a:r>
+              <a:rPr lang="en-US" sz="1100" dirty="0" smtClean="0">
+                <a:latin typeface="Bell MT" panose="02020503060305020303" pitchFamily="18" charset="0"/>
+              </a:rPr>
+              <a:t>eport</a:t>
+            </a:r>
+            <a:endParaRPr lang="en-US" sz="1100" dirty="0">
+              <a:latin typeface="Bell MT" panose="02020503060305020303" pitchFamily="18" charset="0"/>
+            </a:endParaRPr>
+          </a:p>
+        </p:txBody>
+      </p:sp>
+      <p:sp>
+        <p:nvSpPr>
+          <p:cNvPr id="14" name="Rounded Rectangle 13"/>
+          <p:cNvSpPr/>
+          <p:nvPr/>
+        </p:nvSpPr>
+        <p:spPr>
+          <a:xfrm>
+            <a:off x="6803721" y="3619500"/>
+            <a:ext cx="1752600" cy="457200"/>
+          </a:xfrm>
+          <a:prstGeom prst="roundRect">
+            <a:avLst/>
+          </a:prstGeom>
+        </p:spPr>
+        <p:style>
+          <a:lnRef idx="2">
+            <a:schemeClr val="accent1">
+              <a:shade val="50000"/>
+            </a:schemeClr>
+          </a:lnRef>
+          <a:fillRef idx="1">
+            <a:schemeClr val="accent1"/>
+          </a:fillRef>
+          <a:effectRef idx="0">
+            <a:schemeClr val="accent1"/>
+          </a:effectRef>
+          <a:fontRef idx="minor">
+            <a:schemeClr val="lt1"/>
+          </a:fontRef>
+        </p:style>
+        <p:txBody>
+          <a:bodyPr rtlCol="0" anchor="ctr"/>
+          <a:lstStyle/>
+          <a:p>
+            <a:pPr algn="ctr"/>
+            <a:r>
+              <a:rPr lang="en-US" sz="1100" dirty="0" smtClean="0">
+                <a:latin typeface="Bell MT" panose="02020503060305020303" pitchFamily="18" charset="0"/>
+              </a:rPr>
+              <a:t>Generate </a:t>
+            </a:r>
+            <a:r>
+              <a:rPr lang="en-US" sz="1100" dirty="0">
+                <a:latin typeface="Bell MT" panose="02020503060305020303" pitchFamily="18" charset="0"/>
+              </a:rPr>
+              <a:t>R</a:t>
+            </a:r>
+            <a:r>
+              <a:rPr lang="en-US" sz="1100" dirty="0" smtClean="0">
+                <a:latin typeface="Bell MT" panose="02020503060305020303" pitchFamily="18" charset="0"/>
+              </a:rPr>
+              <a:t>oom Report</a:t>
+            </a:r>
+            <a:endParaRPr lang="en-US" sz="1100" dirty="0">
+              <a:latin typeface="Bell MT" panose="02020503060305020303" pitchFamily="18" charset="0"/>
+            </a:endParaRPr>
+          </a:p>
+        </p:txBody>
+      </p:sp>
+      <p:sp>
+        <p:nvSpPr>
+          <p:cNvPr id="15" name="Rounded Rectangle 14"/>
+          <p:cNvSpPr/>
+          <p:nvPr/>
+        </p:nvSpPr>
+        <p:spPr>
+          <a:xfrm>
+            <a:off x="6803721" y="4286250"/>
+            <a:ext cx="1752600" cy="457200"/>
+          </a:xfrm>
+          <a:prstGeom prst="roundRect">
+            <a:avLst/>
+          </a:prstGeom>
+        </p:spPr>
+        <p:style>
+          <a:lnRef idx="2">
+            <a:schemeClr val="accent1">
+              <a:shade val="50000"/>
+            </a:schemeClr>
+          </a:lnRef>
+          <a:fillRef idx="1">
+            <a:schemeClr val="accent1"/>
+          </a:fillRef>
+          <a:effectRef idx="0">
+            <a:schemeClr val="accent1"/>
+          </a:effectRef>
+          <a:fontRef idx="minor">
+            <a:schemeClr val="lt1"/>
+          </a:fontRef>
+        </p:style>
+        <p:txBody>
+          <a:bodyPr rtlCol="0" anchor="ctr"/>
+          <a:lstStyle/>
+          <a:p>
+            <a:pPr algn="ctr"/>
+            <a:r>
+              <a:rPr lang="en-US" sz="1100" dirty="0" smtClean="0">
+                <a:latin typeface="Bell MT" panose="02020503060305020303" pitchFamily="18" charset="0"/>
+              </a:rPr>
+              <a:t>Generate </a:t>
+            </a:r>
+            <a:r>
+              <a:rPr lang="en-US" sz="1100" dirty="0">
+                <a:latin typeface="Bell MT" panose="02020503060305020303" pitchFamily="18" charset="0"/>
+              </a:rPr>
+              <a:t>S</a:t>
+            </a:r>
+            <a:r>
+              <a:rPr lang="en-US" sz="1100" dirty="0" smtClean="0">
+                <a:latin typeface="Bell MT" panose="02020503060305020303" pitchFamily="18" charset="0"/>
+              </a:rPr>
+              <a:t>ubject Report</a:t>
+            </a:r>
+            <a:endParaRPr lang="en-US" sz="1100" dirty="0">
+              <a:latin typeface="Bell MT" panose="02020503060305020303" pitchFamily="18" charset="0"/>
+            </a:endParaRPr>
+          </a:p>
+        </p:txBody>
+      </p:sp>
+      <p:sp>
+        <p:nvSpPr>
+          <p:cNvPr id="16" name="Rounded Rectangle 15"/>
+          <p:cNvSpPr/>
+          <p:nvPr/>
+        </p:nvSpPr>
+        <p:spPr>
+          <a:xfrm>
+            <a:off x="6825642" y="4895850"/>
+            <a:ext cx="1752600" cy="457200"/>
+          </a:xfrm>
+          <a:prstGeom prst="roundRect">
+            <a:avLst/>
+          </a:prstGeom>
+        </p:spPr>
+        <p:style>
+          <a:lnRef idx="2">
+            <a:schemeClr val="accent1">
+              <a:shade val="50000"/>
+            </a:schemeClr>
+          </a:lnRef>
+          <a:fillRef idx="1">
+            <a:schemeClr val="accent1"/>
+          </a:fillRef>
+          <a:effectRef idx="0">
+            <a:schemeClr val="accent1"/>
+          </a:effectRef>
+          <a:fontRef idx="minor">
+            <a:schemeClr val="lt1"/>
+          </a:fontRef>
+        </p:style>
+        <p:txBody>
+          <a:bodyPr rtlCol="0" anchor="ctr"/>
+          <a:lstStyle/>
+          <a:p>
+            <a:pPr algn="ctr"/>
+            <a:r>
+              <a:rPr lang="en-US" sz="1100" dirty="0" smtClean="0">
+                <a:latin typeface="Bell MT" panose="02020503060305020303" pitchFamily="18" charset="0"/>
+              </a:rPr>
+              <a:t>Check </a:t>
+            </a:r>
+            <a:r>
+              <a:rPr lang="en-US" sz="1100" dirty="0">
+                <a:latin typeface="Bell MT" panose="02020503060305020303" pitchFamily="18" charset="0"/>
+              </a:rPr>
+              <a:t>U</a:t>
+            </a:r>
+            <a:r>
+              <a:rPr lang="en-US" sz="1100" dirty="0" smtClean="0">
+                <a:latin typeface="Bell MT" panose="02020503060305020303" pitchFamily="18" charset="0"/>
+              </a:rPr>
+              <a:t>ser </a:t>
+            </a:r>
+            <a:r>
+              <a:rPr lang="en-US" sz="1100" dirty="0">
+                <a:latin typeface="Bell MT" panose="02020503060305020303" pitchFamily="18" charset="0"/>
+              </a:rPr>
+              <a:t>L</a:t>
+            </a:r>
+            <a:r>
+              <a:rPr lang="en-US" sz="1100" dirty="0" smtClean="0">
+                <a:latin typeface="Bell MT" panose="02020503060305020303" pitchFamily="18" charset="0"/>
+              </a:rPr>
+              <a:t>ogin Details</a:t>
+            </a:r>
+            <a:endParaRPr lang="en-US" sz="1100" dirty="0">
+              <a:latin typeface="Bell MT" panose="02020503060305020303" pitchFamily="18" charset="0"/>
+            </a:endParaRPr>
+          </a:p>
+        </p:txBody>
+      </p:sp>
+      <p:sp>
+        <p:nvSpPr>
+          <p:cNvPr id="17" name="Rounded Rectangle 16"/>
+          <p:cNvSpPr/>
+          <p:nvPr/>
+        </p:nvSpPr>
+        <p:spPr>
+          <a:xfrm>
+            <a:off x="6825642" y="5543550"/>
+            <a:ext cx="1752600" cy="457200"/>
+          </a:xfrm>
+          <a:prstGeom prst="roundRect">
+            <a:avLst/>
+          </a:prstGeom>
+        </p:spPr>
+        <p:style>
+          <a:lnRef idx="2">
+            <a:schemeClr val="accent1">
+              <a:shade val="50000"/>
+            </a:schemeClr>
+          </a:lnRef>
+          <a:fillRef idx="1">
+            <a:schemeClr val="accent1"/>
+          </a:fillRef>
+          <a:effectRef idx="0">
+            <a:schemeClr val="accent1"/>
+          </a:effectRef>
+          <a:fontRef idx="minor">
+            <a:schemeClr val="lt1"/>
+          </a:fontRef>
+        </p:style>
+        <p:txBody>
+          <a:bodyPr rtlCol="0" anchor="ctr"/>
+          <a:lstStyle/>
+          <a:p>
+            <a:pPr algn="ctr"/>
+            <a:r>
+              <a:rPr lang="en-US" sz="1100" dirty="0" smtClean="0">
+                <a:latin typeface="Bell MT" panose="02020503060305020303" pitchFamily="18" charset="0"/>
+              </a:rPr>
+              <a:t>Generate System </a:t>
+            </a:r>
+            <a:r>
+              <a:rPr lang="en-US" sz="1100" dirty="0">
+                <a:latin typeface="Bell MT" panose="02020503060305020303" pitchFamily="18" charset="0"/>
+              </a:rPr>
+              <a:t>U</a:t>
+            </a:r>
+            <a:r>
+              <a:rPr lang="en-US" sz="1100" dirty="0" smtClean="0">
+                <a:latin typeface="Bell MT" panose="02020503060305020303" pitchFamily="18" charset="0"/>
+              </a:rPr>
+              <a:t>ser </a:t>
+            </a:r>
+            <a:r>
+              <a:rPr lang="en-US" sz="1100" dirty="0">
+                <a:latin typeface="Bell MT" panose="02020503060305020303" pitchFamily="18" charset="0"/>
+              </a:rPr>
+              <a:t>R</a:t>
+            </a:r>
+            <a:r>
+              <a:rPr lang="en-US" sz="1100" dirty="0" smtClean="0">
+                <a:latin typeface="Bell MT" panose="02020503060305020303" pitchFamily="18" charset="0"/>
+              </a:rPr>
+              <a:t>eport</a:t>
+            </a:r>
+            <a:endParaRPr lang="en-US" sz="1100" dirty="0">
+              <a:latin typeface="Bell MT" panose="02020503060305020303" pitchFamily="18" charset="0"/>
+            </a:endParaRPr>
+          </a:p>
+        </p:txBody>
+      </p:sp>
       <p:cxnSp>
         <p:nvCxnSpPr>
-          <p:cNvPr id="17" name="Straight Arrow Connector 16"/>
+          <p:cNvPr id="19" name="Straight Arrow Connector 18"/>
           <p:cNvCxnSpPr>
-            <a:stCxn id="15" idx="6"/>
+            <a:endCxn id="12" idx="1"/>
           </p:cNvCxnSpPr>
           <p:nvPr/>
         </p:nvCxnSpPr>
         <p:spPr>
-          <a:xfrm>
-            <a:off x="1219200" y="1794164"/>
-            <a:ext cx="2209800" cy="0"/>
+          <a:xfrm flipV="1">
+            <a:off x="4876800" y="2438400"/>
+            <a:ext cx="1905000" cy="762000"/>
           </a:xfrm>
           <a:prstGeom prst="straightConnector1">
             <a:avLst/>
@@ -6494,97 +5902,16 @@
       </p:cxnSp>
       <p:cxnSp>
         <p:nvCxnSpPr>
-          <p:cNvPr id="20" name="Straight Arrow Connector 19"/>
-          <p:cNvCxnSpPr/>
-          <p:nvPr/>
-        </p:nvCxnSpPr>
-        <p:spPr>
-          <a:xfrm flipH="1">
-            <a:off x="2057400" y="2022764"/>
-            <a:ext cx="1402773" cy="0"/>
-          </a:xfrm>
-          <a:prstGeom prst="straightConnector1">
-            <a:avLst/>
-          </a:prstGeom>
-          <a:ln>
-            <a:tailEnd type="arrow"/>
-          </a:ln>
-        </p:spPr>
-        <p:style>
-          <a:lnRef idx="1">
-            <a:schemeClr val="accent1"/>
-          </a:lnRef>
-          <a:fillRef idx="0">
-            <a:schemeClr val="accent1"/>
-          </a:fillRef>
-          <a:effectRef idx="0">
-            <a:schemeClr val="accent1"/>
-          </a:effectRef>
-          <a:fontRef idx="minor">
-            <a:schemeClr val="tx1"/>
-          </a:fontRef>
-        </p:style>
-      </p:cxnSp>
-      <p:sp>
-        <p:nvSpPr>
-          <p:cNvPr id="22" name="Oval 21"/>
-          <p:cNvSpPr/>
-          <p:nvPr/>
-        </p:nvSpPr>
-        <p:spPr>
-          <a:xfrm>
-            <a:off x="914400" y="1947718"/>
-            <a:ext cx="1371600" cy="457201"/>
-          </a:xfrm>
-          <a:prstGeom prst="ellipse">
-            <a:avLst/>
-          </a:prstGeom>
-        </p:spPr>
-        <p:style>
-          <a:lnRef idx="2">
-            <a:schemeClr val="accent1">
-              <a:shade val="50000"/>
-            </a:schemeClr>
-          </a:lnRef>
-          <a:fillRef idx="1">
-            <a:schemeClr val="accent1"/>
-          </a:fillRef>
-          <a:effectRef idx="0">
-            <a:schemeClr val="accent1"/>
-          </a:effectRef>
-          <a:fontRef idx="minor">
-            <a:schemeClr val="lt1"/>
-          </a:fontRef>
-        </p:style>
-        <p:txBody>
-          <a:bodyPr rtlCol="0" anchor="ctr"/>
-          <a:lstStyle/>
-          <a:p>
-            <a:pPr algn="ctr"/>
-            <a:r>
-              <a:rPr lang="en-US" sz="1100" dirty="0" smtClean="0">
-                <a:latin typeface="Bell MT" panose="02020503060305020303" pitchFamily="18" charset="0"/>
-              </a:rPr>
-              <a:t>Confirmation</a:t>
-            </a:r>
-            <a:endParaRPr lang="en-US" sz="1100" dirty="0">
-              <a:latin typeface="Bell MT" panose="02020503060305020303" pitchFamily="18" charset="0"/>
-            </a:endParaRPr>
-          </a:p>
-        </p:txBody>
-      </p:sp>
-      <p:cxnSp>
-        <p:nvCxnSpPr>
           <p:cNvPr id="24" name="Straight Arrow Connector 23"/>
           <p:cNvCxnSpPr>
-            <a:stCxn id="22" idx="3"/>
+            <a:endCxn id="13" idx="1"/>
           </p:cNvCxnSpPr>
           <p:nvPr/>
         </p:nvCxnSpPr>
         <p:spPr>
-          <a:xfrm flipH="1">
-            <a:off x="1094509" y="2337963"/>
-            <a:ext cx="20757" cy="863593"/>
+          <a:xfrm flipV="1">
+            <a:off x="5334000" y="3123417"/>
+            <a:ext cx="1447800" cy="477033"/>
           </a:xfrm>
           <a:prstGeom prst="straightConnector1">
             <a:avLst/>
@@ -6610,103 +5937,20 @@
       </p:cxnSp>
       <p:cxnSp>
         <p:nvCxnSpPr>
-          <p:cNvPr id="27" name="Elbow Connector 26"/>
-          <p:cNvCxnSpPr/>
-          <p:nvPr/>
-        </p:nvCxnSpPr>
-        <p:spPr>
-          <a:xfrm rot="16200000" flipV="1">
-            <a:off x="1270002" y="2981038"/>
-            <a:ext cx="431797" cy="76200"/>
-          </a:xfrm>
-          <a:prstGeom prst="bentConnector3">
-            <a:avLst/>
-          </a:prstGeom>
-          <a:ln>
-            <a:tailEnd type="arrow"/>
-          </a:ln>
-        </p:spPr>
-        <p:style>
-          <a:lnRef idx="1">
-            <a:schemeClr val="accent1"/>
-          </a:lnRef>
-          <a:fillRef idx="0">
-            <a:schemeClr val="accent1"/>
-          </a:fillRef>
-          <a:effectRef idx="0">
-            <a:schemeClr val="accent1"/>
-          </a:effectRef>
-          <a:fontRef idx="minor">
-            <a:schemeClr val="tx1"/>
-          </a:fontRef>
-        </p:style>
-      </p:cxnSp>
-      <p:sp>
-        <p:nvSpPr>
-          <p:cNvPr id="29" name="Oval 28"/>
-          <p:cNvSpPr/>
-          <p:nvPr/>
-        </p:nvSpPr>
-        <p:spPr>
-          <a:xfrm>
-            <a:off x="1371599" y="2455718"/>
-            <a:ext cx="1510145" cy="457201"/>
-          </a:xfrm>
-          <a:prstGeom prst="ellipse">
-            <a:avLst/>
-          </a:prstGeom>
-        </p:spPr>
-        <p:style>
-          <a:lnRef idx="2">
-            <a:schemeClr val="accent1">
-              <a:shade val="50000"/>
-            </a:schemeClr>
-          </a:lnRef>
-          <a:fillRef idx="1">
-            <a:schemeClr val="accent1"/>
-          </a:fillRef>
-          <a:effectRef idx="0">
-            <a:schemeClr val="accent1"/>
-          </a:effectRef>
-          <a:fontRef idx="minor">
-            <a:schemeClr val="lt1"/>
-          </a:fontRef>
-        </p:style>
-        <p:txBody>
-          <a:bodyPr rtlCol="0" anchor="ctr"/>
-          <a:lstStyle/>
-          <a:p>
-            <a:pPr algn="ctr"/>
-            <a:r>
-              <a:rPr lang="en-US" sz="1200" dirty="0" smtClean="0">
-                <a:latin typeface="Bell MT" panose="02020503060305020303" pitchFamily="18" charset="0"/>
-              </a:rPr>
-              <a:t>Enter Detail</a:t>
-            </a:r>
-            <a:endParaRPr lang="en-US" sz="1200" dirty="0">
-              <a:latin typeface="Bell MT" panose="02020503060305020303" pitchFamily="18" charset="0"/>
-            </a:endParaRPr>
-          </a:p>
-        </p:txBody>
-      </p:sp>
-      <p:cxnSp>
-        <p:nvCxnSpPr>
-          <p:cNvPr id="31" name="Elbow Connector 30"/>
+          <p:cNvPr id="27" name="Straight Arrow Connector 26"/>
           <p:cNvCxnSpPr>
-            <a:stCxn id="29" idx="7"/>
+            <a:stCxn id="5" idx="6"/>
+            <a:endCxn id="14" idx="1"/>
           </p:cNvCxnSpPr>
           <p:nvPr/>
         </p:nvCxnSpPr>
         <p:spPr>
-          <a:xfrm rot="16200000" flipH="1">
-            <a:off x="2963973" y="2219289"/>
-            <a:ext cx="161642" cy="768412"/>
-          </a:xfrm>
-          <a:prstGeom prst="bentConnector4">
-            <a:avLst>
-              <a:gd name="adj1" fmla="val -141424"/>
-              <a:gd name="adj2" fmla="val 64390"/>
-            </a:avLst>
+          <a:xfrm>
+            <a:off x="5334000" y="3848100"/>
+            <a:ext cx="1469721" cy="0"/>
+          </a:xfrm>
+          <a:prstGeom prst="straightConnector1">
+            <a:avLst/>
           </a:prstGeom>
           <a:ln>
             <a:tailEnd type="arrow"/>
@@ -6729,261 +5973,16 @@
       </p:cxnSp>
       <p:cxnSp>
         <p:nvCxnSpPr>
-          <p:cNvPr id="34" name="Elbow Connector 33"/>
-          <p:cNvCxnSpPr/>
-          <p:nvPr/>
-        </p:nvCxnSpPr>
-        <p:spPr>
-          <a:xfrm rot="5400000">
-            <a:off x="3064165" y="2972956"/>
-            <a:ext cx="424873" cy="304799"/>
-          </a:xfrm>
-          <a:prstGeom prst="bentConnector3">
-            <a:avLst/>
-          </a:prstGeom>
-          <a:ln>
-            <a:tailEnd type="arrow"/>
-          </a:ln>
-        </p:spPr>
-        <p:style>
-          <a:lnRef idx="1">
-            <a:schemeClr val="accent1"/>
-          </a:lnRef>
-          <a:fillRef idx="0">
-            <a:schemeClr val="accent1"/>
-          </a:fillRef>
-          <a:effectRef idx="0">
-            <a:schemeClr val="accent1"/>
-          </a:effectRef>
-          <a:fontRef idx="minor">
-            <a:schemeClr val="tx1"/>
-          </a:fontRef>
-        </p:style>
-      </p:cxnSp>
-      <p:sp>
-        <p:nvSpPr>
-          <p:cNvPr id="37" name="Oval 36"/>
-          <p:cNvSpPr/>
-          <p:nvPr/>
-        </p:nvSpPr>
-        <p:spPr>
-          <a:xfrm>
-            <a:off x="2296391" y="3337791"/>
-            <a:ext cx="1371600" cy="457201"/>
-          </a:xfrm>
-          <a:prstGeom prst="ellipse">
-            <a:avLst/>
-          </a:prstGeom>
-        </p:spPr>
-        <p:style>
-          <a:lnRef idx="2">
-            <a:schemeClr val="accent1">
-              <a:shade val="50000"/>
-            </a:schemeClr>
-          </a:lnRef>
-          <a:fillRef idx="1">
-            <a:schemeClr val="accent1"/>
-          </a:fillRef>
-          <a:effectRef idx="0">
-            <a:schemeClr val="accent1"/>
-          </a:effectRef>
-          <a:fontRef idx="minor">
-            <a:schemeClr val="lt1"/>
-          </a:fontRef>
-        </p:style>
-        <p:txBody>
-          <a:bodyPr rtlCol="0" anchor="ctr"/>
-          <a:lstStyle/>
-          <a:p>
-            <a:pPr algn="ctr"/>
-            <a:r>
-              <a:rPr lang="en-US" sz="1100" dirty="0" smtClean="0">
-                <a:latin typeface="Bell MT" panose="02020503060305020303" pitchFamily="18" charset="0"/>
-              </a:rPr>
-              <a:t>Student Page</a:t>
-            </a:r>
-            <a:endParaRPr lang="en-US" sz="1100" dirty="0">
-              <a:latin typeface="Bell MT" panose="02020503060305020303" pitchFamily="18" charset="0"/>
-            </a:endParaRPr>
-          </a:p>
-        </p:txBody>
-      </p:sp>
-      <p:cxnSp>
-        <p:nvCxnSpPr>
-          <p:cNvPr id="42" name="Elbow Connector 41"/>
-          <p:cNvCxnSpPr/>
-          <p:nvPr/>
-        </p:nvCxnSpPr>
-        <p:spPr>
-          <a:xfrm rot="10800000">
-            <a:off x="1998534" y="3235037"/>
-            <a:ext cx="744667" cy="102755"/>
-          </a:xfrm>
-          <a:prstGeom prst="bentConnector3">
-            <a:avLst/>
-          </a:prstGeom>
-          <a:ln>
-            <a:tailEnd type="arrow"/>
-          </a:ln>
-        </p:spPr>
-        <p:style>
-          <a:lnRef idx="1">
-            <a:schemeClr val="accent1"/>
-          </a:lnRef>
-          <a:fillRef idx="0">
-            <a:schemeClr val="accent1"/>
-          </a:fillRef>
-          <a:effectRef idx="0">
-            <a:schemeClr val="accent1"/>
-          </a:effectRef>
-          <a:fontRef idx="minor">
-            <a:schemeClr val="tx1"/>
-          </a:fontRef>
-        </p:style>
-      </p:cxnSp>
-      <p:sp>
-        <p:nvSpPr>
-          <p:cNvPr id="47" name="Oval 46"/>
-          <p:cNvSpPr/>
-          <p:nvPr/>
-        </p:nvSpPr>
-        <p:spPr>
-          <a:xfrm>
-            <a:off x="2357445" y="3871191"/>
-            <a:ext cx="1271154" cy="457200"/>
-          </a:xfrm>
-          <a:prstGeom prst="ellipse">
-            <a:avLst/>
-          </a:prstGeom>
-        </p:spPr>
-        <p:style>
-          <a:lnRef idx="2">
-            <a:schemeClr val="accent1">
-              <a:shade val="50000"/>
-            </a:schemeClr>
-          </a:lnRef>
-          <a:fillRef idx="1">
-            <a:schemeClr val="accent1"/>
-          </a:fillRef>
-          <a:effectRef idx="0">
-            <a:schemeClr val="accent1"/>
-          </a:effectRef>
-          <a:fontRef idx="minor">
-            <a:schemeClr val="lt1"/>
-          </a:fontRef>
-        </p:style>
-        <p:txBody>
-          <a:bodyPr rtlCol="0" anchor="ctr"/>
-          <a:lstStyle/>
-          <a:p>
-            <a:pPr algn="ctr"/>
-            <a:r>
-              <a:rPr lang="en-US" sz="1200" dirty="0" smtClean="0">
-                <a:latin typeface="Bell MT" panose="02020503060305020303" pitchFamily="18" charset="0"/>
-              </a:rPr>
-              <a:t>Request</a:t>
-            </a:r>
-            <a:endParaRPr lang="en-US" sz="1200" dirty="0">
-              <a:latin typeface="Bell MT" panose="02020503060305020303" pitchFamily="18" charset="0"/>
-            </a:endParaRPr>
-          </a:p>
-        </p:txBody>
-      </p:sp>
-      <p:cxnSp>
-        <p:nvCxnSpPr>
-          <p:cNvPr id="52" name="Elbow Connector 51"/>
-          <p:cNvCxnSpPr/>
-          <p:nvPr/>
-        </p:nvCxnSpPr>
-        <p:spPr>
-          <a:xfrm>
-            <a:off x="2743200" y="4767112"/>
-            <a:ext cx="685801" cy="203207"/>
-          </a:xfrm>
-          <a:prstGeom prst="bentConnector3">
-            <a:avLst>
-              <a:gd name="adj1" fmla="val 50000"/>
-            </a:avLst>
-          </a:prstGeom>
-          <a:ln>
-            <a:tailEnd type="arrow"/>
-          </a:ln>
-        </p:spPr>
-        <p:style>
-          <a:lnRef idx="1">
-            <a:schemeClr val="accent1"/>
-          </a:lnRef>
-          <a:fillRef idx="0">
-            <a:schemeClr val="accent1"/>
-          </a:fillRef>
-          <a:effectRef idx="0">
-            <a:schemeClr val="accent1"/>
-          </a:effectRef>
-          <a:fontRef idx="minor">
-            <a:schemeClr val="tx1"/>
-          </a:fontRef>
-        </p:style>
-      </p:cxnSp>
-      <p:sp>
-        <p:nvSpPr>
-          <p:cNvPr id="55" name="Oval 54"/>
-          <p:cNvSpPr/>
-          <p:nvPr/>
-        </p:nvSpPr>
-        <p:spPr>
-          <a:xfrm>
-            <a:off x="1610591" y="4700157"/>
-            <a:ext cx="1271154" cy="457200"/>
-          </a:xfrm>
-          <a:prstGeom prst="ellipse">
-            <a:avLst/>
-          </a:prstGeom>
-        </p:spPr>
-        <p:style>
-          <a:lnRef idx="2">
-            <a:schemeClr val="accent1">
-              <a:shade val="50000"/>
-            </a:schemeClr>
-          </a:lnRef>
-          <a:fillRef idx="1">
-            <a:schemeClr val="accent1"/>
-          </a:fillRef>
-          <a:effectRef idx="0">
-            <a:schemeClr val="accent1"/>
-          </a:effectRef>
-          <a:fontRef idx="minor">
-            <a:schemeClr val="lt1"/>
-          </a:fontRef>
-        </p:style>
-        <p:txBody>
-          <a:bodyPr rtlCol="0" anchor="ctr"/>
-          <a:lstStyle/>
-          <a:p>
-            <a:pPr algn="ctr"/>
-            <a:r>
-              <a:rPr lang="en-US" sz="1200" dirty="0" smtClean="0">
-                <a:latin typeface="Bell MT" panose="02020503060305020303" pitchFamily="18" charset="0"/>
-              </a:rPr>
-              <a:t>Display Table</a:t>
-            </a:r>
-            <a:endParaRPr lang="en-US" sz="1200" dirty="0">
-              <a:latin typeface="Bell MT" panose="02020503060305020303" pitchFamily="18" charset="0"/>
-            </a:endParaRPr>
-          </a:p>
-        </p:txBody>
-      </p:sp>
-      <p:cxnSp>
-        <p:nvCxnSpPr>
-          <p:cNvPr id="63" name="Straight Arrow Connector 62"/>
+          <p:cNvPr id="30" name="Straight Arrow Connector 29"/>
           <p:cNvCxnSpPr>
-            <a:endCxn id="47" idx="2"/>
+            <a:endCxn id="15" idx="1"/>
           </p:cNvCxnSpPr>
           <p:nvPr/>
         </p:nvCxnSpPr>
         <p:spPr>
           <a:xfrm>
-            <a:off x="1998533" y="4099791"/>
-            <a:ext cx="358912" cy="0"/>
+            <a:off x="5334000" y="4095750"/>
+            <a:ext cx="1469721" cy="419100"/>
           </a:xfrm>
           <a:prstGeom prst="straightConnector1">
             <a:avLst/>
@@ -7009,18 +6008,1906 @@
       </p:cxnSp>
       <p:cxnSp>
         <p:nvCxnSpPr>
-          <p:cNvPr id="66" name="Elbow Connector 65"/>
+          <p:cNvPr id="34" name="Straight Arrow Connector 33"/>
           <p:cNvCxnSpPr>
-            <a:stCxn id="47" idx="4"/>
+            <a:stCxn id="5" idx="5"/>
+            <a:endCxn id="16" idx="1"/>
           </p:cNvCxnSpPr>
           <p:nvPr/>
         </p:nvCxnSpPr>
         <p:spPr>
-          <a:xfrm rot="16200000" flipH="1">
-            <a:off x="3066694" y="4254719"/>
-            <a:ext cx="319811" cy="467154"/>
-          </a:xfrm>
-          <a:prstGeom prst="bentConnector2">
+          <a:xfrm>
+            <a:off x="5121975" y="4359975"/>
+            <a:ext cx="1703667" cy="764475"/>
+          </a:xfrm>
+          <a:prstGeom prst="straightConnector1">
+            <a:avLst/>
+          </a:prstGeom>
+          <a:ln>
+            <a:tailEnd type="arrow"/>
+          </a:ln>
+        </p:spPr>
+        <p:style>
+          <a:lnRef idx="1">
+            <a:schemeClr val="accent1"/>
+          </a:lnRef>
+          <a:fillRef idx="0">
+            <a:schemeClr val="accent1"/>
+          </a:fillRef>
+          <a:effectRef idx="0">
+            <a:schemeClr val="accent1"/>
+          </a:effectRef>
+          <a:fontRef idx="minor">
+            <a:schemeClr val="tx1"/>
+          </a:fontRef>
+        </p:style>
+      </p:cxnSp>
+      <p:cxnSp>
+        <p:nvCxnSpPr>
+          <p:cNvPr id="37" name="Straight Arrow Connector 36"/>
+          <p:cNvCxnSpPr>
+            <a:endCxn id="17" idx="1"/>
+          </p:cNvCxnSpPr>
+          <p:nvPr/>
+        </p:nvCxnSpPr>
+        <p:spPr>
+          <a:xfrm>
+            <a:off x="4876800" y="4514850"/>
+            <a:ext cx="1948842" cy="1257300"/>
+          </a:xfrm>
+          <a:prstGeom prst="straightConnector1">
+            <a:avLst/>
+          </a:prstGeom>
+          <a:ln>
+            <a:tailEnd type="arrow"/>
+          </a:ln>
+        </p:spPr>
+        <p:style>
+          <a:lnRef idx="1">
+            <a:schemeClr val="accent1"/>
+          </a:lnRef>
+          <a:fillRef idx="0">
+            <a:schemeClr val="accent1"/>
+          </a:fillRef>
+          <a:effectRef idx="0">
+            <a:schemeClr val="accent1"/>
+          </a:effectRef>
+          <a:fontRef idx="minor">
+            <a:schemeClr val="tx1"/>
+          </a:fontRef>
+        </p:style>
+      </p:cxnSp>
+      <p:cxnSp>
+        <p:nvCxnSpPr>
+          <p:cNvPr id="61" name="Straight Arrow Connector 60"/>
+          <p:cNvCxnSpPr/>
+          <p:nvPr/>
+        </p:nvCxnSpPr>
+        <p:spPr>
+          <a:xfrm>
+            <a:off x="2397168" y="2438400"/>
+            <a:ext cx="1870032" cy="762000"/>
+          </a:xfrm>
+          <a:prstGeom prst="straightConnector1">
+            <a:avLst/>
+          </a:prstGeom>
+          <a:ln>
+            <a:tailEnd type="arrow"/>
+          </a:ln>
+        </p:spPr>
+        <p:style>
+          <a:lnRef idx="1">
+            <a:schemeClr val="accent1"/>
+          </a:lnRef>
+          <a:fillRef idx="0">
+            <a:schemeClr val="accent1"/>
+          </a:fillRef>
+          <a:effectRef idx="0">
+            <a:schemeClr val="accent1"/>
+          </a:effectRef>
+          <a:fontRef idx="minor">
+            <a:schemeClr val="tx1"/>
+          </a:fontRef>
+        </p:style>
+      </p:cxnSp>
+      <p:cxnSp>
+        <p:nvCxnSpPr>
+          <p:cNvPr id="65" name="Straight Arrow Connector 64"/>
+          <p:cNvCxnSpPr>
+            <a:stCxn id="7" idx="3"/>
+          </p:cNvCxnSpPr>
+          <p:nvPr/>
+        </p:nvCxnSpPr>
+        <p:spPr>
+          <a:xfrm>
+            <a:off x="2362200" y="3124200"/>
+            <a:ext cx="1524000" cy="381000"/>
+          </a:xfrm>
+          <a:prstGeom prst="straightConnector1">
+            <a:avLst/>
+          </a:prstGeom>
+          <a:ln>
+            <a:tailEnd type="arrow"/>
+          </a:ln>
+        </p:spPr>
+        <p:style>
+          <a:lnRef idx="1">
+            <a:schemeClr val="accent1"/>
+          </a:lnRef>
+          <a:fillRef idx="0">
+            <a:schemeClr val="accent1"/>
+          </a:fillRef>
+          <a:effectRef idx="0">
+            <a:schemeClr val="accent1"/>
+          </a:effectRef>
+          <a:fontRef idx="minor">
+            <a:schemeClr val="tx1"/>
+          </a:fontRef>
+        </p:style>
+      </p:cxnSp>
+      <p:cxnSp>
+        <p:nvCxnSpPr>
+          <p:cNvPr id="68" name="Straight Arrow Connector 67"/>
+          <p:cNvCxnSpPr>
+            <a:endCxn id="5" idx="2"/>
+          </p:cNvCxnSpPr>
+          <p:nvPr/>
+        </p:nvCxnSpPr>
+        <p:spPr>
+          <a:xfrm>
+            <a:off x="2397168" y="3848100"/>
+            <a:ext cx="1489032" cy="0"/>
+          </a:xfrm>
+          <a:prstGeom prst="straightConnector1">
+            <a:avLst/>
+          </a:prstGeom>
+          <a:ln>
+            <a:tailEnd type="arrow"/>
+          </a:ln>
+        </p:spPr>
+        <p:style>
+          <a:lnRef idx="1">
+            <a:schemeClr val="accent1"/>
+          </a:lnRef>
+          <a:fillRef idx="0">
+            <a:schemeClr val="accent1"/>
+          </a:fillRef>
+          <a:effectRef idx="0">
+            <a:schemeClr val="accent1"/>
+          </a:effectRef>
+          <a:fontRef idx="minor">
+            <a:schemeClr val="tx1"/>
+          </a:fontRef>
+        </p:style>
+      </p:cxnSp>
+      <p:cxnSp>
+        <p:nvCxnSpPr>
+          <p:cNvPr id="71" name="Straight Arrow Connector 70"/>
+          <p:cNvCxnSpPr/>
+          <p:nvPr/>
+        </p:nvCxnSpPr>
+        <p:spPr>
+          <a:xfrm flipV="1">
+            <a:off x="2397168" y="4095750"/>
+            <a:ext cx="1489032" cy="400050"/>
+          </a:xfrm>
+          <a:prstGeom prst="straightConnector1">
+            <a:avLst/>
+          </a:prstGeom>
+          <a:ln>
+            <a:tailEnd type="arrow"/>
+          </a:ln>
+        </p:spPr>
+        <p:style>
+          <a:lnRef idx="1">
+            <a:schemeClr val="accent1"/>
+          </a:lnRef>
+          <a:fillRef idx="0">
+            <a:schemeClr val="accent1"/>
+          </a:fillRef>
+          <a:effectRef idx="0">
+            <a:schemeClr val="accent1"/>
+          </a:effectRef>
+          <a:fontRef idx="minor">
+            <a:schemeClr val="tx1"/>
+          </a:fontRef>
+        </p:style>
+      </p:cxnSp>
+      <p:cxnSp>
+        <p:nvCxnSpPr>
+          <p:cNvPr id="75" name="Straight Arrow Connector 74"/>
+          <p:cNvCxnSpPr>
+            <a:stCxn id="10" idx="3"/>
+            <a:endCxn id="5" idx="3"/>
+          </p:cNvCxnSpPr>
+          <p:nvPr/>
+        </p:nvCxnSpPr>
+        <p:spPr>
+          <a:xfrm flipV="1">
+            <a:off x="2397168" y="4359975"/>
+            <a:ext cx="1701057" cy="783525"/>
+          </a:xfrm>
+          <a:prstGeom prst="straightConnector1">
+            <a:avLst/>
+          </a:prstGeom>
+          <a:ln>
+            <a:tailEnd type="arrow"/>
+          </a:ln>
+        </p:spPr>
+        <p:style>
+          <a:lnRef idx="1">
+            <a:schemeClr val="accent1"/>
+          </a:lnRef>
+          <a:fillRef idx="0">
+            <a:schemeClr val="accent1"/>
+          </a:fillRef>
+          <a:effectRef idx="0">
+            <a:schemeClr val="accent1"/>
+          </a:effectRef>
+          <a:fontRef idx="minor">
+            <a:schemeClr val="tx1"/>
+          </a:fontRef>
+        </p:style>
+      </p:cxnSp>
+      <p:cxnSp>
+        <p:nvCxnSpPr>
+          <p:cNvPr id="78" name="Straight Arrow Connector 77"/>
+          <p:cNvCxnSpPr/>
+          <p:nvPr/>
+        </p:nvCxnSpPr>
+        <p:spPr>
+          <a:xfrm flipV="1">
+            <a:off x="2397168" y="4514850"/>
+            <a:ext cx="1870032" cy="1257300"/>
+          </a:xfrm>
+          <a:prstGeom prst="straightConnector1">
+            <a:avLst/>
+          </a:prstGeom>
+          <a:ln>
+            <a:tailEnd type="arrow"/>
+          </a:ln>
+        </p:spPr>
+        <p:style>
+          <a:lnRef idx="1">
+            <a:schemeClr val="accent1"/>
+          </a:lnRef>
+          <a:fillRef idx="0">
+            <a:schemeClr val="accent1"/>
+          </a:fillRef>
+          <a:effectRef idx="0">
+            <a:schemeClr val="accent1"/>
+          </a:effectRef>
+          <a:fontRef idx="minor">
+            <a:schemeClr val="tx1"/>
+          </a:fontRef>
+        </p:style>
+      </p:cxnSp>
+    </p:spTree>
+    <p:extLst>
+      <p:ext uri="{BB962C8B-B14F-4D97-AF65-F5344CB8AC3E}">
+        <p14:creationId xmlns:p14="http://schemas.microsoft.com/office/powerpoint/2010/main" val="2571188407"/>
+      </p:ext>
+    </p:extLst>
+  </p:cSld>
+  <p:clrMapOvr>
+    <a:masterClrMapping/>
+  </p:clrMapOvr>
+</p:sld>
+</file>
+
+<file path=ppt/slides/slide5.xml><?xml version="1.0" encoding="utf-8"?>
+<p:sld xmlns:a="http://schemas.openxmlformats.org/drawingml/2006/main" xmlns:r="http://schemas.openxmlformats.org/officeDocument/2006/relationships" xmlns:p="http://schemas.openxmlformats.org/presentationml/2006/main">
+  <p:cSld>
+    <p:spTree>
+      <p:nvGrpSpPr>
+        <p:cNvPr id="1" name=""/>
+        <p:cNvGrpSpPr/>
+        <p:nvPr/>
+      </p:nvGrpSpPr>
+      <p:grpSpPr>
+        <a:xfrm>
+          <a:off x="0" y="0"/>
+          <a:ext cx="0" cy="0"/>
+          <a:chOff x="0" y="0"/>
+          <a:chExt cx="0" cy="0"/>
+        </a:xfrm>
+      </p:grpSpPr>
+      <p:sp>
+        <p:nvSpPr>
+          <p:cNvPr id="5" name="Content Placeholder 4"/>
+          <p:cNvSpPr>
+            <a:spLocks noGrp="1"/>
+          </p:cNvSpPr>
+          <p:nvPr>
+            <p:ph sz="quarter" idx="13"/>
+          </p:nvPr>
+        </p:nvSpPr>
+        <p:spPr/>
+        <p:txBody>
+          <a:bodyPr>
+            <a:normAutofit/>
+          </a:bodyPr>
+          <a:lstStyle/>
+          <a:p>
+            <a:pPr algn="l"/>
+            <a:r>
+              <a:rPr lang="en-US" sz="2400" dirty="0" smtClean="0">
+                <a:latin typeface="Bell MT" panose="02020503060305020303" pitchFamily="18" charset="0"/>
+              </a:rPr>
+              <a:t>Main entities and output of first level DFD:-</a:t>
+            </a:r>
+          </a:p>
+          <a:p>
+            <a:pPr marL="342900" indent="-342900" algn="l">
+              <a:buFont typeface="Wingdings" panose="05000000000000000000" pitchFamily="2" charset="2"/>
+              <a:buChar char="Ø"/>
+            </a:pPr>
+            <a:r>
+              <a:rPr lang="en-US" sz="2400" dirty="0" smtClean="0">
+                <a:latin typeface="Bell MT" panose="02020503060305020303" pitchFamily="18" charset="0"/>
+              </a:rPr>
+              <a:t>Processing timetable records and generate report of all the timetable.</a:t>
+            </a:r>
+          </a:p>
+          <a:p>
+            <a:pPr marL="342900" indent="-342900" algn="l">
+              <a:buFont typeface="Wingdings" panose="05000000000000000000" pitchFamily="2" charset="2"/>
+              <a:buChar char="Ø"/>
+            </a:pPr>
+            <a:r>
+              <a:rPr lang="en-US" sz="2400" dirty="0" smtClean="0">
+                <a:latin typeface="Bell MT" panose="02020503060305020303" pitchFamily="18" charset="0"/>
+              </a:rPr>
+              <a:t>Processing class records and generate report of all class..</a:t>
+            </a:r>
+            <a:endParaRPr lang="en-US" sz="2400" dirty="0">
+              <a:latin typeface="Bell MT" panose="02020503060305020303" pitchFamily="18" charset="0"/>
+            </a:endParaRPr>
+          </a:p>
+          <a:p>
+            <a:pPr marL="342900" indent="-342900" algn="l">
+              <a:buFont typeface="Wingdings" panose="05000000000000000000" pitchFamily="2" charset="2"/>
+              <a:buChar char="Ø"/>
+            </a:pPr>
+            <a:r>
+              <a:rPr lang="en-US" sz="2400" dirty="0">
+                <a:latin typeface="Bell MT" panose="02020503060305020303" pitchFamily="18" charset="0"/>
+              </a:rPr>
+              <a:t>Processing </a:t>
+            </a:r>
+            <a:r>
+              <a:rPr lang="en-US" sz="2400" dirty="0" smtClean="0">
+                <a:latin typeface="Bell MT" panose="02020503060305020303" pitchFamily="18" charset="0"/>
+              </a:rPr>
+              <a:t>subject </a:t>
+            </a:r>
+            <a:r>
+              <a:rPr lang="en-US" sz="2400" dirty="0">
+                <a:latin typeface="Bell MT" panose="02020503060305020303" pitchFamily="18" charset="0"/>
+              </a:rPr>
+              <a:t>records and generate report of all </a:t>
+            </a:r>
+            <a:r>
+              <a:rPr lang="en-US" sz="2400" dirty="0" smtClean="0">
+                <a:latin typeface="Bell MT" panose="02020503060305020303" pitchFamily="18" charset="0"/>
+              </a:rPr>
+              <a:t>subject.</a:t>
+            </a:r>
+            <a:endParaRPr lang="en-US" sz="2400" dirty="0">
+              <a:latin typeface="Bell MT" panose="02020503060305020303" pitchFamily="18" charset="0"/>
+            </a:endParaRPr>
+          </a:p>
+          <a:p>
+            <a:pPr marL="342900" indent="-342900" algn="l">
+              <a:buFont typeface="Wingdings" panose="05000000000000000000" pitchFamily="2" charset="2"/>
+              <a:buChar char="Ø"/>
+            </a:pPr>
+            <a:r>
+              <a:rPr lang="en-US" sz="2400" dirty="0">
+                <a:latin typeface="Bell MT" panose="02020503060305020303" pitchFamily="18" charset="0"/>
+              </a:rPr>
+              <a:t>Processing </a:t>
+            </a:r>
+            <a:r>
+              <a:rPr lang="en-US" sz="2400" dirty="0" smtClean="0">
+                <a:latin typeface="Bell MT" panose="02020503060305020303" pitchFamily="18" charset="0"/>
+              </a:rPr>
+              <a:t>faculty </a:t>
+            </a:r>
+            <a:r>
+              <a:rPr lang="en-US" sz="2400" dirty="0">
+                <a:latin typeface="Bell MT" panose="02020503060305020303" pitchFamily="18" charset="0"/>
+              </a:rPr>
+              <a:t>records and generate report of all </a:t>
+            </a:r>
+            <a:r>
+              <a:rPr lang="en-US" sz="2400" dirty="0" smtClean="0">
+                <a:latin typeface="Bell MT" panose="02020503060305020303" pitchFamily="18" charset="0"/>
+              </a:rPr>
+              <a:t>faculty.</a:t>
+            </a:r>
+            <a:endParaRPr lang="en-US" sz="2400" dirty="0">
+              <a:latin typeface="Bell MT" panose="02020503060305020303" pitchFamily="18" charset="0"/>
+            </a:endParaRPr>
+          </a:p>
+          <a:p>
+            <a:pPr marL="342900" indent="-342900" algn="l">
+              <a:buFont typeface="Wingdings" panose="05000000000000000000" pitchFamily="2" charset="2"/>
+              <a:buChar char="Ø"/>
+            </a:pPr>
+            <a:endParaRPr lang="en-US" sz="2400" dirty="0" smtClean="0">
+              <a:latin typeface="Bell MT" panose="02020503060305020303" pitchFamily="18" charset="0"/>
+            </a:endParaRPr>
+          </a:p>
+          <a:p>
+            <a:pPr marL="342900" indent="-342900" algn="l">
+              <a:buFont typeface="Wingdings" panose="05000000000000000000" pitchFamily="2" charset="2"/>
+              <a:buChar char="Ø"/>
+            </a:pPr>
+            <a:endParaRPr lang="en-US" dirty="0" smtClean="0"/>
+          </a:p>
+          <a:p>
+            <a:pPr marL="342900" indent="-342900" algn="l">
+              <a:buFont typeface="Wingdings" panose="05000000000000000000" pitchFamily="2" charset="2"/>
+              <a:buChar char="Ø"/>
+            </a:pPr>
+            <a:endParaRPr lang="en-US" dirty="0"/>
+          </a:p>
+        </p:txBody>
+      </p:sp>
+      <p:sp>
+        <p:nvSpPr>
+          <p:cNvPr id="3" name="Title 2"/>
+          <p:cNvSpPr>
+            <a:spLocks noGrp="1"/>
+          </p:cNvSpPr>
+          <p:nvPr>
+            <p:ph type="title"/>
+          </p:nvPr>
+        </p:nvSpPr>
+        <p:spPr/>
+        <p:txBody>
+          <a:bodyPr>
+            <a:normAutofit/>
+          </a:bodyPr>
+          <a:lstStyle/>
+          <a:p>
+            <a:r>
+              <a:rPr lang="en-US" sz="2000" dirty="0" smtClean="0">
+                <a:latin typeface="Algerian" panose="04020705040A02060702" pitchFamily="82" charset="0"/>
+              </a:rPr>
+              <a:t>First level data flow diagram</a:t>
+            </a:r>
+            <a:endParaRPr lang="en-US" sz="2000" dirty="0">
+              <a:latin typeface="Algerian" panose="04020705040A02060702" pitchFamily="82" charset="0"/>
+            </a:endParaRPr>
+          </a:p>
+        </p:txBody>
+      </p:sp>
+    </p:spTree>
+    <p:extLst>
+      <p:ext uri="{BB962C8B-B14F-4D97-AF65-F5344CB8AC3E}">
+        <p14:creationId xmlns:p14="http://schemas.microsoft.com/office/powerpoint/2010/main" val="2688248707"/>
+      </p:ext>
+    </p:extLst>
+  </p:cSld>
+  <p:clrMapOvr>
+    <a:masterClrMapping/>
+  </p:clrMapOvr>
+</p:sld>
+</file>
+
+<file path=ppt/slides/slide6.xml><?xml version="1.0" encoding="utf-8"?>
+<p:sld xmlns:a="http://schemas.openxmlformats.org/drawingml/2006/main" xmlns:r="http://schemas.openxmlformats.org/officeDocument/2006/relationships" xmlns:p="http://schemas.openxmlformats.org/presentationml/2006/main">
+  <p:cSld>
+    <p:spTree>
+      <p:nvGrpSpPr>
+        <p:cNvPr id="1" name=""/>
+        <p:cNvGrpSpPr/>
+        <p:nvPr/>
+      </p:nvGrpSpPr>
+      <p:grpSpPr>
+        <a:xfrm>
+          <a:off x="0" y="0"/>
+          <a:ext cx="0" cy="0"/>
+          <a:chOff x="0" y="0"/>
+          <a:chExt cx="0" cy="0"/>
+        </a:xfrm>
+      </p:grpSpPr>
+      <p:sp>
+        <p:nvSpPr>
+          <p:cNvPr id="3" name="Title 2"/>
+          <p:cNvSpPr>
+            <a:spLocks noGrp="1"/>
+          </p:cNvSpPr>
+          <p:nvPr>
+            <p:ph type="title"/>
+          </p:nvPr>
+        </p:nvSpPr>
+        <p:spPr/>
+        <p:txBody>
+          <a:bodyPr>
+            <a:normAutofit/>
+          </a:bodyPr>
+          <a:lstStyle/>
+          <a:p>
+            <a:r>
+              <a:rPr lang="en-US" sz="3200" dirty="0" smtClean="0">
+                <a:latin typeface="Algerian" panose="04020705040A02060702" pitchFamily="82" charset="0"/>
+              </a:rPr>
+              <a:t>DFD LEVEL </a:t>
+            </a:r>
+            <a:r>
+              <a:rPr lang="en-US" sz="3200" dirty="0" smtClean="0">
+                <a:latin typeface="Algerian" panose="04020705040A02060702" pitchFamily="82" charset="0"/>
+              </a:rPr>
+              <a:t>2</a:t>
+            </a:r>
+            <a:endParaRPr lang="en-US" sz="3200" dirty="0">
+              <a:latin typeface="Algerian" panose="04020705040A02060702" pitchFamily="82" charset="0"/>
+            </a:endParaRPr>
+          </a:p>
+        </p:txBody>
+      </p:sp>
+      <p:sp>
+        <p:nvSpPr>
+          <p:cNvPr id="4" name="Rectangle 3"/>
+          <p:cNvSpPr/>
+          <p:nvPr/>
+        </p:nvSpPr>
+        <p:spPr>
+          <a:xfrm>
+            <a:off x="876300" y="2209800"/>
+            <a:ext cx="1219200" cy="762000"/>
+          </a:xfrm>
+          <a:prstGeom prst="rect">
+            <a:avLst/>
+          </a:prstGeom>
+        </p:spPr>
+        <p:style>
+          <a:lnRef idx="2">
+            <a:schemeClr val="accent1">
+              <a:shade val="50000"/>
+            </a:schemeClr>
+          </a:lnRef>
+          <a:fillRef idx="1">
+            <a:schemeClr val="accent1"/>
+          </a:fillRef>
+          <a:effectRef idx="0">
+            <a:schemeClr val="accent1"/>
+          </a:effectRef>
+          <a:fontRef idx="minor">
+            <a:schemeClr val="lt1"/>
+          </a:fontRef>
+        </p:style>
+        <p:txBody>
+          <a:bodyPr rtlCol="0" anchor="ctr"/>
+          <a:lstStyle/>
+          <a:p>
+            <a:pPr algn="ctr"/>
+            <a:r>
+              <a:rPr lang="en-US" dirty="0" smtClean="0">
+                <a:latin typeface="Bell MT" panose="02020503060305020303" pitchFamily="18" charset="0"/>
+              </a:rPr>
+              <a:t>Admin</a:t>
+            </a:r>
+            <a:endParaRPr lang="en-US" dirty="0">
+              <a:latin typeface="Bell MT" panose="02020503060305020303" pitchFamily="18" charset="0"/>
+            </a:endParaRPr>
+          </a:p>
+        </p:txBody>
+      </p:sp>
+      <p:sp>
+        <p:nvSpPr>
+          <p:cNvPr id="5" name="Oval 4"/>
+          <p:cNvSpPr/>
+          <p:nvPr/>
+        </p:nvSpPr>
+        <p:spPr>
+          <a:xfrm>
+            <a:off x="2971800" y="2139843"/>
+            <a:ext cx="1143000" cy="831957"/>
+          </a:xfrm>
+          <a:prstGeom prst="ellipse">
+            <a:avLst/>
+          </a:prstGeom>
+        </p:spPr>
+        <p:style>
+          <a:lnRef idx="2">
+            <a:schemeClr val="accent1">
+              <a:shade val="50000"/>
+            </a:schemeClr>
+          </a:lnRef>
+          <a:fillRef idx="1">
+            <a:schemeClr val="accent1"/>
+          </a:fillRef>
+          <a:effectRef idx="0">
+            <a:schemeClr val="accent1"/>
+          </a:effectRef>
+          <a:fontRef idx="minor">
+            <a:schemeClr val="lt1"/>
+          </a:fontRef>
+        </p:style>
+        <p:txBody>
+          <a:bodyPr rtlCol="0" anchor="ctr"/>
+          <a:lstStyle/>
+          <a:p>
+            <a:pPr algn="ctr"/>
+            <a:r>
+              <a:rPr lang="en-US" sz="1200" dirty="0" smtClean="0">
+                <a:latin typeface="Bell MT" panose="02020503060305020303" pitchFamily="18" charset="0"/>
+              </a:rPr>
+              <a:t>Login to system</a:t>
+            </a:r>
+            <a:endParaRPr lang="en-US" sz="1200" dirty="0">
+              <a:latin typeface="Bell MT" panose="02020503060305020303" pitchFamily="18" charset="0"/>
+            </a:endParaRPr>
+          </a:p>
+        </p:txBody>
+      </p:sp>
+      <p:sp>
+        <p:nvSpPr>
+          <p:cNvPr id="6" name="Oval 5"/>
+          <p:cNvSpPr/>
+          <p:nvPr/>
+        </p:nvSpPr>
+        <p:spPr>
+          <a:xfrm>
+            <a:off x="2957708" y="3177957"/>
+            <a:ext cx="1143000" cy="822543"/>
+          </a:xfrm>
+          <a:prstGeom prst="ellipse">
+            <a:avLst/>
+          </a:prstGeom>
+        </p:spPr>
+        <p:style>
+          <a:lnRef idx="2">
+            <a:schemeClr val="accent1">
+              <a:shade val="50000"/>
+            </a:schemeClr>
+          </a:lnRef>
+          <a:fillRef idx="1">
+            <a:schemeClr val="accent1"/>
+          </a:fillRef>
+          <a:effectRef idx="0">
+            <a:schemeClr val="accent1"/>
+          </a:effectRef>
+          <a:fontRef idx="minor">
+            <a:schemeClr val="lt1"/>
+          </a:fontRef>
+        </p:style>
+        <p:txBody>
+          <a:bodyPr rtlCol="0" anchor="ctr"/>
+          <a:lstStyle/>
+          <a:p>
+            <a:pPr algn="ctr"/>
+            <a:r>
+              <a:rPr lang="en-US" sz="1050" dirty="0" smtClean="0">
+                <a:latin typeface="Bell MT" panose="02020503060305020303" pitchFamily="18" charset="0"/>
+              </a:rPr>
+              <a:t>Check Credentials</a:t>
+            </a:r>
+            <a:endParaRPr lang="en-US" sz="1050" dirty="0">
+              <a:latin typeface="Bell MT" panose="02020503060305020303" pitchFamily="18" charset="0"/>
+            </a:endParaRPr>
+          </a:p>
+        </p:txBody>
+      </p:sp>
+      <p:sp>
+        <p:nvSpPr>
+          <p:cNvPr id="7" name="Oval 6"/>
+          <p:cNvSpPr/>
+          <p:nvPr/>
+        </p:nvSpPr>
+        <p:spPr>
+          <a:xfrm>
+            <a:off x="923795" y="3537141"/>
+            <a:ext cx="1143000" cy="754171"/>
+          </a:xfrm>
+          <a:prstGeom prst="ellipse">
+            <a:avLst/>
+          </a:prstGeom>
+        </p:spPr>
+        <p:style>
+          <a:lnRef idx="2">
+            <a:schemeClr val="accent1">
+              <a:shade val="50000"/>
+            </a:schemeClr>
+          </a:lnRef>
+          <a:fillRef idx="1">
+            <a:schemeClr val="accent1"/>
+          </a:fillRef>
+          <a:effectRef idx="0">
+            <a:schemeClr val="accent1"/>
+          </a:effectRef>
+          <a:fontRef idx="minor">
+            <a:schemeClr val="lt1"/>
+          </a:fontRef>
+        </p:style>
+        <p:txBody>
+          <a:bodyPr rtlCol="0" anchor="ctr"/>
+          <a:lstStyle/>
+          <a:p>
+            <a:pPr algn="ctr"/>
+            <a:r>
+              <a:rPr lang="en-US" sz="1200" dirty="0" smtClean="0">
+                <a:latin typeface="Bell MT" panose="02020503060305020303" pitchFamily="18" charset="0"/>
+              </a:rPr>
+              <a:t>Forgot Password</a:t>
+            </a:r>
+            <a:endParaRPr lang="en-US" sz="1200" dirty="0">
+              <a:latin typeface="Bell MT" panose="02020503060305020303" pitchFamily="18" charset="0"/>
+            </a:endParaRPr>
+          </a:p>
+        </p:txBody>
+      </p:sp>
+      <p:sp>
+        <p:nvSpPr>
+          <p:cNvPr id="8" name="Oval 7"/>
+          <p:cNvSpPr/>
+          <p:nvPr/>
+        </p:nvSpPr>
+        <p:spPr>
+          <a:xfrm>
+            <a:off x="914400" y="4502637"/>
+            <a:ext cx="1143000" cy="685800"/>
+          </a:xfrm>
+          <a:prstGeom prst="ellipse">
+            <a:avLst/>
+          </a:prstGeom>
+        </p:spPr>
+        <p:style>
+          <a:lnRef idx="2">
+            <a:schemeClr val="accent1">
+              <a:shade val="50000"/>
+            </a:schemeClr>
+          </a:lnRef>
+          <a:fillRef idx="1">
+            <a:schemeClr val="accent1"/>
+          </a:fillRef>
+          <a:effectRef idx="0">
+            <a:schemeClr val="accent1"/>
+          </a:effectRef>
+          <a:fontRef idx="minor">
+            <a:schemeClr val="lt1"/>
+          </a:fontRef>
+        </p:style>
+        <p:txBody>
+          <a:bodyPr rtlCol="0" anchor="ctr"/>
+          <a:lstStyle/>
+          <a:p>
+            <a:pPr algn="ctr"/>
+            <a:r>
+              <a:rPr lang="en-US" sz="1100" dirty="0" smtClean="0">
+                <a:latin typeface="Bell MT" panose="02020503060305020303" pitchFamily="18" charset="0"/>
+              </a:rPr>
+              <a:t>Send email to users</a:t>
+            </a:r>
+            <a:endParaRPr lang="en-US" sz="1100" dirty="0">
+              <a:latin typeface="Bell MT" panose="02020503060305020303" pitchFamily="18" charset="0"/>
+            </a:endParaRPr>
+          </a:p>
+        </p:txBody>
+      </p:sp>
+      <p:sp>
+        <p:nvSpPr>
+          <p:cNvPr id="9" name="Oval 8"/>
+          <p:cNvSpPr/>
+          <p:nvPr/>
+        </p:nvSpPr>
+        <p:spPr>
+          <a:xfrm>
+            <a:off x="4572000" y="2139843"/>
+            <a:ext cx="1143000" cy="831957"/>
+          </a:xfrm>
+          <a:prstGeom prst="ellipse">
+            <a:avLst/>
+          </a:prstGeom>
+        </p:spPr>
+        <p:style>
+          <a:lnRef idx="2">
+            <a:schemeClr val="accent1">
+              <a:shade val="50000"/>
+            </a:schemeClr>
+          </a:lnRef>
+          <a:fillRef idx="1">
+            <a:schemeClr val="accent1"/>
+          </a:fillRef>
+          <a:effectRef idx="0">
+            <a:schemeClr val="accent1"/>
+          </a:effectRef>
+          <a:fontRef idx="minor">
+            <a:schemeClr val="lt1"/>
+          </a:fontRef>
+        </p:style>
+        <p:txBody>
+          <a:bodyPr rtlCol="0" anchor="ctr"/>
+          <a:lstStyle/>
+          <a:p>
+            <a:pPr algn="ctr"/>
+            <a:r>
+              <a:rPr lang="en-US" sz="1100" dirty="0" smtClean="0">
+                <a:latin typeface="Bell MT" panose="02020503060305020303" pitchFamily="18" charset="0"/>
+              </a:rPr>
+              <a:t>Check roles of access</a:t>
+            </a:r>
+            <a:endParaRPr lang="en-US" sz="1100" dirty="0">
+              <a:latin typeface="Bell MT" panose="02020503060305020303" pitchFamily="18" charset="0"/>
+            </a:endParaRPr>
+          </a:p>
+        </p:txBody>
+      </p:sp>
+      <p:sp>
+        <p:nvSpPr>
+          <p:cNvPr id="10" name="Content Placeholder 1"/>
+          <p:cNvSpPr txBox="1">
+            <a:spLocks/>
+          </p:cNvSpPr>
+          <p:nvPr/>
+        </p:nvSpPr>
+        <p:spPr>
+          <a:xfrm>
+            <a:off x="304800" y="2139843"/>
+            <a:ext cx="8229600" cy="4075176"/>
+          </a:xfrm>
+          <a:prstGeom prst="rect">
+            <a:avLst/>
+          </a:prstGeom>
+        </p:spPr>
+        <p:txBody>
+          <a:bodyPr vert="horz" lIns="91440" tIns="45720" rIns="91440" bIns="45720" rtlCol="0">
+            <a:normAutofit/>
+          </a:bodyPr>
+          <a:lstStyle>
+            <a:lvl1pPr marL="0" indent="0" algn="ctr" defTabSz="914400" rtl="0" eaLnBrk="1" latinLnBrk="0" hangingPunct="1">
+              <a:lnSpc>
+                <a:spcPct val="100000"/>
+              </a:lnSpc>
+              <a:spcBef>
+                <a:spcPts val="600"/>
+              </a:spcBef>
+              <a:spcAft>
+                <a:spcPts val="0"/>
+              </a:spcAft>
+              <a:buClr>
+                <a:schemeClr val="accent1"/>
+              </a:buClr>
+              <a:buFontTx/>
+              <a:buNone/>
+              <a:defRPr sz="2000" b="0" i="0" kern="1200" cap="none" spc="30" baseline="0">
+                <a:solidFill>
+                  <a:schemeClr val="tx1"/>
+                </a:solidFill>
+                <a:latin typeface="+mn-lt"/>
+                <a:ea typeface="+mn-ea"/>
+                <a:cs typeface="Tahoma" pitchFamily="34" charset="0"/>
+              </a:defRPr>
+            </a:lvl1pPr>
+            <a:lvl2pPr marL="0" indent="0" algn="ctr" defTabSz="914400" rtl="0" eaLnBrk="1" latinLnBrk="0" hangingPunct="1">
+              <a:lnSpc>
+                <a:spcPct val="100000"/>
+              </a:lnSpc>
+              <a:spcBef>
+                <a:spcPts val="1200"/>
+              </a:spcBef>
+              <a:buClr>
+                <a:schemeClr val="accent1"/>
+              </a:buClr>
+              <a:buFontTx/>
+              <a:buNone/>
+              <a:defRPr sz="1800" kern="1200">
+                <a:solidFill>
+                  <a:schemeClr val="tx2"/>
+                </a:solidFill>
+                <a:latin typeface="+mn-lt"/>
+                <a:ea typeface="+mn-ea"/>
+                <a:cs typeface="Tahoma" pitchFamily="34" charset="0"/>
+              </a:defRPr>
+            </a:lvl2pPr>
+            <a:lvl3pPr marL="0" indent="0" algn="ctr" defTabSz="914400" rtl="0" eaLnBrk="1" latinLnBrk="0" hangingPunct="1">
+              <a:lnSpc>
+                <a:spcPct val="100000"/>
+              </a:lnSpc>
+              <a:spcBef>
+                <a:spcPts val="1200"/>
+              </a:spcBef>
+              <a:buClr>
+                <a:schemeClr val="accent1"/>
+              </a:buClr>
+              <a:buFontTx/>
+              <a:buNone/>
+              <a:defRPr sz="1600" kern="1200">
+                <a:solidFill>
+                  <a:schemeClr val="tx1"/>
+                </a:solidFill>
+                <a:latin typeface="+mn-lt"/>
+                <a:ea typeface="+mn-ea"/>
+                <a:cs typeface="Tahoma" pitchFamily="34" charset="0"/>
+              </a:defRPr>
+            </a:lvl3pPr>
+            <a:lvl4pPr marL="0" indent="0" algn="ctr" defTabSz="914400" rtl="0" eaLnBrk="1" latinLnBrk="0" hangingPunct="1">
+              <a:lnSpc>
+                <a:spcPct val="100000"/>
+              </a:lnSpc>
+              <a:spcBef>
+                <a:spcPts val="1200"/>
+              </a:spcBef>
+              <a:buClr>
+                <a:schemeClr val="accent1"/>
+              </a:buClr>
+              <a:buFontTx/>
+              <a:buNone/>
+              <a:defRPr sz="1400" kern="1200">
+                <a:solidFill>
+                  <a:schemeClr val="tx2"/>
+                </a:solidFill>
+                <a:latin typeface="+mn-lt"/>
+                <a:ea typeface="+mn-ea"/>
+                <a:cs typeface="Tahoma" pitchFamily="34" charset="0"/>
+              </a:defRPr>
+            </a:lvl4pPr>
+            <a:lvl5pPr marL="0" indent="0" algn="ctr" defTabSz="914400" rtl="0" eaLnBrk="1" latinLnBrk="0" hangingPunct="1">
+              <a:lnSpc>
+                <a:spcPct val="100000"/>
+              </a:lnSpc>
+              <a:spcBef>
+                <a:spcPts val="1200"/>
+              </a:spcBef>
+              <a:buClr>
+                <a:schemeClr val="accent1"/>
+              </a:buClr>
+              <a:buFontTx/>
+              <a:buNone/>
+              <a:defRPr sz="1400" kern="1200" baseline="0">
+                <a:solidFill>
+                  <a:schemeClr val="tx1"/>
+                </a:solidFill>
+                <a:latin typeface="+mn-lt"/>
+                <a:ea typeface="+mn-ea"/>
+                <a:cs typeface="Tahoma" pitchFamily="34" charset="0"/>
+              </a:defRPr>
+            </a:lvl5pPr>
+            <a:lvl6pPr marL="0" indent="0" algn="ctr" defTabSz="914400" rtl="0" eaLnBrk="1" latinLnBrk="0" hangingPunct="1">
+              <a:lnSpc>
+                <a:spcPct val="100000"/>
+              </a:lnSpc>
+              <a:spcBef>
+                <a:spcPts val="1200"/>
+              </a:spcBef>
+              <a:buFont typeface="Arial" pitchFamily="34" charset="0"/>
+              <a:buNone/>
+              <a:defRPr sz="1400" kern="1200">
+                <a:solidFill>
+                  <a:schemeClr val="tx2"/>
+                </a:solidFill>
+                <a:latin typeface="+mn-lt"/>
+                <a:ea typeface="+mn-ea"/>
+                <a:cs typeface="+mn-cs"/>
+              </a:defRPr>
+            </a:lvl6pPr>
+            <a:lvl7pPr marL="0" indent="0" algn="ctr" defTabSz="914400" rtl="0" eaLnBrk="1" latinLnBrk="0" hangingPunct="1">
+              <a:lnSpc>
+                <a:spcPct val="100000"/>
+              </a:lnSpc>
+              <a:spcBef>
+                <a:spcPts val="1200"/>
+              </a:spcBef>
+              <a:buFont typeface="Arial" pitchFamily="34" charset="0"/>
+              <a:buNone/>
+              <a:defRPr sz="1400" kern="1200">
+                <a:solidFill>
+                  <a:schemeClr val="tx1"/>
+                </a:solidFill>
+                <a:latin typeface="+mn-lt"/>
+                <a:ea typeface="+mn-ea"/>
+                <a:cs typeface="+mn-cs"/>
+              </a:defRPr>
+            </a:lvl7pPr>
+            <a:lvl8pPr marL="0" indent="0" algn="ctr" defTabSz="914400" rtl="0" eaLnBrk="1" latinLnBrk="0" hangingPunct="1">
+              <a:lnSpc>
+                <a:spcPct val="100000"/>
+              </a:lnSpc>
+              <a:spcBef>
+                <a:spcPts val="1200"/>
+              </a:spcBef>
+              <a:buFont typeface="Arial" pitchFamily="34" charset="0"/>
+              <a:buNone/>
+              <a:defRPr sz="1400" kern="1200">
+                <a:solidFill>
+                  <a:schemeClr val="tx2"/>
+                </a:solidFill>
+                <a:latin typeface="+mn-lt"/>
+                <a:ea typeface="+mn-ea"/>
+                <a:cs typeface="+mn-cs"/>
+              </a:defRPr>
+            </a:lvl8pPr>
+            <a:lvl9pPr marL="0" indent="0" algn="ctr" defTabSz="914400" rtl="0" eaLnBrk="1" latinLnBrk="0" hangingPunct="1">
+              <a:lnSpc>
+                <a:spcPct val="100000"/>
+              </a:lnSpc>
+              <a:spcBef>
+                <a:spcPts val="1200"/>
+              </a:spcBef>
+              <a:buFont typeface="Arial" pitchFamily="34" charset="0"/>
+              <a:buNone/>
+              <a:defRPr sz="1400" kern="1200">
+                <a:solidFill>
+                  <a:schemeClr val="tx1"/>
+                </a:solidFill>
+                <a:latin typeface="+mn-lt"/>
+                <a:ea typeface="+mn-ea"/>
+                <a:cs typeface="+mn-cs"/>
+              </a:defRPr>
+            </a:lvl9pPr>
+          </a:lstStyle>
+          <a:p>
+            <a:endParaRPr lang="en-US" dirty="0"/>
+          </a:p>
+        </p:txBody>
+      </p:sp>
+      <p:sp>
+        <p:nvSpPr>
+          <p:cNvPr id="11" name="Oval 10"/>
+          <p:cNvSpPr/>
+          <p:nvPr/>
+        </p:nvSpPr>
+        <p:spPr>
+          <a:xfrm>
+            <a:off x="4572000" y="3212143"/>
+            <a:ext cx="1143000" cy="822542"/>
+          </a:xfrm>
+          <a:prstGeom prst="ellipse">
+            <a:avLst/>
+          </a:prstGeom>
+        </p:spPr>
+        <p:style>
+          <a:lnRef idx="2">
+            <a:schemeClr val="accent1">
+              <a:shade val="50000"/>
+            </a:schemeClr>
+          </a:lnRef>
+          <a:fillRef idx="1">
+            <a:schemeClr val="accent1"/>
+          </a:fillRef>
+          <a:effectRef idx="0">
+            <a:schemeClr val="accent1"/>
+          </a:effectRef>
+          <a:fontRef idx="minor">
+            <a:schemeClr val="lt1"/>
+          </a:fontRef>
+        </p:style>
+        <p:txBody>
+          <a:bodyPr rtlCol="0" anchor="ctr"/>
+          <a:lstStyle/>
+          <a:p>
+            <a:pPr algn="ctr"/>
+            <a:r>
+              <a:rPr lang="en-US" sz="1200" dirty="0" smtClean="0">
+                <a:latin typeface="Bell MT" panose="02020503060305020303" pitchFamily="18" charset="0"/>
+              </a:rPr>
+              <a:t>Manage modules</a:t>
+            </a:r>
+            <a:endParaRPr lang="en-US" sz="1200" dirty="0">
+              <a:latin typeface="Bell MT" panose="02020503060305020303" pitchFamily="18" charset="0"/>
+            </a:endParaRPr>
+          </a:p>
+        </p:txBody>
+      </p:sp>
+      <p:sp>
+        <p:nvSpPr>
+          <p:cNvPr id="12" name="Rectangle 11"/>
+          <p:cNvSpPr/>
+          <p:nvPr/>
+        </p:nvSpPr>
+        <p:spPr>
+          <a:xfrm>
+            <a:off x="838200" y="5562600"/>
+            <a:ext cx="1600200" cy="457200"/>
+          </a:xfrm>
+          <a:prstGeom prst="rect">
+            <a:avLst/>
+          </a:prstGeom>
+        </p:spPr>
+        <p:style>
+          <a:lnRef idx="2">
+            <a:schemeClr val="accent1">
+              <a:shade val="50000"/>
+            </a:schemeClr>
+          </a:lnRef>
+          <a:fillRef idx="1">
+            <a:schemeClr val="accent1"/>
+          </a:fillRef>
+          <a:effectRef idx="0">
+            <a:schemeClr val="accent1"/>
+          </a:effectRef>
+          <a:fontRef idx="minor">
+            <a:schemeClr val="lt1"/>
+          </a:fontRef>
+        </p:style>
+        <p:txBody>
+          <a:bodyPr rtlCol="0" anchor="ctr"/>
+          <a:lstStyle/>
+          <a:p>
+            <a:pPr algn="ctr"/>
+            <a:r>
+              <a:rPr lang="en-US" sz="1050" dirty="0" smtClean="0">
+                <a:latin typeface="Bell MT" panose="02020503060305020303" pitchFamily="18" charset="0"/>
+              </a:rPr>
+              <a:t>Manage system admins</a:t>
+            </a:r>
+            <a:endParaRPr lang="en-US" sz="1050" dirty="0">
+              <a:latin typeface="Bell MT" panose="02020503060305020303" pitchFamily="18" charset="0"/>
+            </a:endParaRPr>
+          </a:p>
+        </p:txBody>
+      </p:sp>
+      <p:sp>
+        <p:nvSpPr>
+          <p:cNvPr id="13" name="Rectangle 12"/>
+          <p:cNvSpPr/>
+          <p:nvPr/>
+        </p:nvSpPr>
+        <p:spPr>
+          <a:xfrm>
+            <a:off x="2841320" y="5562600"/>
+            <a:ext cx="1578280" cy="457200"/>
+          </a:xfrm>
+          <a:prstGeom prst="rect">
+            <a:avLst/>
+          </a:prstGeom>
+        </p:spPr>
+        <p:style>
+          <a:lnRef idx="2">
+            <a:schemeClr val="accent1">
+              <a:shade val="50000"/>
+            </a:schemeClr>
+          </a:lnRef>
+          <a:fillRef idx="1">
+            <a:schemeClr val="accent1"/>
+          </a:fillRef>
+          <a:effectRef idx="0">
+            <a:schemeClr val="accent1"/>
+          </a:effectRef>
+          <a:fontRef idx="minor">
+            <a:schemeClr val="lt1"/>
+          </a:fontRef>
+        </p:style>
+        <p:txBody>
+          <a:bodyPr rtlCol="0" anchor="ctr"/>
+          <a:lstStyle/>
+          <a:p>
+            <a:pPr algn="ctr"/>
+            <a:r>
+              <a:rPr lang="en-US" sz="1050" dirty="0" smtClean="0">
+                <a:latin typeface="Bell MT" panose="02020503060305020303" pitchFamily="18" charset="0"/>
+              </a:rPr>
+              <a:t>Manage roles of users</a:t>
+            </a:r>
+            <a:endParaRPr lang="en-US" sz="1050" dirty="0">
+              <a:latin typeface="Bell MT" panose="02020503060305020303" pitchFamily="18" charset="0"/>
+            </a:endParaRPr>
+          </a:p>
+        </p:txBody>
+      </p:sp>
+      <p:sp>
+        <p:nvSpPr>
+          <p:cNvPr id="14" name="Rectangle 13"/>
+          <p:cNvSpPr/>
+          <p:nvPr/>
+        </p:nvSpPr>
+        <p:spPr>
+          <a:xfrm>
+            <a:off x="4781550" y="5562600"/>
+            <a:ext cx="1562100" cy="457200"/>
+          </a:xfrm>
+          <a:prstGeom prst="rect">
+            <a:avLst/>
+          </a:prstGeom>
+        </p:spPr>
+        <p:style>
+          <a:lnRef idx="2">
+            <a:schemeClr val="accent1">
+              <a:shade val="50000"/>
+            </a:schemeClr>
+          </a:lnRef>
+          <a:fillRef idx="1">
+            <a:schemeClr val="accent1"/>
+          </a:fillRef>
+          <a:effectRef idx="0">
+            <a:schemeClr val="accent1"/>
+          </a:effectRef>
+          <a:fontRef idx="minor">
+            <a:schemeClr val="lt1"/>
+          </a:fontRef>
+        </p:style>
+        <p:txBody>
+          <a:bodyPr rtlCol="0" anchor="ctr"/>
+          <a:lstStyle/>
+          <a:p>
+            <a:pPr algn="ctr"/>
+            <a:r>
+              <a:rPr lang="en-US" sz="1050" dirty="0" smtClean="0">
+                <a:latin typeface="Bell MT" panose="02020503060305020303" pitchFamily="18" charset="0"/>
+              </a:rPr>
+              <a:t>Manage user permission</a:t>
+            </a:r>
+            <a:endParaRPr lang="en-US" sz="1050" dirty="0">
+              <a:latin typeface="Bell MT" panose="02020503060305020303" pitchFamily="18" charset="0"/>
+            </a:endParaRPr>
+          </a:p>
+        </p:txBody>
+      </p:sp>
+      <p:sp>
+        <p:nvSpPr>
+          <p:cNvPr id="15" name="Rectangle 14"/>
+          <p:cNvSpPr/>
+          <p:nvPr/>
+        </p:nvSpPr>
+        <p:spPr>
+          <a:xfrm>
+            <a:off x="6790152" y="5562600"/>
+            <a:ext cx="1744248" cy="457200"/>
+          </a:xfrm>
+          <a:prstGeom prst="rect">
+            <a:avLst/>
+          </a:prstGeom>
+        </p:spPr>
+        <p:style>
+          <a:lnRef idx="2">
+            <a:schemeClr val="accent1">
+              <a:shade val="50000"/>
+            </a:schemeClr>
+          </a:lnRef>
+          <a:fillRef idx="1">
+            <a:schemeClr val="accent1"/>
+          </a:fillRef>
+          <a:effectRef idx="0">
+            <a:schemeClr val="accent1"/>
+          </a:effectRef>
+          <a:fontRef idx="minor">
+            <a:schemeClr val="lt1"/>
+          </a:fontRef>
+        </p:style>
+        <p:txBody>
+          <a:bodyPr rtlCol="0" anchor="ctr"/>
+          <a:lstStyle/>
+          <a:p>
+            <a:pPr algn="ctr"/>
+            <a:r>
+              <a:rPr lang="en-US" sz="1050" dirty="0" smtClean="0">
+                <a:latin typeface="Bell MT" panose="02020503060305020303" pitchFamily="18" charset="0"/>
+              </a:rPr>
+              <a:t>Manage report</a:t>
+            </a:r>
+            <a:endParaRPr lang="en-US" sz="1050" dirty="0">
+              <a:latin typeface="Bell MT" panose="02020503060305020303" pitchFamily="18" charset="0"/>
+            </a:endParaRPr>
+          </a:p>
+        </p:txBody>
+      </p:sp>
+      <p:sp>
+        <p:nvSpPr>
+          <p:cNvPr id="16" name="Rectangle 15"/>
+          <p:cNvSpPr/>
+          <p:nvPr/>
+        </p:nvSpPr>
+        <p:spPr>
+          <a:xfrm>
+            <a:off x="6781800" y="4953000"/>
+            <a:ext cx="1752598" cy="457200"/>
+          </a:xfrm>
+          <a:prstGeom prst="rect">
+            <a:avLst/>
+          </a:prstGeom>
+        </p:spPr>
+        <p:style>
+          <a:lnRef idx="2">
+            <a:schemeClr val="accent1">
+              <a:shade val="50000"/>
+            </a:schemeClr>
+          </a:lnRef>
+          <a:fillRef idx="1">
+            <a:schemeClr val="accent1"/>
+          </a:fillRef>
+          <a:effectRef idx="0">
+            <a:schemeClr val="accent1"/>
+          </a:effectRef>
+          <a:fontRef idx="minor">
+            <a:schemeClr val="lt1"/>
+          </a:fontRef>
+        </p:style>
+        <p:txBody>
+          <a:bodyPr rtlCol="0" anchor="ctr"/>
+          <a:lstStyle/>
+          <a:p>
+            <a:pPr algn="ctr"/>
+            <a:r>
+              <a:rPr lang="en-US" sz="1050" dirty="0" smtClean="0">
+                <a:latin typeface="Bell MT" panose="02020503060305020303" pitchFamily="18" charset="0"/>
+              </a:rPr>
+              <a:t>Manage room details</a:t>
+            </a:r>
+            <a:endParaRPr lang="en-US" sz="1050" dirty="0">
+              <a:latin typeface="Bell MT" panose="02020503060305020303" pitchFamily="18" charset="0"/>
+            </a:endParaRPr>
+          </a:p>
+        </p:txBody>
+      </p:sp>
+      <p:sp>
+        <p:nvSpPr>
+          <p:cNvPr id="17" name="Rectangle 16"/>
+          <p:cNvSpPr/>
+          <p:nvPr/>
+        </p:nvSpPr>
+        <p:spPr>
+          <a:xfrm>
+            <a:off x="6782843" y="4343400"/>
+            <a:ext cx="1751555" cy="457200"/>
+          </a:xfrm>
+          <a:prstGeom prst="rect">
+            <a:avLst/>
+          </a:prstGeom>
+        </p:spPr>
+        <p:style>
+          <a:lnRef idx="2">
+            <a:schemeClr val="accent1">
+              <a:shade val="50000"/>
+            </a:schemeClr>
+          </a:lnRef>
+          <a:fillRef idx="1">
+            <a:schemeClr val="accent1"/>
+          </a:fillRef>
+          <a:effectRef idx="0">
+            <a:schemeClr val="accent1"/>
+          </a:effectRef>
+          <a:fontRef idx="minor">
+            <a:schemeClr val="lt1"/>
+          </a:fontRef>
+        </p:style>
+        <p:txBody>
+          <a:bodyPr rtlCol="0" anchor="ctr"/>
+          <a:lstStyle/>
+          <a:p>
+            <a:pPr algn="ctr"/>
+            <a:r>
+              <a:rPr lang="en-US" sz="1050" dirty="0" smtClean="0">
+                <a:latin typeface="Bell MT" panose="02020503060305020303" pitchFamily="18" charset="0"/>
+              </a:rPr>
+              <a:t>Manage subject  details</a:t>
+            </a:r>
+            <a:endParaRPr lang="en-US" sz="1050" dirty="0">
+              <a:latin typeface="Bell MT" panose="02020503060305020303" pitchFamily="18" charset="0"/>
+            </a:endParaRPr>
+          </a:p>
+        </p:txBody>
+      </p:sp>
+      <p:sp>
+        <p:nvSpPr>
+          <p:cNvPr id="18" name="Rectangle 17"/>
+          <p:cNvSpPr/>
+          <p:nvPr/>
+        </p:nvSpPr>
+        <p:spPr>
+          <a:xfrm>
+            <a:off x="6790150" y="3771899"/>
+            <a:ext cx="1744249" cy="457200"/>
+          </a:xfrm>
+          <a:prstGeom prst="rect">
+            <a:avLst/>
+          </a:prstGeom>
+        </p:spPr>
+        <p:style>
+          <a:lnRef idx="2">
+            <a:schemeClr val="accent1">
+              <a:shade val="50000"/>
+            </a:schemeClr>
+          </a:lnRef>
+          <a:fillRef idx="1">
+            <a:schemeClr val="accent1"/>
+          </a:fillRef>
+          <a:effectRef idx="0">
+            <a:schemeClr val="accent1"/>
+          </a:effectRef>
+          <a:fontRef idx="minor">
+            <a:schemeClr val="lt1"/>
+          </a:fontRef>
+        </p:style>
+        <p:txBody>
+          <a:bodyPr rtlCol="0" anchor="ctr"/>
+          <a:lstStyle/>
+          <a:p>
+            <a:pPr algn="ctr"/>
+            <a:r>
+              <a:rPr lang="en-US" sz="1050" dirty="0" smtClean="0">
+                <a:latin typeface="Bell MT" panose="02020503060305020303" pitchFamily="18" charset="0"/>
+              </a:rPr>
+              <a:t>Manage student details</a:t>
+            </a:r>
+            <a:endParaRPr lang="en-US" sz="1050" dirty="0">
+              <a:latin typeface="Bell MT" panose="02020503060305020303" pitchFamily="18" charset="0"/>
+            </a:endParaRPr>
+          </a:p>
+        </p:txBody>
+      </p:sp>
+      <p:sp>
+        <p:nvSpPr>
+          <p:cNvPr id="19" name="Rectangle 18"/>
+          <p:cNvSpPr/>
+          <p:nvPr/>
+        </p:nvSpPr>
+        <p:spPr>
+          <a:xfrm>
+            <a:off x="6782844" y="3186831"/>
+            <a:ext cx="1751556" cy="457200"/>
+          </a:xfrm>
+          <a:prstGeom prst="rect">
+            <a:avLst/>
+          </a:prstGeom>
+        </p:spPr>
+        <p:style>
+          <a:lnRef idx="2">
+            <a:schemeClr val="accent1">
+              <a:shade val="50000"/>
+            </a:schemeClr>
+          </a:lnRef>
+          <a:fillRef idx="1">
+            <a:schemeClr val="accent1"/>
+          </a:fillRef>
+          <a:effectRef idx="0">
+            <a:schemeClr val="accent1"/>
+          </a:effectRef>
+          <a:fontRef idx="minor">
+            <a:schemeClr val="lt1"/>
+          </a:fontRef>
+        </p:style>
+        <p:txBody>
+          <a:bodyPr rtlCol="0" anchor="ctr"/>
+          <a:lstStyle/>
+          <a:p>
+            <a:pPr algn="ctr"/>
+            <a:r>
+              <a:rPr lang="en-US" sz="1050" dirty="0" smtClean="0">
+                <a:latin typeface="Bell MT" panose="02020503060305020303" pitchFamily="18" charset="0"/>
+              </a:rPr>
+              <a:t>Manage class details</a:t>
+            </a:r>
+            <a:endParaRPr lang="en-US" sz="1050" dirty="0">
+              <a:latin typeface="Bell MT" panose="02020503060305020303" pitchFamily="18" charset="0"/>
+            </a:endParaRPr>
+          </a:p>
+        </p:txBody>
+      </p:sp>
+      <p:sp>
+        <p:nvSpPr>
+          <p:cNvPr id="20" name="Rectangle 19"/>
+          <p:cNvSpPr/>
+          <p:nvPr/>
+        </p:nvSpPr>
+        <p:spPr>
+          <a:xfrm>
+            <a:off x="6783888" y="2601762"/>
+            <a:ext cx="1750512" cy="457200"/>
+          </a:xfrm>
+          <a:prstGeom prst="rect">
+            <a:avLst/>
+          </a:prstGeom>
+        </p:spPr>
+        <p:style>
+          <a:lnRef idx="2">
+            <a:schemeClr val="accent1">
+              <a:shade val="50000"/>
+            </a:schemeClr>
+          </a:lnRef>
+          <a:fillRef idx="1">
+            <a:schemeClr val="accent1"/>
+          </a:fillRef>
+          <a:effectRef idx="0">
+            <a:schemeClr val="accent1"/>
+          </a:effectRef>
+          <a:fontRef idx="minor">
+            <a:schemeClr val="lt1"/>
+          </a:fontRef>
+        </p:style>
+        <p:txBody>
+          <a:bodyPr rtlCol="0" anchor="ctr"/>
+          <a:lstStyle/>
+          <a:p>
+            <a:pPr algn="ctr"/>
+            <a:r>
+              <a:rPr lang="en-US" sz="1050" dirty="0" smtClean="0">
+                <a:latin typeface="Bell MT" panose="02020503060305020303" pitchFamily="18" charset="0"/>
+              </a:rPr>
+              <a:t>Manage attendance details</a:t>
+            </a:r>
+            <a:endParaRPr lang="en-US" sz="1050" dirty="0">
+              <a:latin typeface="Bell MT" panose="02020503060305020303" pitchFamily="18" charset="0"/>
+            </a:endParaRPr>
+          </a:p>
+        </p:txBody>
+      </p:sp>
+      <p:sp>
+        <p:nvSpPr>
+          <p:cNvPr id="21" name="Rectangle 20"/>
+          <p:cNvSpPr/>
+          <p:nvPr/>
+        </p:nvSpPr>
+        <p:spPr>
+          <a:xfrm>
+            <a:off x="6781800" y="1981200"/>
+            <a:ext cx="1752600" cy="457200"/>
+          </a:xfrm>
+          <a:prstGeom prst="rect">
+            <a:avLst/>
+          </a:prstGeom>
+        </p:spPr>
+        <p:style>
+          <a:lnRef idx="2">
+            <a:schemeClr val="accent1">
+              <a:shade val="50000"/>
+            </a:schemeClr>
+          </a:lnRef>
+          <a:fillRef idx="1">
+            <a:schemeClr val="accent1"/>
+          </a:fillRef>
+          <a:effectRef idx="0">
+            <a:schemeClr val="accent1"/>
+          </a:effectRef>
+          <a:fontRef idx="minor">
+            <a:schemeClr val="lt1"/>
+          </a:fontRef>
+        </p:style>
+        <p:txBody>
+          <a:bodyPr rtlCol="0" anchor="ctr"/>
+          <a:lstStyle/>
+          <a:p>
+            <a:pPr algn="ctr"/>
+            <a:r>
+              <a:rPr lang="en-US" sz="1050" dirty="0" smtClean="0">
+                <a:latin typeface="Bell MT" panose="02020503060305020303" pitchFamily="18" charset="0"/>
+              </a:rPr>
+              <a:t>Manage timetable details</a:t>
+            </a:r>
+            <a:endParaRPr lang="en-US" sz="1050" dirty="0">
+              <a:latin typeface="Bell MT" panose="02020503060305020303" pitchFamily="18" charset="0"/>
+            </a:endParaRPr>
+          </a:p>
+        </p:txBody>
+      </p:sp>
+      <p:cxnSp>
+        <p:nvCxnSpPr>
+          <p:cNvPr id="26" name="Straight Arrow Connector 25"/>
+          <p:cNvCxnSpPr>
+            <a:stCxn id="4" idx="2"/>
+            <a:endCxn id="7" idx="0"/>
+          </p:cNvCxnSpPr>
+          <p:nvPr/>
+        </p:nvCxnSpPr>
+        <p:spPr>
+          <a:xfrm>
+            <a:off x="1485900" y="2971800"/>
+            <a:ext cx="9395" cy="565341"/>
+          </a:xfrm>
+          <a:prstGeom prst="straightConnector1">
+            <a:avLst/>
+          </a:prstGeom>
+          <a:ln>
+            <a:tailEnd type="arrow"/>
+          </a:ln>
+        </p:spPr>
+        <p:style>
+          <a:lnRef idx="1">
+            <a:schemeClr val="accent1"/>
+          </a:lnRef>
+          <a:fillRef idx="0">
+            <a:schemeClr val="accent1"/>
+          </a:fillRef>
+          <a:effectRef idx="0">
+            <a:schemeClr val="accent1"/>
+          </a:effectRef>
+          <a:fontRef idx="minor">
+            <a:schemeClr val="tx1"/>
+          </a:fontRef>
+        </p:style>
+      </p:cxnSp>
+      <p:cxnSp>
+        <p:nvCxnSpPr>
+          <p:cNvPr id="30" name="Straight Arrow Connector 29"/>
+          <p:cNvCxnSpPr>
+            <a:stCxn id="7" idx="4"/>
+            <a:endCxn id="8" idx="0"/>
+          </p:cNvCxnSpPr>
+          <p:nvPr/>
+        </p:nvCxnSpPr>
+        <p:spPr>
+          <a:xfrm flipH="1">
+            <a:off x="1485900" y="4291312"/>
+            <a:ext cx="9395" cy="211325"/>
+          </a:xfrm>
+          <a:prstGeom prst="straightConnector1">
+            <a:avLst/>
+          </a:prstGeom>
+          <a:ln>
+            <a:tailEnd type="arrow"/>
+          </a:ln>
+        </p:spPr>
+        <p:style>
+          <a:lnRef idx="1">
+            <a:schemeClr val="accent1"/>
+          </a:lnRef>
+          <a:fillRef idx="0">
+            <a:schemeClr val="accent1"/>
+          </a:fillRef>
+          <a:effectRef idx="0">
+            <a:schemeClr val="accent1"/>
+          </a:effectRef>
+          <a:fontRef idx="minor">
+            <a:schemeClr val="tx1"/>
+          </a:fontRef>
+        </p:style>
+      </p:cxnSp>
+      <p:cxnSp>
+        <p:nvCxnSpPr>
+          <p:cNvPr id="36" name="Straight Arrow Connector 35"/>
+          <p:cNvCxnSpPr>
+            <a:stCxn id="5" idx="4"/>
+            <a:endCxn id="6" idx="0"/>
+          </p:cNvCxnSpPr>
+          <p:nvPr/>
+        </p:nvCxnSpPr>
+        <p:spPr>
+          <a:xfrm flipH="1">
+            <a:off x="3529208" y="2971800"/>
+            <a:ext cx="14092" cy="206157"/>
+          </a:xfrm>
+          <a:prstGeom prst="straightConnector1">
+            <a:avLst/>
+          </a:prstGeom>
+          <a:ln>
+            <a:tailEnd type="arrow"/>
+          </a:ln>
+        </p:spPr>
+        <p:style>
+          <a:lnRef idx="1">
+            <a:schemeClr val="accent1"/>
+          </a:lnRef>
+          <a:fillRef idx="0">
+            <a:schemeClr val="accent1"/>
+          </a:fillRef>
+          <a:effectRef idx="0">
+            <a:schemeClr val="accent1"/>
+          </a:effectRef>
+          <a:fontRef idx="minor">
+            <a:schemeClr val="tx1"/>
+          </a:fontRef>
+        </p:style>
+      </p:cxnSp>
+      <p:cxnSp>
+        <p:nvCxnSpPr>
+          <p:cNvPr id="39" name="Straight Arrow Connector 38"/>
+          <p:cNvCxnSpPr>
+            <a:stCxn id="6" idx="7"/>
+          </p:cNvCxnSpPr>
+          <p:nvPr/>
+        </p:nvCxnSpPr>
+        <p:spPr>
+          <a:xfrm flipV="1">
+            <a:off x="3933320" y="2743200"/>
+            <a:ext cx="714880" cy="555216"/>
+          </a:xfrm>
+          <a:prstGeom prst="straightConnector1">
+            <a:avLst/>
+          </a:prstGeom>
+          <a:ln>
+            <a:tailEnd type="arrow"/>
+          </a:ln>
+        </p:spPr>
+        <p:style>
+          <a:lnRef idx="1">
+            <a:schemeClr val="accent1"/>
+          </a:lnRef>
+          <a:fillRef idx="0">
+            <a:schemeClr val="accent1"/>
+          </a:fillRef>
+          <a:effectRef idx="0">
+            <a:schemeClr val="accent1"/>
+          </a:effectRef>
+          <a:fontRef idx="minor">
+            <a:schemeClr val="tx1"/>
+          </a:fontRef>
+        </p:style>
+      </p:cxnSp>
+      <p:cxnSp>
+        <p:nvCxnSpPr>
+          <p:cNvPr id="46" name="Straight Arrow Connector 45"/>
+          <p:cNvCxnSpPr>
+            <a:stCxn id="9" idx="4"/>
+            <a:endCxn id="11" idx="0"/>
+          </p:cNvCxnSpPr>
+          <p:nvPr/>
+        </p:nvCxnSpPr>
+        <p:spPr>
+          <a:xfrm>
+            <a:off x="5143500" y="2971800"/>
+            <a:ext cx="0" cy="240343"/>
+          </a:xfrm>
+          <a:prstGeom prst="straightConnector1">
+            <a:avLst/>
+          </a:prstGeom>
+          <a:ln>
+            <a:tailEnd type="arrow"/>
+          </a:ln>
+        </p:spPr>
+        <p:style>
+          <a:lnRef idx="1">
+            <a:schemeClr val="accent1"/>
+          </a:lnRef>
+          <a:fillRef idx="0">
+            <a:schemeClr val="accent1"/>
+          </a:fillRef>
+          <a:effectRef idx="0">
+            <a:schemeClr val="accent1"/>
+          </a:effectRef>
+          <a:fontRef idx="minor">
+            <a:schemeClr val="tx1"/>
+          </a:fontRef>
+        </p:style>
+      </p:cxnSp>
+      <p:cxnSp>
+        <p:nvCxnSpPr>
+          <p:cNvPr id="55" name="Straight Arrow Connector 54"/>
+          <p:cNvCxnSpPr>
+            <a:stCxn id="11" idx="7"/>
+            <a:endCxn id="19" idx="1"/>
+          </p:cNvCxnSpPr>
+          <p:nvPr/>
+        </p:nvCxnSpPr>
+        <p:spPr>
+          <a:xfrm>
+            <a:off x="5547612" y="3332601"/>
+            <a:ext cx="1235232" cy="82830"/>
+          </a:xfrm>
+          <a:prstGeom prst="straightConnector1">
+            <a:avLst/>
+          </a:prstGeom>
+          <a:ln>
+            <a:tailEnd type="arrow"/>
+          </a:ln>
+        </p:spPr>
+        <p:style>
+          <a:lnRef idx="1">
+            <a:schemeClr val="accent1"/>
+          </a:lnRef>
+          <a:fillRef idx="0">
+            <a:schemeClr val="accent1"/>
+          </a:fillRef>
+          <a:effectRef idx="0">
+            <a:schemeClr val="accent1"/>
+          </a:effectRef>
+          <a:fontRef idx="minor">
+            <a:schemeClr val="tx1"/>
+          </a:fontRef>
+        </p:style>
+      </p:cxnSp>
+      <p:cxnSp>
+        <p:nvCxnSpPr>
+          <p:cNvPr id="58" name="Straight Arrow Connector 57"/>
+          <p:cNvCxnSpPr>
+            <a:stCxn id="11" idx="6"/>
+            <a:endCxn id="18" idx="1"/>
+          </p:cNvCxnSpPr>
+          <p:nvPr/>
+        </p:nvCxnSpPr>
+        <p:spPr>
+          <a:xfrm>
+            <a:off x="5715000" y="3623414"/>
+            <a:ext cx="1075150" cy="377085"/>
+          </a:xfrm>
+          <a:prstGeom prst="straightConnector1">
+            <a:avLst/>
+          </a:prstGeom>
+          <a:ln>
+            <a:tailEnd type="arrow"/>
+          </a:ln>
+        </p:spPr>
+        <p:style>
+          <a:lnRef idx="1">
+            <a:schemeClr val="accent1"/>
+          </a:lnRef>
+          <a:fillRef idx="0">
+            <a:schemeClr val="accent1"/>
+          </a:fillRef>
+          <a:effectRef idx="0">
+            <a:schemeClr val="accent1"/>
+          </a:effectRef>
+          <a:fontRef idx="minor">
+            <a:schemeClr val="tx1"/>
+          </a:fontRef>
+        </p:style>
+      </p:cxnSp>
+      <p:cxnSp>
+        <p:nvCxnSpPr>
+          <p:cNvPr id="63" name="Straight Arrow Connector 62"/>
+          <p:cNvCxnSpPr>
+            <a:stCxn id="11" idx="5"/>
+          </p:cNvCxnSpPr>
+          <p:nvPr/>
+        </p:nvCxnSpPr>
+        <p:spPr>
+          <a:xfrm>
+            <a:off x="5547612" y="3914227"/>
+            <a:ext cx="1234188" cy="657773"/>
+          </a:xfrm>
+          <a:prstGeom prst="straightConnector1">
+            <a:avLst/>
+          </a:prstGeom>
+          <a:ln>
+            <a:tailEnd type="arrow"/>
+          </a:ln>
+        </p:spPr>
+        <p:style>
+          <a:lnRef idx="1">
+            <a:schemeClr val="accent1"/>
+          </a:lnRef>
+          <a:fillRef idx="0">
+            <a:schemeClr val="accent1"/>
+          </a:fillRef>
+          <a:effectRef idx="0">
+            <a:schemeClr val="accent1"/>
+          </a:effectRef>
+          <a:fontRef idx="minor">
+            <a:schemeClr val="tx1"/>
+          </a:fontRef>
+        </p:style>
+      </p:cxnSp>
+      <p:cxnSp>
+        <p:nvCxnSpPr>
+          <p:cNvPr id="66" name="Straight Arrow Connector 65"/>
+          <p:cNvCxnSpPr>
+            <a:stCxn id="11" idx="7"/>
+          </p:cNvCxnSpPr>
+          <p:nvPr/>
+        </p:nvCxnSpPr>
+        <p:spPr>
+          <a:xfrm flipV="1">
+            <a:off x="5547612" y="2830362"/>
+            <a:ext cx="1234188" cy="502239"/>
+          </a:xfrm>
+          <a:prstGeom prst="straightConnector1">
+            <a:avLst/>
+          </a:prstGeom>
+          <a:ln>
+            <a:tailEnd type="arrow"/>
+          </a:ln>
+        </p:spPr>
+        <p:style>
+          <a:lnRef idx="1">
+            <a:schemeClr val="accent1"/>
+          </a:lnRef>
+          <a:fillRef idx="0">
+            <a:schemeClr val="accent1"/>
+          </a:fillRef>
+          <a:effectRef idx="0">
+            <a:schemeClr val="accent1"/>
+          </a:effectRef>
+          <a:fontRef idx="minor">
+            <a:schemeClr val="tx1"/>
+          </a:fontRef>
+        </p:style>
+      </p:cxnSp>
+      <p:cxnSp>
+        <p:nvCxnSpPr>
+          <p:cNvPr id="69" name="Straight Arrow Connector 68"/>
+          <p:cNvCxnSpPr>
+            <a:endCxn id="21" idx="1"/>
+          </p:cNvCxnSpPr>
+          <p:nvPr/>
+        </p:nvCxnSpPr>
+        <p:spPr>
+          <a:xfrm flipV="1">
+            <a:off x="5410200" y="2209800"/>
+            <a:ext cx="1371600" cy="1002344"/>
+          </a:xfrm>
+          <a:prstGeom prst="straightConnector1">
             <a:avLst/>
           </a:prstGeom>
           <a:ln>
@@ -7045,146 +7932,15 @@
       <p:cxnSp>
         <p:nvCxnSpPr>
           <p:cNvPr id="72" name="Straight Arrow Connector 71"/>
-          <p:cNvCxnSpPr>
-            <a:endCxn id="55" idx="1"/>
-          </p:cNvCxnSpPr>
-          <p:nvPr/>
-        </p:nvCxnSpPr>
-        <p:spPr>
-          <a:xfrm>
-            <a:off x="1796747" y="4488296"/>
-            <a:ext cx="0" cy="278816"/>
-          </a:xfrm>
-          <a:prstGeom prst="straightConnector1">
-            <a:avLst/>
-          </a:prstGeom>
-          <a:ln>
-            <a:tailEnd type="arrow"/>
-          </a:ln>
-        </p:spPr>
-        <p:style>
-          <a:lnRef idx="1">
-            <a:schemeClr val="accent1"/>
-          </a:lnRef>
-          <a:fillRef idx="0">
-            <a:schemeClr val="accent1"/>
-          </a:fillRef>
-          <a:effectRef idx="0">
-            <a:schemeClr val="accent1"/>
-          </a:effectRef>
-          <a:fontRef idx="minor">
-            <a:schemeClr val="tx1"/>
-          </a:fontRef>
-        </p:style>
-      </p:cxnSp>
-      <p:sp>
-        <p:nvSpPr>
-          <p:cNvPr id="78" name="Oval 77"/>
-          <p:cNvSpPr/>
-          <p:nvPr/>
-        </p:nvSpPr>
-        <p:spPr>
-          <a:xfrm>
-            <a:off x="850323" y="5140036"/>
-            <a:ext cx="1271154" cy="457200"/>
-          </a:xfrm>
-          <a:prstGeom prst="ellipse">
-            <a:avLst/>
-          </a:prstGeom>
-        </p:spPr>
-        <p:style>
-          <a:lnRef idx="2">
-            <a:schemeClr val="accent1">
-              <a:shade val="50000"/>
-            </a:schemeClr>
-          </a:lnRef>
-          <a:fillRef idx="1">
-            <a:schemeClr val="accent1"/>
-          </a:fillRef>
-          <a:effectRef idx="0">
-            <a:schemeClr val="accent1"/>
-          </a:effectRef>
-          <a:fontRef idx="minor">
-            <a:schemeClr val="lt1"/>
-          </a:fontRef>
-        </p:style>
-        <p:txBody>
-          <a:bodyPr rtlCol="0" anchor="ctr"/>
-          <a:lstStyle/>
-          <a:p>
-            <a:pPr algn="ctr"/>
-            <a:r>
-              <a:rPr lang="en-US" sz="1200" dirty="0" smtClean="0">
-                <a:latin typeface="Bell MT" panose="02020503060305020303" pitchFamily="18" charset="0"/>
-              </a:rPr>
-              <a:t>Request</a:t>
-            </a:r>
-            <a:endParaRPr lang="en-US" sz="1200" dirty="0">
-              <a:latin typeface="Bell MT" panose="02020503060305020303" pitchFamily="18" charset="0"/>
-            </a:endParaRPr>
-          </a:p>
-        </p:txBody>
-      </p:sp>
-      <p:sp>
-        <p:nvSpPr>
-          <p:cNvPr id="79" name="Oval 78"/>
-          <p:cNvSpPr/>
-          <p:nvPr/>
-        </p:nvSpPr>
-        <p:spPr>
-          <a:xfrm>
-            <a:off x="152400" y="5829300"/>
-            <a:ext cx="1271154" cy="457200"/>
-          </a:xfrm>
-          <a:prstGeom prst="ellipse">
-            <a:avLst/>
-          </a:prstGeom>
-        </p:spPr>
-        <p:style>
-          <a:lnRef idx="2">
-            <a:schemeClr val="accent1">
-              <a:shade val="50000"/>
-            </a:schemeClr>
-          </a:lnRef>
-          <a:fillRef idx="1">
-            <a:schemeClr val="accent1"/>
-          </a:fillRef>
-          <a:effectRef idx="0">
-            <a:schemeClr val="accent1"/>
-          </a:effectRef>
-          <a:fontRef idx="minor">
-            <a:schemeClr val="lt1"/>
-          </a:fontRef>
-        </p:style>
-        <p:txBody>
-          <a:bodyPr rtlCol="0" anchor="ctr"/>
-          <a:lstStyle/>
-          <a:p>
-            <a:pPr algn="ctr"/>
-            <a:r>
-              <a:rPr lang="en-US" sz="1100" dirty="0" smtClean="0">
-                <a:latin typeface="Bell MT" panose="02020503060305020303" pitchFamily="18" charset="0"/>
-              </a:rPr>
-              <a:t>Display Notification</a:t>
-            </a:r>
-            <a:endParaRPr lang="en-US" sz="1100" dirty="0">
-              <a:latin typeface="Bell MT" panose="02020503060305020303" pitchFamily="18" charset="0"/>
-            </a:endParaRPr>
-          </a:p>
-        </p:txBody>
-      </p:sp>
-      <p:cxnSp>
-        <p:nvCxnSpPr>
-          <p:cNvPr id="81" name="Elbow Connector 80"/>
           <p:cNvCxnSpPr/>
           <p:nvPr/>
         </p:nvCxnSpPr>
         <p:spPr>
-          <a:xfrm rot="16200000" flipH="1">
-            <a:off x="949037" y="4717472"/>
-            <a:ext cx="692727" cy="152400"/>
-          </a:xfrm>
-          <a:prstGeom prst="bentConnector3">
+          <a:xfrm>
+            <a:off x="5410200" y="4034685"/>
+            <a:ext cx="1371600" cy="1146915"/>
+          </a:xfrm>
+          <a:prstGeom prst="straightConnector1">
             <a:avLst/>
           </a:prstGeom>
           <a:ln>
@@ -7208,18 +7964,18 @@
       </p:cxnSp>
       <p:cxnSp>
         <p:nvCxnSpPr>
-          <p:cNvPr id="84" name="Elbow Connector 83"/>
+          <p:cNvPr id="80" name="Straight Arrow Connector 79"/>
           <p:cNvCxnSpPr>
-            <a:stCxn id="78" idx="6"/>
+            <a:stCxn id="11" idx="4"/>
           </p:cNvCxnSpPr>
           <p:nvPr/>
         </p:nvCxnSpPr>
         <p:spPr>
           <a:xfrm>
-            <a:off x="2121477" y="5368636"/>
-            <a:ext cx="1307523" cy="346364"/>
-          </a:xfrm>
-          <a:prstGeom prst="bentConnector3">
+            <a:off x="5143500" y="4034685"/>
+            <a:ext cx="1638300" cy="1756515"/>
+          </a:xfrm>
+          <a:prstGeom prst="straightConnector1">
             <a:avLst/>
           </a:prstGeom>
           <a:ln>
@@ -7243,22 +7999,19 @@
       </p:cxnSp>
       <p:cxnSp>
         <p:nvCxnSpPr>
-          <p:cNvPr id="87" name="Elbow Connector 86"/>
+          <p:cNvPr id="83" name="Straight Arrow Connector 82"/>
           <p:cNvCxnSpPr>
-            <a:stCxn id="79" idx="7"/>
+            <a:endCxn id="14" idx="0"/>
           </p:cNvCxnSpPr>
           <p:nvPr/>
         </p:nvCxnSpPr>
         <p:spPr>
-          <a:xfrm rot="16200000" flipH="1">
-            <a:off x="2246026" y="4887626"/>
-            <a:ext cx="174345" cy="2191602"/>
-          </a:xfrm>
-          <a:prstGeom prst="bentConnector4">
-            <a:avLst>
-              <a:gd name="adj1" fmla="val -131119"/>
-              <a:gd name="adj2" fmla="val 54247"/>
-            </a:avLst>
+          <a:xfrm>
+            <a:off x="4953000" y="4000499"/>
+            <a:ext cx="609600" cy="1562101"/>
+          </a:xfrm>
+          <a:prstGeom prst="straightConnector1">
+            <a:avLst/>
           </a:prstGeom>
           <a:ln>
             <a:tailEnd type="arrow"/>
@@ -7281,433 +8034,17 @@
       </p:cxnSp>
       <p:cxnSp>
         <p:nvCxnSpPr>
-          <p:cNvPr id="90" name="Straight Arrow Connector 89"/>
-          <p:cNvCxnSpPr/>
-          <p:nvPr/>
-        </p:nvCxnSpPr>
-        <p:spPr>
-          <a:xfrm>
-            <a:off x="304800" y="4488296"/>
-            <a:ext cx="0" cy="1407958"/>
-          </a:xfrm>
-          <a:prstGeom prst="straightConnector1">
-            <a:avLst/>
-          </a:prstGeom>
-          <a:ln>
-            <a:tailEnd type="arrow"/>
-          </a:ln>
-        </p:spPr>
-        <p:style>
-          <a:lnRef idx="1">
-            <a:schemeClr val="accent1"/>
-          </a:lnRef>
-          <a:fillRef idx="0">
-            <a:schemeClr val="accent1"/>
-          </a:fillRef>
-          <a:effectRef idx="0">
-            <a:schemeClr val="accent1"/>
-          </a:effectRef>
-          <a:fontRef idx="minor">
-            <a:schemeClr val="tx1"/>
-          </a:fontRef>
-        </p:style>
-      </p:cxnSp>
-      <p:sp>
-        <p:nvSpPr>
-          <p:cNvPr id="112" name="Oval 111"/>
-          <p:cNvSpPr/>
-          <p:nvPr/>
-        </p:nvSpPr>
-        <p:spPr>
-          <a:xfrm>
-            <a:off x="5257800" y="1554024"/>
-            <a:ext cx="1371600" cy="457201"/>
-          </a:xfrm>
-          <a:prstGeom prst="ellipse">
-            <a:avLst/>
-          </a:prstGeom>
-        </p:spPr>
-        <p:style>
-          <a:lnRef idx="2">
-            <a:schemeClr val="accent1">
-              <a:shade val="50000"/>
-            </a:schemeClr>
-          </a:lnRef>
-          <a:fillRef idx="1">
-            <a:schemeClr val="accent1"/>
-          </a:fillRef>
-          <a:effectRef idx="0">
-            <a:schemeClr val="accent1"/>
-          </a:effectRef>
-          <a:fontRef idx="minor">
-            <a:schemeClr val="lt1"/>
-          </a:fontRef>
-        </p:style>
-        <p:txBody>
-          <a:bodyPr rtlCol="0" anchor="ctr"/>
-          <a:lstStyle/>
-          <a:p>
-            <a:pPr algn="ctr"/>
-            <a:r>
-              <a:rPr lang="en-US" sz="1100" dirty="0" smtClean="0">
-                <a:latin typeface="Bell MT" panose="02020503060305020303" pitchFamily="18" charset="0"/>
-              </a:rPr>
-              <a:t>Detail Entry</a:t>
-            </a:r>
-            <a:endParaRPr lang="en-US" sz="1100" dirty="0">
-              <a:latin typeface="Bell MT" panose="02020503060305020303" pitchFamily="18" charset="0"/>
-            </a:endParaRPr>
-          </a:p>
-        </p:txBody>
-      </p:sp>
-      <p:sp>
-        <p:nvSpPr>
-          <p:cNvPr id="113" name="Oval 112"/>
-          <p:cNvSpPr/>
-          <p:nvPr/>
-        </p:nvSpPr>
-        <p:spPr>
-          <a:xfrm>
-            <a:off x="5340927" y="2176319"/>
-            <a:ext cx="1371600" cy="457201"/>
-          </a:xfrm>
-          <a:prstGeom prst="ellipse">
-            <a:avLst/>
-          </a:prstGeom>
-        </p:spPr>
-        <p:style>
-          <a:lnRef idx="2">
-            <a:schemeClr val="accent1">
-              <a:shade val="50000"/>
-            </a:schemeClr>
-          </a:lnRef>
-          <a:fillRef idx="1">
-            <a:schemeClr val="accent1"/>
-          </a:fillRef>
-          <a:effectRef idx="0">
-            <a:schemeClr val="accent1"/>
-          </a:effectRef>
-          <a:fontRef idx="minor">
-            <a:schemeClr val="lt1"/>
-          </a:fontRef>
-        </p:style>
-        <p:txBody>
-          <a:bodyPr rtlCol="0" anchor="ctr"/>
-          <a:lstStyle/>
-          <a:p>
-            <a:pPr algn="ctr"/>
-            <a:r>
-              <a:rPr lang="en-US" sz="1100" dirty="0" smtClean="0">
-                <a:latin typeface="Bell MT" panose="02020503060305020303" pitchFamily="18" charset="0"/>
-              </a:rPr>
-              <a:t>Return Object</a:t>
-            </a:r>
-            <a:endParaRPr lang="en-US" sz="1100" dirty="0">
-              <a:latin typeface="Bell MT" panose="02020503060305020303" pitchFamily="18" charset="0"/>
-            </a:endParaRPr>
-          </a:p>
-        </p:txBody>
-      </p:sp>
-      <p:sp>
-        <p:nvSpPr>
-          <p:cNvPr id="114" name="Oval 113"/>
-          <p:cNvSpPr/>
-          <p:nvPr/>
-        </p:nvSpPr>
-        <p:spPr>
-          <a:xfrm>
-            <a:off x="5340927" y="2760515"/>
-            <a:ext cx="1371600" cy="457201"/>
-          </a:xfrm>
-          <a:prstGeom prst="ellipse">
-            <a:avLst/>
-          </a:prstGeom>
-        </p:spPr>
-        <p:style>
-          <a:lnRef idx="2">
-            <a:schemeClr val="accent1">
-              <a:shade val="50000"/>
-            </a:schemeClr>
-          </a:lnRef>
-          <a:fillRef idx="1">
-            <a:schemeClr val="accent1"/>
-          </a:fillRef>
-          <a:effectRef idx="0">
-            <a:schemeClr val="accent1"/>
-          </a:effectRef>
-          <a:fontRef idx="minor">
-            <a:schemeClr val="lt1"/>
-          </a:fontRef>
-        </p:style>
-        <p:txBody>
-          <a:bodyPr rtlCol="0" anchor="ctr"/>
-          <a:lstStyle/>
-          <a:p>
-            <a:pPr algn="ctr"/>
-            <a:r>
-              <a:rPr lang="en-US" sz="1100" dirty="0" smtClean="0">
-                <a:latin typeface="Bell MT" panose="02020503060305020303" pitchFamily="18" charset="0"/>
-              </a:rPr>
-              <a:t>Verification</a:t>
-            </a:r>
-            <a:endParaRPr lang="en-US" sz="1100" dirty="0">
-              <a:latin typeface="Bell MT" panose="02020503060305020303" pitchFamily="18" charset="0"/>
-            </a:endParaRPr>
-          </a:p>
-        </p:txBody>
-      </p:sp>
-      <p:sp>
-        <p:nvSpPr>
-          <p:cNvPr id="115" name="Oval 114"/>
-          <p:cNvSpPr/>
-          <p:nvPr/>
-        </p:nvSpPr>
-        <p:spPr>
-          <a:xfrm>
-            <a:off x="5340927" y="3449779"/>
-            <a:ext cx="1371600" cy="457201"/>
-          </a:xfrm>
-          <a:prstGeom prst="ellipse">
-            <a:avLst/>
-          </a:prstGeom>
-        </p:spPr>
-        <p:style>
-          <a:lnRef idx="2">
-            <a:schemeClr val="accent1">
-              <a:shade val="50000"/>
-            </a:schemeClr>
-          </a:lnRef>
-          <a:fillRef idx="1">
-            <a:schemeClr val="accent1"/>
-          </a:fillRef>
-          <a:effectRef idx="0">
-            <a:schemeClr val="accent1"/>
-          </a:effectRef>
-          <a:fontRef idx="minor">
-            <a:schemeClr val="lt1"/>
-          </a:fontRef>
-        </p:style>
-        <p:txBody>
-          <a:bodyPr rtlCol="0" anchor="ctr"/>
-          <a:lstStyle/>
-          <a:p>
-            <a:pPr algn="ctr"/>
-            <a:r>
-              <a:rPr lang="en-US" sz="1200" dirty="0" smtClean="0">
-                <a:latin typeface="Bell MT" panose="02020503060305020303" pitchFamily="18" charset="0"/>
-              </a:rPr>
-              <a:t>Detail</a:t>
-            </a:r>
-            <a:endParaRPr lang="en-US" sz="1200" dirty="0">
-              <a:latin typeface="Bell MT" panose="02020503060305020303" pitchFamily="18" charset="0"/>
-            </a:endParaRPr>
-          </a:p>
-        </p:txBody>
-      </p:sp>
-      <p:sp>
-        <p:nvSpPr>
-          <p:cNvPr id="116" name="Oval 115"/>
-          <p:cNvSpPr/>
-          <p:nvPr/>
-        </p:nvSpPr>
-        <p:spPr>
-          <a:xfrm>
-            <a:off x="5347854" y="5943599"/>
-            <a:ext cx="1371600" cy="457201"/>
-          </a:xfrm>
-          <a:prstGeom prst="ellipse">
-            <a:avLst/>
-          </a:prstGeom>
-        </p:spPr>
-        <p:style>
-          <a:lnRef idx="2">
-            <a:schemeClr val="accent1">
-              <a:shade val="50000"/>
-            </a:schemeClr>
-          </a:lnRef>
-          <a:fillRef idx="1">
-            <a:schemeClr val="accent1"/>
-          </a:fillRef>
-          <a:effectRef idx="0">
-            <a:schemeClr val="accent1"/>
-          </a:effectRef>
-          <a:fontRef idx="minor">
-            <a:schemeClr val="lt1"/>
-          </a:fontRef>
-        </p:style>
-        <p:txBody>
-          <a:bodyPr rtlCol="0" anchor="ctr"/>
-          <a:lstStyle/>
-          <a:p>
-            <a:pPr algn="ctr"/>
-            <a:r>
-              <a:rPr lang="en-US" sz="1200" dirty="0" smtClean="0">
-                <a:latin typeface="Bell MT" panose="02020503060305020303" pitchFamily="18" charset="0"/>
-              </a:rPr>
-              <a:t>Detail</a:t>
-            </a:r>
-            <a:endParaRPr lang="en-US" sz="1200" dirty="0">
-              <a:latin typeface="Bell MT" panose="02020503060305020303" pitchFamily="18" charset="0"/>
-            </a:endParaRPr>
-          </a:p>
-        </p:txBody>
-      </p:sp>
-      <p:sp>
-        <p:nvSpPr>
-          <p:cNvPr id="117" name="Oval 116"/>
-          <p:cNvSpPr/>
-          <p:nvPr/>
-        </p:nvSpPr>
-        <p:spPr>
-          <a:xfrm>
-            <a:off x="5340927" y="4075541"/>
-            <a:ext cx="1371600" cy="457201"/>
-          </a:xfrm>
-          <a:prstGeom prst="ellipse">
-            <a:avLst/>
-          </a:prstGeom>
-        </p:spPr>
-        <p:style>
-          <a:lnRef idx="2">
-            <a:schemeClr val="accent1">
-              <a:shade val="50000"/>
-            </a:schemeClr>
-          </a:lnRef>
-          <a:fillRef idx="1">
-            <a:schemeClr val="accent1"/>
-          </a:fillRef>
-          <a:effectRef idx="0">
-            <a:schemeClr val="accent1"/>
-          </a:effectRef>
-          <a:fontRef idx="minor">
-            <a:schemeClr val="lt1"/>
-          </a:fontRef>
-        </p:style>
-        <p:txBody>
-          <a:bodyPr rtlCol="0" anchor="ctr"/>
-          <a:lstStyle/>
-          <a:p>
-            <a:pPr algn="ctr"/>
-            <a:r>
-              <a:rPr lang="en-US" sz="1100" dirty="0" smtClean="0">
-                <a:latin typeface="Bell MT" panose="02020503060305020303" pitchFamily="18" charset="0"/>
-              </a:rPr>
-              <a:t>Fetch Entry</a:t>
-            </a:r>
-            <a:endParaRPr lang="en-US" sz="1100" dirty="0">
-              <a:latin typeface="Bell MT" panose="02020503060305020303" pitchFamily="18" charset="0"/>
-            </a:endParaRPr>
-          </a:p>
-        </p:txBody>
-      </p:sp>
-      <p:sp>
-        <p:nvSpPr>
-          <p:cNvPr id="118" name="Oval 117"/>
-          <p:cNvSpPr/>
-          <p:nvPr/>
-        </p:nvSpPr>
-        <p:spPr>
-          <a:xfrm>
-            <a:off x="5340927" y="4716316"/>
-            <a:ext cx="1371600" cy="457201"/>
-          </a:xfrm>
-          <a:prstGeom prst="ellipse">
-            <a:avLst/>
-          </a:prstGeom>
-        </p:spPr>
-        <p:style>
-          <a:lnRef idx="2">
-            <a:schemeClr val="accent1">
-              <a:shade val="50000"/>
-            </a:schemeClr>
-          </a:lnRef>
-          <a:fillRef idx="1">
-            <a:schemeClr val="accent1"/>
-          </a:fillRef>
-          <a:effectRef idx="0">
-            <a:schemeClr val="accent1"/>
-          </a:effectRef>
-          <a:fontRef idx="minor">
-            <a:schemeClr val="lt1"/>
-          </a:fontRef>
-        </p:style>
-        <p:txBody>
-          <a:bodyPr rtlCol="0" anchor="ctr"/>
-          <a:lstStyle/>
-          <a:p>
-            <a:pPr algn="ctr"/>
-            <a:r>
-              <a:rPr lang="en-US" sz="1200" dirty="0" smtClean="0">
-                <a:latin typeface="Bell MT" panose="02020503060305020303" pitchFamily="18" charset="0"/>
-              </a:rPr>
-              <a:t>Detail</a:t>
-            </a:r>
-            <a:endParaRPr lang="en-US" sz="1200" dirty="0">
-              <a:latin typeface="Bell MT" panose="02020503060305020303" pitchFamily="18" charset="0"/>
-            </a:endParaRPr>
-          </a:p>
-        </p:txBody>
-      </p:sp>
-      <p:sp>
-        <p:nvSpPr>
-          <p:cNvPr id="119" name="Oval 118"/>
-          <p:cNvSpPr/>
-          <p:nvPr/>
-        </p:nvSpPr>
-        <p:spPr>
-          <a:xfrm>
-            <a:off x="5340927" y="5368635"/>
-            <a:ext cx="1371600" cy="457201"/>
-          </a:xfrm>
-          <a:prstGeom prst="ellipse">
-            <a:avLst/>
-          </a:prstGeom>
-        </p:spPr>
-        <p:style>
-          <a:lnRef idx="2">
-            <a:schemeClr val="accent1">
-              <a:shade val="50000"/>
-            </a:schemeClr>
-          </a:lnRef>
-          <a:fillRef idx="1">
-            <a:schemeClr val="accent1"/>
-          </a:fillRef>
-          <a:effectRef idx="0">
-            <a:schemeClr val="accent1"/>
-          </a:effectRef>
-          <a:fontRef idx="minor">
-            <a:schemeClr val="lt1"/>
-          </a:fontRef>
-        </p:style>
-        <p:txBody>
-          <a:bodyPr rtlCol="0" anchor="ctr"/>
-          <a:lstStyle/>
-          <a:p>
-            <a:pPr algn="ctr"/>
-            <a:r>
-              <a:rPr lang="en-US" sz="1100" dirty="0" smtClean="0">
-                <a:latin typeface="Bell MT" panose="02020503060305020303" pitchFamily="18" charset="0"/>
-              </a:rPr>
-              <a:t>Fetch Entry</a:t>
-            </a:r>
-            <a:endParaRPr lang="en-US" sz="1100" dirty="0">
-              <a:latin typeface="Bell MT" panose="02020503060305020303" pitchFamily="18" charset="0"/>
-            </a:endParaRPr>
-          </a:p>
-        </p:txBody>
-      </p:sp>
-      <p:cxnSp>
-        <p:nvCxnSpPr>
-          <p:cNvPr id="121" name="Straight Arrow Connector 120"/>
+          <p:cNvPr id="86" name="Straight Arrow Connector 85"/>
           <p:cNvCxnSpPr>
-            <a:endCxn id="112" idx="2"/>
+            <a:stCxn id="11" idx="3"/>
+            <a:endCxn id="13" idx="0"/>
           </p:cNvCxnSpPr>
           <p:nvPr/>
         </p:nvCxnSpPr>
         <p:spPr>
-          <a:xfrm>
-            <a:off x="4724400" y="1782624"/>
-            <a:ext cx="533400" cy="1"/>
+          <a:xfrm flipH="1">
+            <a:off x="3630460" y="3914227"/>
+            <a:ext cx="1108928" cy="1648373"/>
           </a:xfrm>
           <a:prstGeom prst="straightConnector1">
             <a:avLst/>
@@ -7733,22 +8070,19 @@
       </p:cxnSp>
       <p:cxnSp>
         <p:nvCxnSpPr>
-          <p:cNvPr id="124" name="Elbow Connector 123"/>
+          <p:cNvPr id="89" name="Straight Arrow Connector 88"/>
           <p:cNvCxnSpPr>
-            <a:stCxn id="112" idx="7"/>
+            <a:endCxn id="12" idx="0"/>
           </p:cNvCxnSpPr>
           <p:nvPr/>
         </p:nvCxnSpPr>
         <p:spPr>
-          <a:xfrm rot="16200000" flipH="1">
-            <a:off x="6492604" y="1556909"/>
-            <a:ext cx="429491" cy="557633"/>
-          </a:xfrm>
-          <a:prstGeom prst="bentConnector4">
-            <a:avLst>
-              <a:gd name="adj1" fmla="val -17742"/>
-              <a:gd name="adj2" fmla="val 68011"/>
-            </a:avLst>
+          <a:xfrm flipH="1">
+            <a:off x="1638300" y="3771900"/>
+            <a:ext cx="3009900" cy="1790700"/>
+          </a:xfrm>
+          <a:prstGeom prst="straightConnector1">
+            <a:avLst/>
           </a:prstGeom>
           <a:ln>
             <a:tailEnd type="arrow"/>
@@ -7771,16 +8105,17 @@
       </p:cxnSp>
       <p:cxnSp>
         <p:nvCxnSpPr>
-          <p:cNvPr id="131" name="Straight Arrow Connector 130"/>
+          <p:cNvPr id="92" name="Straight Arrow Connector 91"/>
           <p:cNvCxnSpPr>
-            <a:stCxn id="9" idx="1"/>
+            <a:stCxn id="4" idx="3"/>
+            <a:endCxn id="5" idx="2"/>
           </p:cNvCxnSpPr>
           <p:nvPr/>
         </p:nvCxnSpPr>
         <p:spPr>
-          <a:xfrm flipH="1" flipV="1">
-            <a:off x="6719454" y="2438399"/>
-            <a:ext cx="214746" cy="17319"/>
+          <a:xfrm flipV="1">
+            <a:off x="2095500" y="2555822"/>
+            <a:ext cx="876300" cy="34978"/>
           </a:xfrm>
           <a:prstGeom prst="straightConnector1">
             <a:avLst/>
@@ -7804,495 +8139,39 @@
           </a:fontRef>
         </p:style>
       </p:cxnSp>
-      <p:cxnSp>
-        <p:nvCxnSpPr>
-          <p:cNvPr id="134" name="Elbow Connector 133"/>
-          <p:cNvCxnSpPr/>
-          <p:nvPr/>
-        </p:nvCxnSpPr>
-        <p:spPr>
-          <a:xfrm rot="10800000">
-            <a:off x="4755573" y="2050471"/>
-            <a:ext cx="585354" cy="354448"/>
-          </a:xfrm>
-          <a:prstGeom prst="bentConnector3">
-            <a:avLst/>
-          </a:prstGeom>
-          <a:ln>
-            <a:tailEnd type="arrow"/>
-          </a:ln>
-        </p:spPr>
-        <p:style>
-          <a:lnRef idx="1">
-            <a:schemeClr val="accent1"/>
-          </a:lnRef>
-          <a:fillRef idx="0">
-            <a:schemeClr val="accent1"/>
-          </a:fillRef>
-          <a:effectRef idx="0">
-            <a:schemeClr val="accent1"/>
-          </a:effectRef>
-          <a:fontRef idx="minor">
-            <a:schemeClr val="tx1"/>
-          </a:fontRef>
-        </p:style>
-      </p:cxnSp>
-      <p:cxnSp>
-        <p:nvCxnSpPr>
-          <p:cNvPr id="137" name="Straight Arrow Connector 136"/>
-          <p:cNvCxnSpPr>
-            <a:endCxn id="114" idx="2"/>
-          </p:cNvCxnSpPr>
-          <p:nvPr/>
-        </p:nvCxnSpPr>
-        <p:spPr>
-          <a:xfrm>
-            <a:off x="4755573" y="2989115"/>
-            <a:ext cx="585354" cy="1"/>
-          </a:xfrm>
-          <a:prstGeom prst="straightConnector1">
-            <a:avLst/>
-          </a:prstGeom>
-          <a:ln>
-            <a:tailEnd type="arrow"/>
-          </a:ln>
-        </p:spPr>
-        <p:style>
-          <a:lnRef idx="1">
-            <a:schemeClr val="accent1"/>
-          </a:lnRef>
-          <a:fillRef idx="0">
-            <a:schemeClr val="accent1"/>
-          </a:fillRef>
-          <a:effectRef idx="0">
-            <a:schemeClr val="accent1"/>
-          </a:effectRef>
-          <a:fontRef idx="minor">
-            <a:schemeClr val="tx1"/>
-          </a:fontRef>
-        </p:style>
-      </p:cxnSp>
-      <p:cxnSp>
-        <p:nvCxnSpPr>
-          <p:cNvPr id="155" name="Elbow Connector 154"/>
-          <p:cNvCxnSpPr>
-            <a:stCxn id="114" idx="4"/>
-          </p:cNvCxnSpPr>
-          <p:nvPr/>
-        </p:nvCxnSpPr>
-        <p:spPr>
-          <a:xfrm rot="5400000" flipH="1" flipV="1">
-            <a:off x="6276688" y="2553278"/>
-            <a:ext cx="414477" cy="914400"/>
-          </a:xfrm>
-          <a:prstGeom prst="bentConnector4">
-            <a:avLst>
-              <a:gd name="adj1" fmla="val -28413"/>
-              <a:gd name="adj2" fmla="val 87500"/>
-            </a:avLst>
-          </a:prstGeom>
-          <a:ln>
-            <a:tailEnd type="arrow"/>
-          </a:ln>
-        </p:spPr>
-        <p:style>
-          <a:lnRef idx="1">
-            <a:schemeClr val="accent1"/>
-          </a:lnRef>
-          <a:fillRef idx="0">
-            <a:schemeClr val="accent1"/>
-          </a:fillRef>
-          <a:effectRef idx="0">
-            <a:schemeClr val="accent1"/>
-          </a:effectRef>
-          <a:fontRef idx="minor">
-            <a:schemeClr val="tx1"/>
-          </a:fontRef>
-        </p:style>
-      </p:cxnSp>
-      <p:cxnSp>
-        <p:nvCxnSpPr>
-          <p:cNvPr id="159" name="Elbow Connector 158"/>
-          <p:cNvCxnSpPr>
-            <a:endCxn id="115" idx="6"/>
-          </p:cNvCxnSpPr>
-          <p:nvPr/>
-        </p:nvCxnSpPr>
-        <p:spPr>
-          <a:xfrm rot="10800000" flipV="1">
-            <a:off x="6712528" y="2912918"/>
-            <a:ext cx="945573" cy="765461"/>
-          </a:xfrm>
-          <a:prstGeom prst="bentConnector3">
-            <a:avLst/>
-          </a:prstGeom>
-          <a:ln>
-            <a:tailEnd type="arrow"/>
-          </a:ln>
-        </p:spPr>
-        <p:style>
-          <a:lnRef idx="1">
-            <a:schemeClr val="accent1"/>
-          </a:lnRef>
-          <a:fillRef idx="0">
-            <a:schemeClr val="accent1"/>
-          </a:fillRef>
-          <a:effectRef idx="0">
-            <a:schemeClr val="accent1"/>
-          </a:effectRef>
-          <a:fontRef idx="minor">
-            <a:schemeClr val="tx1"/>
-          </a:fontRef>
-        </p:style>
-      </p:cxnSp>
-      <p:cxnSp>
-        <p:nvCxnSpPr>
-          <p:cNvPr id="162" name="Elbow Connector 161"/>
-          <p:cNvCxnSpPr>
-            <a:stCxn id="115" idx="2"/>
-          </p:cNvCxnSpPr>
-          <p:nvPr/>
-        </p:nvCxnSpPr>
-        <p:spPr>
-          <a:xfrm rot="10800000">
-            <a:off x="4755573" y="3125356"/>
-            <a:ext cx="585354" cy="553025"/>
-          </a:xfrm>
-          <a:prstGeom prst="bentConnector3">
-            <a:avLst/>
-          </a:prstGeom>
-          <a:ln>
-            <a:tailEnd type="arrow"/>
-          </a:ln>
-        </p:spPr>
-        <p:style>
-          <a:lnRef idx="1">
-            <a:schemeClr val="accent1"/>
-          </a:lnRef>
-          <a:fillRef idx="0">
-            <a:schemeClr val="accent1"/>
-          </a:fillRef>
-          <a:effectRef idx="0">
-            <a:schemeClr val="accent1"/>
-          </a:effectRef>
-          <a:fontRef idx="minor">
-            <a:schemeClr val="tx1"/>
-          </a:fontRef>
-        </p:style>
-      </p:cxnSp>
-      <p:cxnSp>
-        <p:nvCxnSpPr>
-          <p:cNvPr id="167" name="Elbow Connector 166"/>
-          <p:cNvCxnSpPr>
-            <a:stCxn id="7" idx="0"/>
-            <a:endCxn id="117" idx="1"/>
-          </p:cNvCxnSpPr>
-          <p:nvPr/>
-        </p:nvCxnSpPr>
-        <p:spPr>
-          <a:xfrm rot="5400000" flipH="1" flipV="1">
-            <a:off x="4668964" y="3581407"/>
-            <a:ext cx="311739" cy="1433920"/>
-          </a:xfrm>
-          <a:prstGeom prst="bentConnector3">
-            <a:avLst>
-              <a:gd name="adj1" fmla="val 163699"/>
-            </a:avLst>
-          </a:prstGeom>
-          <a:ln>
-            <a:tailEnd type="arrow"/>
-          </a:ln>
-        </p:spPr>
-        <p:style>
-          <a:lnRef idx="1">
-            <a:schemeClr val="accent1"/>
-          </a:lnRef>
-          <a:fillRef idx="0">
-            <a:schemeClr val="accent1"/>
-          </a:fillRef>
-          <a:effectRef idx="0">
-            <a:schemeClr val="accent1"/>
-          </a:effectRef>
-          <a:fontRef idx="minor">
-            <a:schemeClr val="tx1"/>
-          </a:fontRef>
-        </p:style>
-      </p:cxnSp>
-      <p:cxnSp>
-        <p:nvCxnSpPr>
-          <p:cNvPr id="171" name="Straight Arrow Connector 170"/>
-          <p:cNvCxnSpPr>
-            <a:stCxn id="117" idx="6"/>
-          </p:cNvCxnSpPr>
-          <p:nvPr/>
-        </p:nvCxnSpPr>
-        <p:spPr>
-          <a:xfrm flipV="1">
-            <a:off x="6712527" y="4298367"/>
-            <a:ext cx="221673" cy="5775"/>
-          </a:xfrm>
-          <a:prstGeom prst="straightConnector1">
-            <a:avLst/>
-          </a:prstGeom>
-          <a:ln>
-            <a:tailEnd type="arrow"/>
-          </a:ln>
-        </p:spPr>
-        <p:style>
-          <a:lnRef idx="1">
-            <a:schemeClr val="accent1"/>
-          </a:lnRef>
-          <a:fillRef idx="0">
-            <a:schemeClr val="accent1"/>
-          </a:fillRef>
-          <a:effectRef idx="0">
-            <a:schemeClr val="accent1"/>
-          </a:effectRef>
-          <a:fontRef idx="minor">
-            <a:schemeClr val="tx1"/>
-          </a:fontRef>
-        </p:style>
-      </p:cxnSp>
-      <p:cxnSp>
-        <p:nvCxnSpPr>
-          <p:cNvPr id="178" name="Elbow Connector 177"/>
-          <p:cNvCxnSpPr>
-            <a:stCxn id="10" idx="1"/>
-            <a:endCxn id="118" idx="6"/>
-          </p:cNvCxnSpPr>
-          <p:nvPr/>
-        </p:nvCxnSpPr>
-        <p:spPr>
-          <a:xfrm rot="10800000" flipV="1">
-            <a:off x="6712528" y="4447309"/>
-            <a:ext cx="221673" cy="497608"/>
-          </a:xfrm>
-          <a:prstGeom prst="bentConnector3">
-            <a:avLst/>
-          </a:prstGeom>
-          <a:ln>
-            <a:tailEnd type="arrow"/>
-          </a:ln>
-        </p:spPr>
-        <p:style>
-          <a:lnRef idx="1">
-            <a:schemeClr val="accent1"/>
-          </a:lnRef>
-          <a:fillRef idx="0">
-            <a:schemeClr val="accent1"/>
-          </a:fillRef>
-          <a:effectRef idx="0">
-            <a:schemeClr val="accent1"/>
-          </a:effectRef>
-          <a:fontRef idx="minor">
-            <a:schemeClr val="tx1"/>
-          </a:fontRef>
-        </p:style>
-      </p:cxnSp>
-      <p:cxnSp>
-        <p:nvCxnSpPr>
-          <p:cNvPr id="181" name="Straight Arrow Connector 180"/>
-          <p:cNvCxnSpPr>
-            <a:stCxn id="118" idx="2"/>
-          </p:cNvCxnSpPr>
-          <p:nvPr/>
-        </p:nvCxnSpPr>
-        <p:spPr>
-          <a:xfrm flipH="1">
-            <a:off x="4724400" y="4944917"/>
-            <a:ext cx="616527" cy="25402"/>
-          </a:xfrm>
-          <a:prstGeom prst="straightConnector1">
-            <a:avLst/>
-          </a:prstGeom>
-          <a:ln>
-            <a:tailEnd type="arrow"/>
-          </a:ln>
-        </p:spPr>
-        <p:style>
-          <a:lnRef idx="1">
-            <a:schemeClr val="accent1"/>
-          </a:lnRef>
-          <a:fillRef idx="0">
-            <a:schemeClr val="accent1"/>
-          </a:fillRef>
-          <a:effectRef idx="0">
-            <a:schemeClr val="accent1"/>
-          </a:effectRef>
-          <a:fontRef idx="minor">
-            <a:schemeClr val="tx1"/>
-          </a:fontRef>
-        </p:style>
-      </p:cxnSp>
-      <p:cxnSp>
-        <p:nvCxnSpPr>
-          <p:cNvPr id="184" name="Straight Arrow Connector 183"/>
-          <p:cNvCxnSpPr/>
-          <p:nvPr/>
-        </p:nvCxnSpPr>
-        <p:spPr>
-          <a:xfrm flipV="1">
-            <a:off x="4724400" y="5597235"/>
-            <a:ext cx="616527" cy="1"/>
-          </a:xfrm>
-          <a:prstGeom prst="straightConnector1">
-            <a:avLst/>
-          </a:prstGeom>
-          <a:ln>
-            <a:tailEnd type="arrow"/>
-          </a:ln>
-        </p:spPr>
-        <p:style>
-          <a:lnRef idx="1">
-            <a:schemeClr val="accent1"/>
-          </a:lnRef>
-          <a:fillRef idx="0">
-            <a:schemeClr val="accent1"/>
-          </a:fillRef>
-          <a:effectRef idx="0">
-            <a:schemeClr val="accent1"/>
-          </a:effectRef>
-          <a:fontRef idx="minor">
-            <a:schemeClr val="tx1"/>
-          </a:fontRef>
-        </p:style>
-      </p:cxnSp>
-      <p:cxnSp>
-        <p:nvCxnSpPr>
-          <p:cNvPr id="188" name="Elbow Connector 187"/>
-          <p:cNvCxnSpPr/>
-          <p:nvPr/>
-        </p:nvCxnSpPr>
-        <p:spPr>
-          <a:xfrm flipV="1">
-            <a:off x="6428533" y="4916054"/>
-            <a:ext cx="945573" cy="692727"/>
-          </a:xfrm>
-          <a:prstGeom prst="bentConnector2">
-            <a:avLst/>
-          </a:prstGeom>
-          <a:ln>
-            <a:tailEnd type="arrow"/>
-          </a:ln>
-        </p:spPr>
-        <p:style>
-          <a:lnRef idx="1">
-            <a:schemeClr val="accent1"/>
-          </a:lnRef>
-          <a:fillRef idx="0">
-            <a:schemeClr val="accent1"/>
-          </a:fillRef>
-          <a:effectRef idx="0">
-            <a:schemeClr val="accent1"/>
-          </a:effectRef>
-          <a:fontRef idx="minor">
-            <a:schemeClr val="tx1"/>
-          </a:fontRef>
-        </p:style>
-      </p:cxnSp>
-      <p:cxnSp>
-        <p:nvCxnSpPr>
-          <p:cNvPr id="201" name="Straight Connector 200"/>
-          <p:cNvCxnSpPr/>
-          <p:nvPr/>
-        </p:nvCxnSpPr>
-        <p:spPr>
-          <a:xfrm>
-            <a:off x="8001000" y="4916054"/>
-            <a:ext cx="0" cy="1256146"/>
-          </a:xfrm>
-          <a:prstGeom prst="line">
-            <a:avLst/>
-          </a:prstGeom>
-        </p:spPr>
-        <p:style>
-          <a:lnRef idx="1">
-            <a:schemeClr val="accent1"/>
-          </a:lnRef>
-          <a:fillRef idx="0">
-            <a:schemeClr val="accent1"/>
-          </a:fillRef>
-          <a:effectRef idx="0">
-            <a:schemeClr val="accent1"/>
-          </a:effectRef>
-          <a:fontRef idx="minor">
-            <a:schemeClr val="tx1"/>
-          </a:fontRef>
-        </p:style>
-      </p:cxnSp>
-      <p:cxnSp>
-        <p:nvCxnSpPr>
-          <p:cNvPr id="204" name="Straight Arrow Connector 203"/>
-          <p:cNvCxnSpPr>
-            <a:endCxn id="116" idx="6"/>
-          </p:cNvCxnSpPr>
-          <p:nvPr/>
-        </p:nvCxnSpPr>
-        <p:spPr>
-          <a:xfrm flipH="1">
-            <a:off x="6719454" y="6172199"/>
-            <a:ext cx="1281546" cy="1"/>
-          </a:xfrm>
-          <a:prstGeom prst="straightConnector1">
-            <a:avLst/>
-          </a:prstGeom>
-          <a:ln>
-            <a:tailEnd type="arrow"/>
-          </a:ln>
-        </p:spPr>
-        <p:style>
-          <a:lnRef idx="1">
-            <a:schemeClr val="accent1"/>
-          </a:lnRef>
-          <a:fillRef idx="0">
-            <a:schemeClr val="accent1"/>
-          </a:fillRef>
-          <a:effectRef idx="0">
-            <a:schemeClr val="accent1"/>
-          </a:effectRef>
-          <a:fontRef idx="minor">
-            <a:schemeClr val="tx1"/>
-          </a:fontRef>
-        </p:style>
-      </p:cxnSp>
-      <p:cxnSp>
-        <p:nvCxnSpPr>
-          <p:cNvPr id="207" name="Elbow Connector 206"/>
-          <p:cNvCxnSpPr>
-            <a:stCxn id="116" idx="2"/>
-          </p:cNvCxnSpPr>
-          <p:nvPr/>
-        </p:nvCxnSpPr>
-        <p:spPr>
-          <a:xfrm rot="10800000">
-            <a:off x="4724400" y="5983428"/>
-            <a:ext cx="623454" cy="188773"/>
-          </a:xfrm>
-          <a:prstGeom prst="bentConnector3">
-            <a:avLst/>
-          </a:prstGeom>
-          <a:ln>
-            <a:tailEnd type="arrow"/>
-          </a:ln>
-        </p:spPr>
-        <p:style>
-          <a:lnRef idx="1">
-            <a:schemeClr val="accent1"/>
-          </a:lnRef>
-          <a:fillRef idx="0">
-            <a:schemeClr val="accent1"/>
-          </a:fillRef>
-          <a:effectRef idx="0">
-            <a:schemeClr val="accent1"/>
-          </a:effectRef>
-          <a:fontRef idx="minor">
-            <a:schemeClr val="tx1"/>
-          </a:fontRef>
-        </p:style>
-      </p:cxnSp>
-      <p:sp>
-        <p:nvSpPr>
-          <p:cNvPr id="217" name="Content Placeholder 1"/>
+    </p:spTree>
+    <p:extLst>
+      <p:ext uri="{BB962C8B-B14F-4D97-AF65-F5344CB8AC3E}">
+        <p14:creationId xmlns:p14="http://schemas.microsoft.com/office/powerpoint/2010/main" val="426896193"/>
+      </p:ext>
+    </p:extLst>
+  </p:cSld>
+  <p:clrMapOvr>
+    <a:masterClrMapping/>
+  </p:clrMapOvr>
+</p:sld>
+</file>
+
+<file path=ppt/slides/slide7.xml><?xml version="1.0" encoding="utf-8"?>
+<p:sld xmlns:a="http://schemas.openxmlformats.org/drawingml/2006/main" xmlns:r="http://schemas.openxmlformats.org/officeDocument/2006/relationships" xmlns:p="http://schemas.openxmlformats.org/presentationml/2006/main">
+  <p:cSld>
+    <p:spTree>
+      <p:nvGrpSpPr>
+        <p:cNvPr id="1" name=""/>
+        <p:cNvGrpSpPr/>
+        <p:nvPr/>
+      </p:nvGrpSpPr>
+      <p:grpSpPr>
+        <a:xfrm>
+          <a:off x="0" y="0"/>
+          <a:ext cx="0" cy="0"/>
+          <a:chOff x="0" y="0"/>
+          <a:chExt cx="0" cy="0"/>
+        </a:xfrm>
+      </p:grpSpPr>
+      <p:sp>
+        <p:nvSpPr>
+          <p:cNvPr id="3" name="Content Placeholder 2"/>
           <p:cNvSpPr>
             <a:spLocks noGrp="1"/>
           </p:cNvSpPr>
@@ -8300,44 +8179,122 @@
             <p:ph sz="quarter" idx="13"/>
           </p:nvPr>
         </p:nvSpPr>
-        <p:spPr>
-          <a:xfrm>
-            <a:off x="0" y="838200"/>
-            <a:ext cx="9067799" cy="5852391"/>
-          </a:xfrm>
-        </p:spPr>
+        <p:spPr/>
         <p:txBody>
           <a:bodyPr>
-            <a:normAutofit/>
+            <a:normAutofit fontScale="92500"/>
           </a:bodyPr>
           <a:lstStyle/>
           <a:p>
-            <a:r>
-              <a:rPr lang="en-US" sz="1400" dirty="0">
-                <a:solidFill>
-                  <a:schemeClr val="accent4">
-                    <a:lumMod val="20000"/>
-                    <a:lumOff val="80000"/>
-                  </a:schemeClr>
-                </a:solidFill>
+            <a:pPr marL="342900" indent="-342900" algn="l">
+              <a:buFont typeface="Wingdings" panose="05000000000000000000" pitchFamily="2" charset="2"/>
+              <a:buChar char="Ø"/>
+            </a:pPr>
+            <a:r>
+              <a:rPr lang="en-US" sz="2400" dirty="0" smtClean="0">
                 <a:latin typeface="Bell MT" panose="02020503060305020303" pitchFamily="18" charset="0"/>
               </a:rPr>
-              <a:t>This is first level data flow diagram of a student panel. Student interacts with two databases namely, Student database and Lecture database</a:t>
-            </a:r>
-            <a:r>
-              <a:rPr lang="en-US" sz="1200" dirty="0"/>
+              <a:t>Admin logins to the system and manage all the functionalities of the timetable management system.</a:t>
+            </a:r>
+          </a:p>
+          <a:p>
+            <a:pPr marL="342900" indent="-342900" algn="l">
+              <a:buFont typeface="Wingdings" panose="05000000000000000000" pitchFamily="2" charset="2"/>
+              <a:buChar char="Ø"/>
+            </a:pPr>
+            <a:r>
+              <a:rPr lang="en-US" sz="2400" dirty="0" smtClean="0">
+                <a:latin typeface="Bell MT" panose="02020503060305020303" pitchFamily="18" charset="0"/>
+              </a:rPr>
+              <a:t>Admin can add, delete, modify, and view the records of Timetable, Class, Subject, Room, and Faculty.</a:t>
+            </a:r>
+          </a:p>
+          <a:p>
+            <a:pPr marL="342900" indent="-342900" algn="l">
+              <a:buFont typeface="Wingdings" panose="05000000000000000000" pitchFamily="2" charset="2"/>
+              <a:buChar char="Ø"/>
+            </a:pPr>
+            <a:r>
+              <a:rPr lang="en-US" sz="2400" dirty="0" smtClean="0">
+                <a:latin typeface="Bell MT" panose="02020503060305020303" pitchFamily="18" charset="0"/>
+              </a:rPr>
+              <a:t>Admin can also generate the reports of Timetable, Class, Room, Student, Subject, and Faculty.</a:t>
+            </a:r>
+          </a:p>
+          <a:p>
+            <a:pPr marL="342900" indent="-342900" algn="l">
+              <a:buFont typeface="Wingdings" panose="05000000000000000000" pitchFamily="2" charset="2"/>
+              <a:buChar char="Ø"/>
+            </a:pPr>
+            <a:r>
+              <a:rPr lang="en-US" sz="2400" dirty="0" smtClean="0">
+                <a:latin typeface="Bell MT" panose="02020503060305020303" pitchFamily="18" charset="0"/>
+              </a:rPr>
+              <a:t>Admin can search the details of Subject and Faculty.</a:t>
+            </a:r>
+          </a:p>
+          <a:p>
+            <a:pPr marL="342900" indent="-342900" algn="l">
+              <a:buFont typeface="Wingdings" panose="05000000000000000000" pitchFamily="2" charset="2"/>
+              <a:buChar char="Ø"/>
+            </a:pPr>
+            <a:r>
+              <a:rPr lang="en-US" sz="2400" dirty="0" smtClean="0">
+                <a:latin typeface="Bell MT" panose="02020503060305020303" pitchFamily="18" charset="0"/>
+              </a:rPr>
+              <a:t>Admin can apply different level of filters on report of Timetable.</a:t>
+            </a:r>
+          </a:p>
+          <a:p>
+            <a:pPr marL="342900" indent="-342900" algn="l">
+              <a:buFont typeface="Wingdings" panose="05000000000000000000" pitchFamily="2" charset="2"/>
+              <a:buChar char="Ø"/>
+            </a:pPr>
+            <a:r>
+              <a:rPr lang="en-US" sz="2400" dirty="0" smtClean="0">
+                <a:latin typeface="Bell MT" panose="02020503060305020303" pitchFamily="18" charset="0"/>
+              </a:rPr>
+              <a:t>Admin can tracks the detailed information of the Class, Student and Subject</a:t>
+            </a:r>
+            <a:r>
+              <a:rPr lang="en-US" dirty="0" smtClean="0"/>
               <a:t>.</a:t>
             </a:r>
-          </a:p>
-          <a:p>
-            <a:endParaRPr lang="en-US" sz="1200" dirty="0"/>
+            <a:endParaRPr lang="en-US" dirty="0"/>
+          </a:p>
+        </p:txBody>
+      </p:sp>
+      <p:sp>
+        <p:nvSpPr>
+          <p:cNvPr id="2" name="Title 1"/>
+          <p:cNvSpPr>
+            <a:spLocks noGrp="1"/>
+          </p:cNvSpPr>
+          <p:nvPr>
+            <p:ph type="title"/>
+          </p:nvPr>
+        </p:nvSpPr>
+        <p:spPr/>
+        <p:txBody>
+          <a:bodyPr/>
+          <a:lstStyle/>
+          <a:p>
+            <a:r>
+              <a:rPr lang="en-US" dirty="0" smtClean="0">
+                <a:latin typeface="Algerian" panose="04020705040A02060702" pitchFamily="82" charset="0"/>
+              </a:rPr>
+              <a:t>Second level data flow diagram</a:t>
+            </a:r>
+            <a:endParaRPr lang="en-US" dirty="0">
+              <a:latin typeface="Algerian" panose="04020705040A02060702" pitchFamily="82" charset="0"/>
+            </a:endParaRPr>
           </a:p>
         </p:txBody>
       </p:sp>
     </p:spTree>
     <p:extLst>
       <p:ext uri="{BB962C8B-B14F-4D97-AF65-F5344CB8AC3E}">
-        <p14:creationId xmlns:p14="http://schemas.microsoft.com/office/powerpoint/2010/main" val="1492291957"/>
+        <p14:creationId xmlns:p14="http://schemas.microsoft.com/office/powerpoint/2010/main" val="473044855"/>
       </p:ext>
     </p:extLst>
   </p:cSld>
@@ -8661,4 +8618,289 @@
   <a:objectDefaults/>
   <a:extraClrSchemeLst/>
 </a:theme>
+</file>
+
+<file path=ppt/theme/theme2.xml><?xml version="1.0" encoding="utf-8"?>
+<a:theme xmlns:a="http://schemas.openxmlformats.org/drawingml/2006/main" name="Office Theme">
+  <a:themeElements>
+    <a:clrScheme name="Office">
+      <a:dk1>
+        <a:sysClr val="windowText" lastClr="000000"/>
+      </a:dk1>
+      <a:lt1>
+        <a:sysClr val="window" lastClr="FFFFFF"/>
+      </a:lt1>
+      <a:dk2>
+        <a:srgbClr val="1F497D"/>
+      </a:dk2>
+      <a:lt2>
+        <a:srgbClr val="EEECE1"/>
+      </a:lt2>
+      <a:accent1>
+        <a:srgbClr val="4F81BD"/>
+      </a:accent1>
+      <a:accent2>
+        <a:srgbClr val="C0504D"/>
+      </a:accent2>
+      <a:accent3>
+        <a:srgbClr val="9BBB59"/>
+      </a:accent3>
+      <a:accent4>
+        <a:srgbClr val="8064A2"/>
+      </a:accent4>
+      <a:accent5>
+        <a:srgbClr val="4BACC6"/>
+      </a:accent5>
+      <a:accent6>
+        <a:srgbClr val="F79646"/>
+      </a:accent6>
+      <a:hlink>
+        <a:srgbClr val="0000FF"/>
+      </a:hlink>
+      <a:folHlink>
+        <a:srgbClr val="800080"/>
+      </a:folHlink>
+    </a:clrScheme>
+    <a:fontScheme name="Office">
+      <a:majorFont>
+        <a:latin typeface="Calibri"/>
+        <a:ea typeface=""/>
+        <a:cs typeface=""/>
+        <a:font script="Jpan" typeface="ＭＳ Ｐゴシック"/>
+        <a:font script="Hang" typeface="맑은 고딕"/>
+        <a:font script="Hans" typeface="宋体"/>
+        <a:font script="Hant" typeface="新細明體"/>
+        <a:font script="Arab" typeface="Times New Roman"/>
+        <a:font script="Hebr" typeface="Times New Roman"/>
+        <a:font script="Thai" typeface="Angsana New"/>
+        <a:font script="Ethi" typeface="Nyala"/>
+        <a:font script="Beng" typeface="Vrinda"/>
+        <a:font script="Gujr" typeface="Shruti"/>
+        <a:font script="Khmr" typeface="MoolBoran"/>
+        <a:font script="Knda" typeface="Tunga"/>
+        <a:font script="Guru" typeface="Raavi"/>
+        <a:font script="Cans" typeface="Euphemia"/>
+        <a:font script="Cher" typeface="Plantagenet Cherokee"/>
+        <a:font script="Yiii" typeface="Microsoft Yi Baiti"/>
+        <a:font script="Tibt" typeface="Microsoft Himalaya"/>
+        <a:font script="Thaa" typeface="MV Boli"/>
+        <a:font script="Deva" typeface="Mangal"/>
+        <a:font script="Telu" typeface="Gautami"/>
+        <a:font script="Taml" typeface="Latha"/>
+        <a:font script="Syrc" typeface="Estrangelo Edessa"/>
+        <a:font script="Orya" typeface="Kalinga"/>
+        <a:font script="Mlym" typeface="Kartika"/>
+        <a:font script="Laoo" typeface="DokChampa"/>
+        <a:font script="Sinh" typeface="Iskoola Pota"/>
+        <a:font script="Mong" typeface="Mongolian Baiti"/>
+        <a:font script="Viet" typeface="Times New Roman"/>
+        <a:font script="Uigh" typeface="Microsoft Uighur"/>
+        <a:font script="Geor" typeface="Sylfaen"/>
+      </a:majorFont>
+      <a:minorFont>
+        <a:latin typeface="Calibri"/>
+        <a:ea typeface=""/>
+        <a:cs typeface=""/>
+        <a:font script="Jpan" typeface="ＭＳ Ｐゴシック"/>
+        <a:font script="Hang" typeface="맑은 고딕"/>
+        <a:font script="Hans" typeface="宋体"/>
+        <a:font script="Hant" typeface="新細明體"/>
+        <a:font script="Arab" typeface="Arial"/>
+        <a:font script="Hebr" typeface="Arial"/>
+        <a:font script="Thai" typeface="Cordia New"/>
+        <a:font script="Ethi" typeface="Nyala"/>
+        <a:font script="Beng" typeface="Vrinda"/>
+        <a:font script="Gujr" typeface="Shruti"/>
+        <a:font script="Khmr" typeface="DaunPenh"/>
+        <a:font script="Knda" typeface="Tunga"/>
+        <a:font script="Guru" typeface="Raavi"/>
+        <a:font script="Cans" typeface="Euphemia"/>
+        <a:font script="Cher" typeface="Plantagenet Cherokee"/>
+        <a:font script="Yiii" typeface="Microsoft Yi Baiti"/>
+        <a:font script="Tibt" typeface="Microsoft Himalaya"/>
+        <a:font script="Thaa" typeface="MV Boli"/>
+        <a:font script="Deva" typeface="Mangal"/>
+        <a:font script="Telu" typeface="Gautami"/>
+        <a:font script="Taml" typeface="Latha"/>
+        <a:font script="Syrc" typeface="Estrangelo Edessa"/>
+        <a:font script="Orya" typeface="Kalinga"/>
+        <a:font script="Mlym" typeface="Kartika"/>
+        <a:font script="Laoo" typeface="DokChampa"/>
+        <a:font script="Sinh" typeface="Iskoola Pota"/>
+        <a:font script="Mong" typeface="Mongolian Baiti"/>
+        <a:font script="Viet" typeface="Arial"/>
+        <a:font script="Uigh" typeface="Microsoft Uighur"/>
+        <a:font script="Geor" typeface="Sylfaen"/>
+      </a:minorFont>
+    </a:fontScheme>
+    <a:fmtScheme name="Office">
+      <a:fillStyleLst>
+        <a:solidFill>
+          <a:schemeClr val="phClr"/>
+        </a:solidFill>
+        <a:gradFill rotWithShape="1">
+          <a:gsLst>
+            <a:gs pos="0">
+              <a:schemeClr val="phClr">
+                <a:tint val="50000"/>
+                <a:satMod val="300000"/>
+              </a:schemeClr>
+            </a:gs>
+            <a:gs pos="35000">
+              <a:schemeClr val="phClr">
+                <a:tint val="37000"/>
+                <a:satMod val="300000"/>
+              </a:schemeClr>
+            </a:gs>
+            <a:gs pos="100000">
+              <a:schemeClr val="phClr">
+                <a:tint val="15000"/>
+                <a:satMod val="350000"/>
+              </a:schemeClr>
+            </a:gs>
+          </a:gsLst>
+          <a:lin ang="16200000" scaled="1"/>
+        </a:gradFill>
+        <a:gradFill rotWithShape="1">
+          <a:gsLst>
+            <a:gs pos="0">
+              <a:schemeClr val="phClr">
+                <a:shade val="51000"/>
+                <a:satMod val="130000"/>
+              </a:schemeClr>
+            </a:gs>
+            <a:gs pos="80000">
+              <a:schemeClr val="phClr">
+                <a:shade val="93000"/>
+                <a:satMod val="130000"/>
+              </a:schemeClr>
+            </a:gs>
+            <a:gs pos="100000">
+              <a:schemeClr val="phClr">
+                <a:shade val="94000"/>
+                <a:satMod val="135000"/>
+              </a:schemeClr>
+            </a:gs>
+          </a:gsLst>
+          <a:lin ang="16200000" scaled="0"/>
+        </a:gradFill>
+      </a:fillStyleLst>
+      <a:lnStyleLst>
+        <a:ln w="9525" cap="flat" cmpd="sng" algn="ctr">
+          <a:solidFill>
+            <a:schemeClr val="phClr">
+              <a:shade val="95000"/>
+              <a:satMod val="105000"/>
+            </a:schemeClr>
+          </a:solidFill>
+          <a:prstDash val="solid"/>
+        </a:ln>
+        <a:ln w="25400" cap="flat" cmpd="sng" algn="ctr">
+          <a:solidFill>
+            <a:schemeClr val="phClr"/>
+          </a:solidFill>
+          <a:prstDash val="solid"/>
+        </a:ln>
+        <a:ln w="38100" cap="flat" cmpd="sng" algn="ctr">
+          <a:solidFill>
+            <a:schemeClr val="phClr"/>
+          </a:solidFill>
+          <a:prstDash val="solid"/>
+        </a:ln>
+      </a:lnStyleLst>
+      <a:effectStyleLst>
+        <a:effectStyle>
+          <a:effectLst>
+            <a:outerShdw blurRad="40000" dist="20000" dir="5400000" rotWithShape="0">
+              <a:srgbClr val="000000">
+                <a:alpha val="38000"/>
+              </a:srgbClr>
+            </a:outerShdw>
+          </a:effectLst>
+        </a:effectStyle>
+        <a:effectStyle>
+          <a:effectLst>
+            <a:outerShdw blurRad="40000" dist="23000" dir="5400000" rotWithShape="0">
+              <a:srgbClr val="000000">
+                <a:alpha val="35000"/>
+              </a:srgbClr>
+            </a:outerShdw>
+          </a:effectLst>
+        </a:effectStyle>
+        <a:effectStyle>
+          <a:effectLst>
+            <a:outerShdw blurRad="40000" dist="23000" dir="5400000" rotWithShape="0">
+              <a:srgbClr val="000000">
+                <a:alpha val="35000"/>
+              </a:srgbClr>
+            </a:outerShdw>
+          </a:effectLst>
+          <a:scene3d>
+            <a:camera prst="orthographicFront">
+              <a:rot lat="0" lon="0" rev="0"/>
+            </a:camera>
+            <a:lightRig rig="threePt" dir="t">
+              <a:rot lat="0" lon="0" rev="1200000"/>
+            </a:lightRig>
+          </a:scene3d>
+          <a:sp3d>
+            <a:bevelT w="63500" h="25400"/>
+          </a:sp3d>
+        </a:effectStyle>
+      </a:effectStyleLst>
+      <a:bgFillStyleLst>
+        <a:solidFill>
+          <a:schemeClr val="phClr"/>
+        </a:solidFill>
+        <a:gradFill rotWithShape="1">
+          <a:gsLst>
+            <a:gs pos="0">
+              <a:schemeClr val="phClr">
+                <a:tint val="40000"/>
+                <a:satMod val="350000"/>
+              </a:schemeClr>
+            </a:gs>
+            <a:gs pos="40000">
+              <a:schemeClr val="phClr">
+                <a:tint val="45000"/>
+                <a:shade val="99000"/>
+                <a:satMod val="350000"/>
+              </a:schemeClr>
+            </a:gs>
+            <a:gs pos="100000">
+              <a:schemeClr val="phClr">
+                <a:shade val="20000"/>
+                <a:satMod val="255000"/>
+              </a:schemeClr>
+            </a:gs>
+          </a:gsLst>
+          <a:path path="circle">
+            <a:fillToRect l="50000" t="-80000" r="50000" b="180000"/>
+          </a:path>
+        </a:gradFill>
+        <a:gradFill rotWithShape="1">
+          <a:gsLst>
+            <a:gs pos="0">
+              <a:schemeClr val="phClr">
+                <a:tint val="80000"/>
+                <a:satMod val="300000"/>
+              </a:schemeClr>
+            </a:gs>
+            <a:gs pos="100000">
+              <a:schemeClr val="phClr">
+                <a:shade val="30000"/>
+                <a:satMod val="200000"/>
+              </a:schemeClr>
+            </a:gs>
+          </a:gsLst>
+          <a:path path="circle">
+            <a:fillToRect l="50000" t="50000" r="50000" b="50000"/>
+          </a:path>
+        </a:gradFill>
+      </a:bgFillStyleLst>
+    </a:fmtScheme>
+  </a:themeElements>
+  <a:objectDefaults/>
+  <a:extraClrSchemeLst/>
+</a:theme>
 </file>